--- a/agile/Lot 1/Sprint 2/escalade.pptx
+++ b/agile/Lot 1/Sprint 2/escalade.pptx
@@ -9,14 +9,10 @@
     <p:sldId id="263" r:id="rId3"/>
     <p:sldId id="257" r:id="rId4"/>
     <p:sldId id="259" r:id="rId5"/>
-    <p:sldId id="264" r:id="rId6"/>
-    <p:sldId id="265" r:id="rId7"/>
-    <p:sldId id="266" r:id="rId8"/>
-    <p:sldId id="267" r:id="rId9"/>
-    <p:sldId id="268" r:id="rId10"/>
-    <p:sldId id="269" r:id="rId11"/>
-    <p:sldId id="270" r:id="rId12"/>
-    <p:sldId id="262" r:id="rId13"/>
+    <p:sldId id="271" r:id="rId6"/>
+    <p:sldId id="272" r:id="rId7"/>
+    <p:sldId id="270" r:id="rId8"/>
+    <p:sldId id="262" r:id="rId9"/>
   </p:sldIdLst>
   <p:sldSz cx="12192000" cy="6858000"/>
   <p:notesSz cx="6858000" cy="9144000"/>
@@ -3365,7 +3361,7 @@
           <a:p>
             <a:r>
               <a:rPr lang="fr-FR" dirty="0"/>
-              <a:t>Lot 1 – Sprint 1</a:t>
+              <a:t>Lot 1 – Sprint 2</a:t>
             </a:r>
           </a:p>
         </p:txBody>
@@ -3581,7 +3577,7 @@
                   <a:schemeClr val="tx1"/>
                 </a:solidFill>
               </a:rPr>
-              <a:t>L1S1</a:t>
+              <a:t>L1S2</a:t>
             </a:r>
           </a:p>
         </p:txBody>
@@ -3656,7 +3652,7 @@
 </p:sld>
 </file>
 
-<file path=ppt/slides/slide10.xml><?xml version="1.0" encoding="utf-8"?>
+<file path=ppt/slides/slide2.xml><?xml version="1.0" encoding="utf-8"?>
 <p:sld xmlns:a="http://schemas.openxmlformats.org/drawingml/2006/main" xmlns:r="http://schemas.openxmlformats.org/officeDocument/2006/relationships" xmlns:p="http://schemas.openxmlformats.org/presentationml/2006/main">
   <p:cSld>
     <p:spTree>
@@ -3691,60 +3687,221 @@
         </p:nvSpPr>
         <p:spPr>
           <a:xfrm>
-            <a:off x="838200" y="819864"/>
-            <a:ext cx="10515600" cy="488820"/>
+            <a:off x="0" y="0"/>
+            <a:ext cx="12192000" cy="700277"/>
+          </a:xfrm>
+          <a:solidFill>
+            <a:srgbClr val="DC3545"/>
+          </a:solidFill>
+        </p:spPr>
+        <p:txBody>
+          <a:bodyPr/>
+          <a:lstStyle/>
+          <a:p>
+            <a:pPr algn="r"/>
+            <a:r>
+              <a:rPr lang="fr-FR" dirty="0">
+                <a:solidFill>
+                  <a:srgbClr val="F4F4F4"/>
+                </a:solidFill>
+              </a:rPr>
+              <a:t>OBJET DU DOCUMENT</a:t>
+            </a:r>
+          </a:p>
+        </p:txBody>
+      </p:sp>
+      <p:sp>
+        <p:nvSpPr>
+          <p:cNvPr id="3" name="Sous-titre 2">
+            <a:extLst>
+              <a:ext uri="{FF2B5EF4-FFF2-40B4-BE49-F238E27FC236}">
+                <a16:creationId xmlns:a16="http://schemas.microsoft.com/office/drawing/2014/main" id="{C24EB3E1-853A-4C9D-A4B5-CB1CEECE2797}"/>
+              </a:ext>
+            </a:extLst>
+          </p:cNvPr>
+          <p:cNvSpPr>
+            <a:spLocks noGrp="1"/>
+          </p:cNvSpPr>
+          <p:nvPr>
+            <p:ph idx="1"/>
+          </p:nvPr>
+        </p:nvSpPr>
+        <p:spPr>
+          <a:xfrm>
+            <a:off x="822392" y="1904301"/>
+            <a:ext cx="10515600" cy="4285865"/>
           </a:xfrm>
         </p:spPr>
         <p:txBody>
-          <a:bodyPr>
-            <a:normAutofit fontScale="90000"/>
-          </a:bodyPr>
-          <a:lstStyle/>
-          <a:p>
-            <a:pPr algn="r"/>
-            <a:r>
-              <a:rPr lang="fr-FR" sz="3200" b="1" dirty="0"/>
-              <a:t>US06 : Administration de l’espace</a:t>
-            </a:r>
-          </a:p>
-        </p:txBody>
-      </p:sp>
-      <p:sp>
-        <p:nvSpPr>
-          <p:cNvPr id="3" name="Espace réservé du contenu 2">
-            <a:extLst>
-              <a:ext uri="{FF2B5EF4-FFF2-40B4-BE49-F238E27FC236}">
-                <a16:creationId xmlns:a16="http://schemas.microsoft.com/office/drawing/2014/main" id="{A21895C4-E6A0-4E1A-9CE1-C7428910F9BE}"/>
-              </a:ext>
-            </a:extLst>
-          </p:cNvPr>
-          <p:cNvSpPr>
-            <a:spLocks noGrp="1"/>
-          </p:cNvSpPr>
-          <p:nvPr>
-            <p:ph idx="1"/>
-          </p:nvPr>
+          <a:bodyPr/>
+          <a:lstStyle/>
+          <a:p>
+            <a:r>
+              <a:rPr lang="fr-FR" dirty="0"/>
+              <a:t>Ce document est relatif au projet 6 du parcours développeur d’application Java par </a:t>
+            </a:r>
+            <a:r>
+              <a:rPr lang="fr-FR" dirty="0" err="1"/>
+              <a:t>openclassrooms</a:t>
+            </a:r>
+            <a:r>
+              <a:rPr lang="fr-FR" dirty="0"/>
+              <a:t>.</a:t>
+            </a:r>
+          </a:p>
+          <a:p>
+            <a:r>
+              <a:rPr lang="fr-FR" dirty="0"/>
+              <a:t>La mission est définie par la création d’un site d’escalade.</a:t>
+            </a:r>
+          </a:p>
+          <a:p>
+            <a:r>
+              <a:rPr lang="fr-FR" dirty="0"/>
+              <a:t>Le site doit être responsive (adaptable selon les terminaux – smartphones, tablettes, applications desktop etc..)</a:t>
+            </a:r>
+          </a:p>
+          <a:p>
+            <a:r>
+              <a:rPr lang="fr-FR" dirty="0"/>
+              <a:t>Ce document décrit les User Stories (dénommés US à partir de ce point) nécessaire à la visualisation du résultat de la mission.</a:t>
+            </a:r>
+          </a:p>
+        </p:txBody>
+      </p:sp>
+      <p:sp>
+        <p:nvSpPr>
+          <p:cNvPr id="6" name="Rectangle 5">
+            <a:extLst>
+              <a:ext uri="{FF2B5EF4-FFF2-40B4-BE49-F238E27FC236}">
+                <a16:creationId xmlns:a16="http://schemas.microsoft.com/office/drawing/2014/main" id="{DEFA824C-FB5A-40D7-8FEA-311D463F4148}"/>
+              </a:ext>
+            </a:extLst>
+          </p:cNvPr>
+          <p:cNvSpPr/>
+          <p:nvPr/>
         </p:nvSpPr>
         <p:spPr>
           <a:xfrm>
-            <a:off x="838200" y="3917659"/>
-            <a:ext cx="10515600" cy="2259304"/>
+            <a:off x="10590245" y="6316824"/>
+            <a:ext cx="1601755" cy="541176"/>
+          </a:xfrm>
+          <a:prstGeom prst="rect">
+            <a:avLst/>
+          </a:prstGeom>
+          <a:noFill/>
+          <a:ln>
+            <a:noFill/>
+          </a:ln>
+        </p:spPr>
+        <p:style>
+          <a:lnRef idx="2">
+            <a:schemeClr val="accent1">
+              <a:shade val="50000"/>
+            </a:schemeClr>
+          </a:lnRef>
+          <a:fillRef idx="1">
+            <a:schemeClr val="accent1"/>
+          </a:fillRef>
+          <a:effectRef idx="0">
+            <a:schemeClr val="accent1"/>
+          </a:effectRef>
+          <a:fontRef idx="minor">
+            <a:schemeClr val="lt1"/>
+          </a:fontRef>
+        </p:style>
+        <p:txBody>
+          <a:bodyPr rtlCol="0" anchor="ctr"/>
+          <a:lstStyle/>
+          <a:p>
+            <a:pPr algn="ctr"/>
+            <a:r>
+              <a:rPr lang="fr-FR" sz="1400" i="1" dirty="0" err="1">
+                <a:solidFill>
+                  <a:schemeClr val="tx1"/>
+                </a:solidFill>
+              </a:rPr>
+              <a:t>metaXIII</a:t>
+            </a:r>
+            <a:endParaRPr lang="fr-FR" sz="1400" i="1" dirty="0">
+              <a:solidFill>
+                <a:schemeClr val="tx1"/>
+              </a:solidFill>
+            </a:endParaRPr>
+          </a:p>
+          <a:p>
+            <a:pPr algn="ctr"/>
+            <a:r>
+              <a:rPr lang="fr-FR" sz="1400" i="1" dirty="0">
+                <a:solidFill>
+                  <a:schemeClr val="tx1"/>
+                </a:solidFill>
+              </a:rPr>
+              <a:t>~ Lehchibi Gaël</a:t>
+            </a:r>
+          </a:p>
+        </p:txBody>
+      </p:sp>
+    </p:spTree>
+    <p:extLst>
+      <p:ext uri="{BB962C8B-B14F-4D97-AF65-F5344CB8AC3E}">
+        <p14:creationId xmlns:p14="http://schemas.microsoft.com/office/powerpoint/2010/main" val="2570751855"/>
+      </p:ext>
+    </p:extLst>
+  </p:cSld>
+  <p:clrMapOvr>
+    <a:masterClrMapping/>
+  </p:clrMapOvr>
+</p:sld>
+</file>
+
+<file path=ppt/slides/slide3.xml><?xml version="1.0" encoding="utf-8"?>
+<p:sld xmlns:a="http://schemas.openxmlformats.org/drawingml/2006/main" xmlns:r="http://schemas.openxmlformats.org/officeDocument/2006/relationships" xmlns:p="http://schemas.openxmlformats.org/presentationml/2006/main">
+  <p:cSld>
+    <p:spTree>
+      <p:nvGrpSpPr>
+        <p:cNvPr id="1" name=""/>
+        <p:cNvGrpSpPr/>
+        <p:nvPr/>
+      </p:nvGrpSpPr>
+      <p:grpSpPr>
+        <a:xfrm>
+          <a:off x="0" y="0"/>
+          <a:ext cx="0" cy="0"/>
+          <a:chOff x="0" y="0"/>
+          <a:chExt cx="0" cy="0"/>
+        </a:xfrm>
+      </p:grpSpPr>
+      <p:sp>
+        <p:nvSpPr>
+          <p:cNvPr id="2" name="Titre 1">
+            <a:extLst>
+              <a:ext uri="{FF2B5EF4-FFF2-40B4-BE49-F238E27FC236}">
+                <a16:creationId xmlns:a16="http://schemas.microsoft.com/office/drawing/2014/main" id="{10CE6F72-4D33-4A9C-BB30-E8BFB71295A2}"/>
+              </a:ext>
+            </a:extLst>
+          </p:cNvPr>
+          <p:cNvSpPr>
+            <a:spLocks noGrp="1"/>
+          </p:cNvSpPr>
+          <p:nvPr>
+            <p:ph type="title"/>
+          </p:nvPr>
+        </p:nvSpPr>
+        <p:spPr>
+          <a:xfrm>
+            <a:off x="4594371" y="2766218"/>
+            <a:ext cx="3003258" cy="1325563"/>
           </a:xfrm>
         </p:spPr>
         <p:txBody>
-          <a:bodyPr>
-            <a:normAutofit/>
-          </a:bodyPr>
-          <a:lstStyle/>
-          <a:p>
-            <a:pPr marL="0" indent="0">
-              <a:buNone/>
-            </a:pPr>
-            <a:endParaRPr lang="fr-FR" dirty="0"/>
-          </a:p>
-          <a:p>
-            <a:pPr lvl="1"/>
-            <a:endParaRPr lang="fr-FR" dirty="0"/>
+          <a:bodyPr/>
+          <a:lstStyle/>
+          <a:p>
+            <a:r>
+              <a:rPr lang="fr-FR" dirty="0"/>
+              <a:t>User Stories</a:t>
+            </a:r>
           </a:p>
         </p:txBody>
       </p:sp>
@@ -3887,8 +4044,8 @@
         </p:nvSpPr>
         <p:spPr>
           <a:xfrm>
-            <a:off x="345812" y="0"/>
-            <a:ext cx="2732948" cy="766341"/>
+            <a:off x="0" y="0"/>
+            <a:ext cx="1735494" cy="783771"/>
           </a:xfrm>
           <a:prstGeom prst="rect">
             <a:avLst/>
@@ -3918,13 +4075,14 @@
           <a:bodyPr rtlCol="0" anchor="ctr"/>
           <a:lstStyle/>
           <a:p>
+            <a:pPr algn="ctr"/>
             <a:r>
               <a:rPr lang="fr-FR" dirty="0">
                 <a:solidFill>
                   <a:schemeClr val="tx1"/>
                 </a:solidFill>
               </a:rPr>
-              <a:t>US 7</a:t>
+              <a:t>L1S1</a:t>
             </a:r>
           </a:p>
         </p:txBody>
@@ -3975,412 +4133,18 @@
           <a:lstStyle/>
           <a:p>
             <a:pPr algn="ctr"/>
-            <a:r>
-              <a:rPr lang="fr-FR" dirty="0">
-                <a:solidFill>
-                  <a:schemeClr val="tx1"/>
-                </a:solidFill>
-              </a:rPr>
-              <a:t>2 pts</a:t>
-            </a:r>
-          </a:p>
-        </p:txBody>
-      </p:sp>
-      <p:graphicFrame>
-        <p:nvGraphicFramePr>
-          <p:cNvPr id="5" name="Tableau 6">
-            <a:extLst>
-              <a:ext uri="{FF2B5EF4-FFF2-40B4-BE49-F238E27FC236}">
-                <a16:creationId xmlns:a16="http://schemas.microsoft.com/office/drawing/2014/main" id="{2AF7EE3D-7632-4D48-A9D0-4DB7BFBF925F}"/>
-              </a:ext>
-            </a:extLst>
-          </p:cNvPr>
-          <p:cNvGraphicFramePr>
-            <a:graphicFrameLocks noGrp="1"/>
-          </p:cNvGraphicFramePr>
-          <p:nvPr>
-            <p:extLst>
-              <p:ext uri="{D42A27DB-BD31-4B8C-83A1-F6EECF244321}">
-                <p14:modId xmlns:p14="http://schemas.microsoft.com/office/powerpoint/2010/main" val="734111870"/>
-              </p:ext>
-            </p:extLst>
-          </p:nvPr>
-        </p:nvGraphicFramePr>
-        <p:xfrm>
-          <a:off x="345814" y="1362207"/>
-          <a:ext cx="11209554" cy="1355826"/>
-        </p:xfrm>
-        <a:graphic>
-          <a:graphicData uri="http://schemas.openxmlformats.org/drawingml/2006/table">
-            <a:tbl>
-              <a:tblPr firstRow="1" bandRow="1">
-                <a:tableStyleId>{5C22544A-7EE6-4342-B048-85BDC9FD1C3A}</a:tableStyleId>
-              </a:tblPr>
-              <a:tblGrid>
-                <a:gridCol w="1248094">
-                  <a:extLst>
-                    <a:ext uri="{9D8B030D-6E8A-4147-A177-3AD203B41FA5}">
-                      <a16:colId xmlns:a16="http://schemas.microsoft.com/office/drawing/2014/main" val="847120557"/>
-                    </a:ext>
-                  </a:extLst>
-                </a:gridCol>
-                <a:gridCol w="1686187">
-                  <a:extLst>
-                    <a:ext uri="{9D8B030D-6E8A-4147-A177-3AD203B41FA5}">
-                      <a16:colId xmlns:a16="http://schemas.microsoft.com/office/drawing/2014/main" val="44778753"/>
-                    </a:ext>
-                  </a:extLst>
-                </a:gridCol>
-                <a:gridCol w="1417740">
-                  <a:extLst>
-                    <a:ext uri="{9D8B030D-6E8A-4147-A177-3AD203B41FA5}">
-                      <a16:colId xmlns:a16="http://schemas.microsoft.com/office/drawing/2014/main" val="3794726730"/>
-                    </a:ext>
-                  </a:extLst>
-                </a:gridCol>
-                <a:gridCol w="6857533">
-                  <a:extLst>
-                    <a:ext uri="{9D8B030D-6E8A-4147-A177-3AD203B41FA5}">
-                      <a16:colId xmlns:a16="http://schemas.microsoft.com/office/drawing/2014/main" val="2097296227"/>
-                    </a:ext>
-                  </a:extLst>
-                </a:gridCol>
-              </a:tblGrid>
-              <a:tr h="329704">
-                <a:tc>
-                  <a:txBody>
-                    <a:bodyPr/>
-                    <a:lstStyle/>
-                    <a:p>
-                      <a:pPr algn="ctr"/>
-                      <a:r>
-                        <a:rPr lang="fr-FR" dirty="0"/>
-                        <a:t>Identifiant</a:t>
-                      </a:r>
-                    </a:p>
-                  </a:txBody>
-                  <a:tcPr/>
-                </a:tc>
-                <a:tc>
-                  <a:txBody>
-                    <a:bodyPr/>
-                    <a:lstStyle/>
-                    <a:p>
-                      <a:pPr algn="ctr"/>
-                      <a:r>
-                        <a:rPr lang="fr-FR" dirty="0"/>
-                        <a:t>Story</a:t>
-                      </a:r>
-                    </a:p>
-                  </a:txBody>
-                  <a:tcPr/>
-                </a:tc>
-                <a:tc>
-                  <a:txBody>
-                    <a:bodyPr/>
-                    <a:lstStyle/>
-                    <a:p>
-                      <a:pPr algn="ctr"/>
-                      <a:r>
-                        <a:rPr lang="fr-FR" dirty="0"/>
-                        <a:t>Thème</a:t>
-                      </a:r>
-                    </a:p>
-                  </a:txBody>
-                  <a:tcPr/>
-                </a:tc>
-                <a:tc>
-                  <a:txBody>
-                    <a:bodyPr/>
-                    <a:lstStyle/>
-                    <a:p>
-                      <a:pPr algn="ctr"/>
-                      <a:r>
-                        <a:rPr lang="fr-FR" dirty="0"/>
-                        <a:t>US</a:t>
-                      </a:r>
-                    </a:p>
-                  </a:txBody>
-                  <a:tcPr/>
-                </a:tc>
-                <a:extLst>
-                  <a:ext uri="{0D108BD9-81ED-4DB2-BD59-A6C34878D82A}">
-                    <a16:rowId xmlns:a16="http://schemas.microsoft.com/office/drawing/2014/main" val="3586712790"/>
-                  </a:ext>
-                </a:extLst>
-              </a:tr>
-              <a:tr h="990066">
-                <a:tc>
-                  <a:txBody>
-                    <a:bodyPr/>
-                    <a:lstStyle/>
-                    <a:p>
-                      <a:pPr algn="ctr"/>
-                      <a:r>
-                        <a:rPr lang="fr-FR" dirty="0"/>
-                        <a:t>US 7</a:t>
-                      </a:r>
-                    </a:p>
-                  </a:txBody>
-                  <a:tcPr/>
-                </a:tc>
-                <a:tc>
-                  <a:txBody>
-                    <a:bodyPr/>
-                    <a:lstStyle/>
-                    <a:p>
-                      <a:pPr algn="ctr"/>
-                      <a:r>
-                        <a:rPr lang="fr-FR" dirty="0"/>
-                        <a:t>Administration du compte</a:t>
-                      </a:r>
-                    </a:p>
-                  </a:txBody>
-                  <a:tcPr/>
-                </a:tc>
-                <a:tc>
-                  <a:txBody>
-                    <a:bodyPr/>
-                    <a:lstStyle/>
-                    <a:p>
-                      <a:pPr algn="ctr"/>
-                      <a:r>
-                        <a:rPr lang="fr-FR" dirty="0"/>
-                        <a:t>Modifier ses informations personnelles</a:t>
-                      </a:r>
-                    </a:p>
-                  </a:txBody>
-                  <a:tcPr/>
-                </a:tc>
-                <a:tc>
-                  <a:txBody>
-                    <a:bodyPr/>
-                    <a:lstStyle/>
-                    <a:p>
-                      <a:r>
-                        <a:rPr lang="fr-FR" dirty="0"/>
-                        <a:t>En tant qu’</a:t>
-                      </a:r>
-                      <a:r>
-                        <a:rPr lang="fr-FR" dirty="0">
-                          <a:solidFill>
-                            <a:srgbClr val="0070C0"/>
-                          </a:solidFill>
-                        </a:rPr>
-                        <a:t>utilisateur</a:t>
-                      </a:r>
-                    </a:p>
-                    <a:p>
-                      <a:r>
-                        <a:rPr lang="fr-FR" dirty="0"/>
-                        <a:t>Je souhaite </a:t>
-                      </a:r>
-                      <a:r>
-                        <a:rPr lang="fr-FR" dirty="0">
-                          <a:solidFill>
-                            <a:srgbClr val="FF0000"/>
-                          </a:solidFill>
-                        </a:rPr>
-                        <a:t>pouvoir modifier mes informations personnelles</a:t>
-                      </a:r>
-                    </a:p>
-                    <a:p>
-                      <a:r>
-                        <a:rPr lang="fr-FR" dirty="0"/>
-                        <a:t>Afin de </a:t>
-                      </a:r>
-                      <a:r>
-                        <a:rPr lang="fr-FR" dirty="0">
-                          <a:solidFill>
-                            <a:schemeClr val="accent6"/>
-                          </a:solidFill>
-                        </a:rPr>
-                        <a:t>faire correspondre les informations me concernant</a:t>
-                      </a:r>
-                    </a:p>
-                  </a:txBody>
-                  <a:tcPr/>
-                </a:tc>
-                <a:extLst>
-                  <a:ext uri="{0D108BD9-81ED-4DB2-BD59-A6C34878D82A}">
-                    <a16:rowId xmlns:a16="http://schemas.microsoft.com/office/drawing/2014/main" val="1694678573"/>
-                  </a:ext>
-                </a:extLst>
-              </a:tr>
-            </a:tbl>
-          </a:graphicData>
-        </a:graphic>
-      </p:graphicFrame>
-      <p:graphicFrame>
-        <p:nvGraphicFramePr>
-          <p:cNvPr id="9" name="Tableau 10">
-            <a:extLst>
-              <a:ext uri="{FF2B5EF4-FFF2-40B4-BE49-F238E27FC236}">
-                <a16:creationId xmlns:a16="http://schemas.microsoft.com/office/drawing/2014/main" id="{28D47CA7-69BB-4279-ABF7-3267B81984E0}"/>
-              </a:ext>
-            </a:extLst>
-          </p:cNvPr>
-          <p:cNvGraphicFramePr>
-            <a:graphicFrameLocks noGrp="1"/>
-          </p:cNvGraphicFramePr>
-          <p:nvPr>
-            <p:extLst>
-              <p:ext uri="{D42A27DB-BD31-4B8C-83A1-F6EECF244321}">
-                <p14:modId xmlns:p14="http://schemas.microsoft.com/office/powerpoint/2010/main" val="406957651"/>
-              </p:ext>
-            </p:extLst>
-          </p:nvPr>
-        </p:nvGraphicFramePr>
-        <p:xfrm>
-          <a:off x="5999060" y="2890628"/>
-          <a:ext cx="5556308" cy="2103120"/>
-        </p:xfrm>
-        <a:graphic>
-          <a:graphicData uri="http://schemas.openxmlformats.org/drawingml/2006/table">
-            <a:tbl>
-              <a:tblPr firstRow="1" bandRow="1">
-                <a:tableStyleId>{5C22544A-7EE6-4342-B048-85BDC9FD1C3A}</a:tableStyleId>
-              </a:tblPr>
-              <a:tblGrid>
-                <a:gridCol w="5556308">
-                  <a:extLst>
-                    <a:ext uri="{9D8B030D-6E8A-4147-A177-3AD203B41FA5}">
-                      <a16:colId xmlns:a16="http://schemas.microsoft.com/office/drawing/2014/main" val="1367687133"/>
-                    </a:ext>
-                  </a:extLst>
-                </a:gridCol>
-              </a:tblGrid>
-              <a:tr h="210255">
-                <a:tc>
-                  <a:txBody>
-                    <a:bodyPr/>
-                    <a:lstStyle/>
-                    <a:p>
-                      <a:r>
-                        <a:rPr lang="fr-FR" dirty="0"/>
-                        <a:t>Critères d’acception</a:t>
-                      </a:r>
-                    </a:p>
-                  </a:txBody>
-                  <a:tcPr/>
-                </a:tc>
-                <a:extLst>
-                  <a:ext uri="{0D108BD9-81ED-4DB2-BD59-A6C34878D82A}">
-                    <a16:rowId xmlns:a16="http://schemas.microsoft.com/office/drawing/2014/main" val="1426691621"/>
-                  </a:ext>
-                </a:extLst>
-              </a:tr>
-              <a:tr h="1651087">
-                <a:tc>
-                  <a:txBody>
-                    <a:bodyPr/>
-                    <a:lstStyle/>
-                    <a:p>
-                      <a:r>
-                        <a:rPr lang="fr-FR" dirty="0"/>
-                        <a:t>L’insertion dans la base de données n’est pas encore prévu à ce stade, aussi les formulaires seront données à titre d’exemple et devront être modifiés lors de l’ajout de celle-ci.</a:t>
-                      </a:r>
-                    </a:p>
-                    <a:p>
-                      <a:r>
-                        <a:rPr lang="fr-FR" dirty="0"/>
-                        <a:t>En l’occurrence, il ne s’agit ici que de présenter l’aspect général de la page</a:t>
-                      </a:r>
-                    </a:p>
-                  </a:txBody>
-                  <a:tcPr/>
-                </a:tc>
-                <a:extLst>
-                  <a:ext uri="{0D108BD9-81ED-4DB2-BD59-A6C34878D82A}">
-                    <a16:rowId xmlns:a16="http://schemas.microsoft.com/office/drawing/2014/main" val="2625852529"/>
-                  </a:ext>
-                </a:extLst>
-              </a:tr>
-            </a:tbl>
-          </a:graphicData>
-        </a:graphic>
-      </p:graphicFrame>
-      <p:sp>
-        <p:nvSpPr>
-          <p:cNvPr id="12" name="Rectangle 11">
-            <a:extLst>
-              <a:ext uri="{FF2B5EF4-FFF2-40B4-BE49-F238E27FC236}">
-                <a16:creationId xmlns:a16="http://schemas.microsoft.com/office/drawing/2014/main" id="{4A3683C0-FF11-4561-8B69-9C863624036D}"/>
-              </a:ext>
-            </a:extLst>
-          </p:cNvPr>
-          <p:cNvSpPr/>
-          <p:nvPr/>
-        </p:nvSpPr>
-        <p:spPr>
-          <a:xfrm>
-            <a:off x="345812" y="2888530"/>
-            <a:ext cx="5556308" cy="3361321"/>
-          </a:xfrm>
-          <a:prstGeom prst="rect">
-            <a:avLst/>
-          </a:prstGeom>
-          <a:noFill/>
-        </p:spPr>
-        <p:style>
-          <a:lnRef idx="2">
-            <a:schemeClr val="accent1">
-              <a:shade val="50000"/>
-            </a:schemeClr>
-          </a:lnRef>
-          <a:fillRef idx="1">
-            <a:schemeClr val="accent1"/>
-          </a:fillRef>
-          <a:effectRef idx="0">
-            <a:schemeClr val="accent1"/>
-          </a:effectRef>
-          <a:fontRef idx="minor">
-            <a:schemeClr val="lt1"/>
-          </a:fontRef>
-        </p:style>
-        <p:txBody>
-          <a:bodyPr rtlCol="0" anchor="ctr"/>
-          <a:lstStyle/>
-          <a:p>
-            <a:pPr algn="ctr"/>
-            <a:endParaRPr lang="fr-FR"/>
-          </a:p>
-        </p:txBody>
-      </p:sp>
-      <p:pic>
-        <p:nvPicPr>
-          <p:cNvPr id="11" name="Image 10">
-            <a:extLst>
-              <a:ext uri="{FF2B5EF4-FFF2-40B4-BE49-F238E27FC236}">
-                <a16:creationId xmlns:a16="http://schemas.microsoft.com/office/drawing/2014/main" id="{D8107B3E-C3C3-4921-87D2-EF58C74D0697}"/>
-              </a:ext>
-            </a:extLst>
-          </p:cNvPr>
-          <p:cNvPicPr>
-            <a:picLocks noChangeAspect="1"/>
-          </p:cNvPicPr>
-          <p:nvPr/>
-        </p:nvPicPr>
-        <p:blipFill>
-          <a:blip r:embed="rId2"/>
-          <a:stretch>
-            <a:fillRect/>
-          </a:stretch>
-        </p:blipFill>
-        <p:spPr>
-          <a:xfrm>
-            <a:off x="345812" y="2888529"/>
-            <a:ext cx="5556308" cy="3361321"/>
-          </a:xfrm>
-          <a:prstGeom prst="rect">
-            <a:avLst/>
-          </a:prstGeom>
-        </p:spPr>
-      </p:pic>
+            <a:endParaRPr lang="fr-FR" dirty="0">
+              <a:solidFill>
+                <a:schemeClr val="tx1"/>
+              </a:solidFill>
+            </a:endParaRPr>
+          </a:p>
+        </p:txBody>
+      </p:sp>
     </p:spTree>
     <p:extLst>
       <p:ext uri="{BB962C8B-B14F-4D97-AF65-F5344CB8AC3E}">
-        <p14:creationId xmlns:p14="http://schemas.microsoft.com/office/powerpoint/2010/main" val="3506731276"/>
+        <p14:creationId xmlns:p14="http://schemas.microsoft.com/office/powerpoint/2010/main" val="1997152849"/>
       </p:ext>
     </p:extLst>
   </p:cSld>
@@ -4390,7 +4154,7 @@
 </p:sld>
 </file>
 
-<file path=ppt/slides/slide11.xml><?xml version="1.0" encoding="utf-8"?>
+<file path=ppt/slides/slide4.xml><?xml version="1.0" encoding="utf-8"?>
 <p:sld xmlns:a="http://schemas.openxmlformats.org/drawingml/2006/main" xmlns:r="http://schemas.openxmlformats.org/officeDocument/2006/relationships" xmlns:p="http://schemas.openxmlformats.org/presentationml/2006/main">
   <p:cSld>
     <p:spTree>
@@ -4425,18 +4189,60 @@
         </p:nvSpPr>
         <p:spPr>
           <a:xfrm>
-            <a:off x="4594371" y="2766218"/>
-            <a:ext cx="3003258" cy="1325563"/>
+            <a:off x="838200" y="819864"/>
+            <a:ext cx="10515600" cy="488820"/>
           </a:xfrm>
         </p:spPr>
         <p:txBody>
-          <a:bodyPr/>
-          <a:lstStyle/>
-          <a:p>
-            <a:r>
-              <a:rPr lang="fr-FR" dirty="0"/>
-              <a:t>Contraintes</a:t>
-            </a:r>
+          <a:bodyPr>
+            <a:normAutofit fontScale="90000"/>
+          </a:bodyPr>
+          <a:lstStyle/>
+          <a:p>
+            <a:pPr algn="r"/>
+            <a:r>
+              <a:rPr lang="fr-FR" sz="3200" b="1" dirty="0"/>
+              <a:t>US08 : Modéliser le Modèle physique de données</a:t>
+            </a:r>
+          </a:p>
+        </p:txBody>
+      </p:sp>
+      <p:sp>
+        <p:nvSpPr>
+          <p:cNvPr id="3" name="Espace réservé du contenu 2">
+            <a:extLst>
+              <a:ext uri="{FF2B5EF4-FFF2-40B4-BE49-F238E27FC236}">
+                <a16:creationId xmlns:a16="http://schemas.microsoft.com/office/drawing/2014/main" id="{A21895C4-E6A0-4E1A-9CE1-C7428910F9BE}"/>
+              </a:ext>
+            </a:extLst>
+          </p:cNvPr>
+          <p:cNvSpPr>
+            <a:spLocks noGrp="1"/>
+          </p:cNvSpPr>
+          <p:nvPr>
+            <p:ph idx="1"/>
+          </p:nvPr>
+        </p:nvSpPr>
+        <p:spPr>
+          <a:xfrm>
+            <a:off x="838200" y="3917659"/>
+            <a:ext cx="10515600" cy="2259304"/>
+          </a:xfrm>
+        </p:spPr>
+        <p:txBody>
+          <a:bodyPr>
+            <a:normAutofit/>
+          </a:bodyPr>
+          <a:lstStyle/>
+          <a:p>
+            <a:pPr marL="0" indent="0">
+              <a:buNone/>
+            </a:pPr>
+            <a:endParaRPr lang="fr-FR" dirty="0"/>
+          </a:p>
+          <a:p>
+            <a:pPr lvl="1"/>
+            <a:endParaRPr lang="fr-FR" dirty="0"/>
           </a:p>
         </p:txBody>
       </p:sp>
@@ -4579,8 +4385,8 @@
         </p:nvSpPr>
         <p:spPr>
           <a:xfrm>
-            <a:off x="0" y="0"/>
-            <a:ext cx="1735494" cy="783771"/>
+            <a:off x="345812" y="0"/>
+            <a:ext cx="803480" cy="766341"/>
           </a:xfrm>
           <a:prstGeom prst="rect">
             <a:avLst/>
@@ -4610,14 +4416,13 @@
           <a:bodyPr rtlCol="0" anchor="ctr"/>
           <a:lstStyle/>
           <a:p>
-            <a:pPr algn="ctr"/>
             <a:r>
               <a:rPr lang="fr-FR" dirty="0">
                 <a:solidFill>
                   <a:schemeClr val="tx1"/>
                 </a:solidFill>
               </a:rPr>
-              <a:t>L1S1</a:t>
+              <a:t>US 8</a:t>
             </a:r>
           </a:p>
         </p:txBody>
@@ -4668,1194 +4473,6 @@
           <a:lstStyle/>
           <a:p>
             <a:pPr algn="ctr"/>
-            <a:endParaRPr lang="fr-FR" dirty="0">
-              <a:solidFill>
-                <a:schemeClr val="tx1"/>
-              </a:solidFill>
-            </a:endParaRPr>
-          </a:p>
-        </p:txBody>
-      </p:sp>
-    </p:spTree>
-    <p:extLst>
-      <p:ext uri="{BB962C8B-B14F-4D97-AF65-F5344CB8AC3E}">
-        <p14:creationId xmlns:p14="http://schemas.microsoft.com/office/powerpoint/2010/main" val="1717946725"/>
-      </p:ext>
-    </p:extLst>
-  </p:cSld>
-  <p:clrMapOvr>
-    <a:masterClrMapping/>
-  </p:clrMapOvr>
-</p:sld>
-</file>
-
-<file path=ppt/slides/slide12.xml><?xml version="1.0" encoding="utf-8"?>
-<p:sld xmlns:a="http://schemas.openxmlformats.org/drawingml/2006/main" xmlns:r="http://schemas.openxmlformats.org/officeDocument/2006/relationships" xmlns:p="http://schemas.openxmlformats.org/presentationml/2006/main">
-  <p:cSld>
-    <p:spTree>
-      <p:nvGrpSpPr>
-        <p:cNvPr id="1" name=""/>
-        <p:cNvGrpSpPr/>
-        <p:nvPr/>
-      </p:nvGrpSpPr>
-      <p:grpSpPr>
-        <a:xfrm>
-          <a:off x="0" y="0"/>
-          <a:ext cx="0" cy="0"/>
-          <a:chOff x="0" y="0"/>
-          <a:chExt cx="0" cy="0"/>
-        </a:xfrm>
-      </p:grpSpPr>
-      <p:sp>
-        <p:nvSpPr>
-          <p:cNvPr id="2" name="Titre 1">
-            <a:extLst>
-              <a:ext uri="{FF2B5EF4-FFF2-40B4-BE49-F238E27FC236}">
-                <a16:creationId xmlns:a16="http://schemas.microsoft.com/office/drawing/2014/main" id="{10CE6F72-4D33-4A9C-BB30-E8BFB71295A2}"/>
-              </a:ext>
-            </a:extLst>
-          </p:cNvPr>
-          <p:cNvSpPr>
-            <a:spLocks noGrp="1"/>
-          </p:cNvSpPr>
-          <p:nvPr>
-            <p:ph type="title"/>
-          </p:nvPr>
-        </p:nvSpPr>
-        <p:spPr>
-          <a:xfrm>
-            <a:off x="838200" y="819864"/>
-            <a:ext cx="10515600" cy="488820"/>
-          </a:xfrm>
-        </p:spPr>
-        <p:txBody>
-          <a:bodyPr>
-            <a:normAutofit fontScale="90000"/>
-          </a:bodyPr>
-          <a:lstStyle/>
-          <a:p>
-            <a:r>
-              <a:rPr lang="fr-FR" sz="3200" b="1" dirty="0"/>
-              <a:t> CONTRAINTES</a:t>
-            </a:r>
-          </a:p>
-        </p:txBody>
-      </p:sp>
-      <p:sp>
-        <p:nvSpPr>
-          <p:cNvPr id="3" name="Espace réservé du contenu 2">
-            <a:extLst>
-              <a:ext uri="{FF2B5EF4-FFF2-40B4-BE49-F238E27FC236}">
-                <a16:creationId xmlns:a16="http://schemas.microsoft.com/office/drawing/2014/main" id="{A21895C4-E6A0-4E1A-9CE1-C7428910F9BE}"/>
-              </a:ext>
-            </a:extLst>
-          </p:cNvPr>
-          <p:cNvSpPr>
-            <a:spLocks noGrp="1"/>
-          </p:cNvSpPr>
-          <p:nvPr>
-            <p:ph idx="1"/>
-          </p:nvPr>
-        </p:nvSpPr>
-        <p:spPr>
-          <a:xfrm>
-            <a:off x="838200" y="1362207"/>
-            <a:ext cx="10515600" cy="4814756"/>
-          </a:xfrm>
-        </p:spPr>
-        <p:txBody>
-          <a:bodyPr>
-            <a:normAutofit/>
-          </a:bodyPr>
-          <a:lstStyle/>
-          <a:p>
-            <a:r>
-              <a:rPr lang="fr-FR" dirty="0"/>
-              <a:t>Le vocabulaire de l’escalade doit être utilisé</a:t>
-            </a:r>
-          </a:p>
-          <a:p>
-            <a:r>
-              <a:rPr lang="fr-FR" dirty="0"/>
-              <a:t>Le site doit être responsive</a:t>
-            </a:r>
-          </a:p>
-          <a:p>
-            <a:pPr lvl="2"/>
-            <a:endParaRPr lang="fr-FR" dirty="0"/>
-          </a:p>
-        </p:txBody>
-      </p:sp>
-      <p:sp>
-        <p:nvSpPr>
-          <p:cNvPr id="4" name="Rectangle 3">
-            <a:extLst>
-              <a:ext uri="{FF2B5EF4-FFF2-40B4-BE49-F238E27FC236}">
-                <a16:creationId xmlns:a16="http://schemas.microsoft.com/office/drawing/2014/main" id="{C062A73A-3D41-49F5-A9E9-989DC4492987}"/>
-              </a:ext>
-            </a:extLst>
-          </p:cNvPr>
-          <p:cNvSpPr/>
-          <p:nvPr/>
-        </p:nvSpPr>
-        <p:spPr>
-          <a:xfrm>
-            <a:off x="0" y="-36092"/>
-            <a:ext cx="12192000" cy="802433"/>
-          </a:xfrm>
-          <a:prstGeom prst="rect">
-            <a:avLst/>
-          </a:prstGeom>
-          <a:solidFill>
-            <a:srgbClr val="DC3545"/>
-          </a:solidFill>
-          <a:ln>
-            <a:noFill/>
-          </a:ln>
-        </p:spPr>
-        <p:style>
-          <a:lnRef idx="2">
-            <a:schemeClr val="accent1">
-              <a:shade val="50000"/>
-            </a:schemeClr>
-          </a:lnRef>
-          <a:fillRef idx="1">
-            <a:schemeClr val="accent1"/>
-          </a:fillRef>
-          <a:effectRef idx="0">
-            <a:schemeClr val="accent1"/>
-          </a:effectRef>
-          <a:fontRef idx="minor">
-            <a:schemeClr val="lt1"/>
-          </a:fontRef>
-        </p:style>
-        <p:txBody>
-          <a:bodyPr rtlCol="0" anchor="ctr"/>
-          <a:lstStyle/>
-          <a:p>
-            <a:pPr algn="ctr"/>
-            <a:endParaRPr lang="fr-FR" dirty="0"/>
-          </a:p>
-        </p:txBody>
-      </p:sp>
-      <p:sp>
-        <p:nvSpPr>
-          <p:cNvPr id="6" name="Rectangle 5">
-            <a:extLst>
-              <a:ext uri="{FF2B5EF4-FFF2-40B4-BE49-F238E27FC236}">
-                <a16:creationId xmlns:a16="http://schemas.microsoft.com/office/drawing/2014/main" id="{DEFA824C-FB5A-40D7-8FEA-311D463F4148}"/>
-              </a:ext>
-            </a:extLst>
-          </p:cNvPr>
-          <p:cNvSpPr/>
-          <p:nvPr/>
-        </p:nvSpPr>
-        <p:spPr>
-          <a:xfrm>
-            <a:off x="10590245" y="6316824"/>
-            <a:ext cx="1601755" cy="541176"/>
-          </a:xfrm>
-          <a:prstGeom prst="rect">
-            <a:avLst/>
-          </a:prstGeom>
-          <a:noFill/>
-          <a:ln>
-            <a:noFill/>
-          </a:ln>
-        </p:spPr>
-        <p:style>
-          <a:lnRef idx="2">
-            <a:schemeClr val="accent1">
-              <a:shade val="50000"/>
-            </a:schemeClr>
-          </a:lnRef>
-          <a:fillRef idx="1">
-            <a:schemeClr val="accent1"/>
-          </a:fillRef>
-          <a:effectRef idx="0">
-            <a:schemeClr val="accent1"/>
-          </a:effectRef>
-          <a:fontRef idx="minor">
-            <a:schemeClr val="lt1"/>
-          </a:fontRef>
-        </p:style>
-        <p:txBody>
-          <a:bodyPr rtlCol="0" anchor="ctr"/>
-          <a:lstStyle/>
-          <a:p>
-            <a:pPr algn="ctr"/>
-            <a:r>
-              <a:rPr lang="fr-FR" sz="1400" i="1" dirty="0" err="1">
-                <a:solidFill>
-                  <a:schemeClr val="tx1"/>
-                </a:solidFill>
-              </a:rPr>
-              <a:t>metaXIII</a:t>
-            </a:r>
-            <a:endParaRPr lang="fr-FR" sz="1400" i="1" dirty="0">
-              <a:solidFill>
-                <a:schemeClr val="tx1"/>
-              </a:solidFill>
-            </a:endParaRPr>
-          </a:p>
-          <a:p>
-            <a:pPr algn="ctr"/>
-            <a:r>
-              <a:rPr lang="fr-FR" sz="1400" i="1" dirty="0">
-                <a:solidFill>
-                  <a:schemeClr val="tx1"/>
-                </a:solidFill>
-              </a:rPr>
-              <a:t>~ Lehchibi Gaël</a:t>
-            </a:r>
-          </a:p>
-        </p:txBody>
-      </p:sp>
-      <p:sp>
-        <p:nvSpPr>
-          <p:cNvPr id="8" name="Rectangle 7">
-            <a:extLst>
-              <a:ext uri="{FF2B5EF4-FFF2-40B4-BE49-F238E27FC236}">
-                <a16:creationId xmlns:a16="http://schemas.microsoft.com/office/drawing/2014/main" id="{FD351DB6-AE83-46D1-A71C-A216DE57F576}"/>
-              </a:ext>
-            </a:extLst>
-          </p:cNvPr>
-          <p:cNvSpPr/>
-          <p:nvPr/>
-        </p:nvSpPr>
-        <p:spPr>
-          <a:xfrm>
-            <a:off x="0" y="0"/>
-            <a:ext cx="1735494" cy="783771"/>
-          </a:xfrm>
-          <a:prstGeom prst="rect">
-            <a:avLst/>
-          </a:prstGeom>
-          <a:noFill/>
-          <a:ln>
-            <a:noFill/>
-          </a:ln>
-        </p:spPr>
-        <p:style>
-          <a:lnRef idx="2">
-            <a:schemeClr val="accent1">
-              <a:shade val="50000"/>
-            </a:schemeClr>
-          </a:lnRef>
-          <a:fillRef idx="1">
-            <a:schemeClr val="accent1"/>
-          </a:fillRef>
-          <a:effectRef idx="0">
-            <a:schemeClr val="accent1"/>
-          </a:effectRef>
-          <a:fontRef idx="minor">
-            <a:schemeClr val="lt1"/>
-          </a:fontRef>
-        </p:style>
-        <p:txBody>
-          <a:bodyPr rtlCol="0" anchor="ctr"/>
-          <a:lstStyle/>
-          <a:p>
-            <a:pPr algn="ctr"/>
-            <a:r>
-              <a:rPr lang="fr-FR" dirty="0">
-                <a:solidFill>
-                  <a:schemeClr val="tx1"/>
-                </a:solidFill>
-              </a:rPr>
-              <a:t>L1 S1</a:t>
-            </a:r>
-          </a:p>
-        </p:txBody>
-      </p:sp>
-      <p:sp>
-        <p:nvSpPr>
-          <p:cNvPr id="10" name="Rectangle 9">
-            <a:extLst>
-              <a:ext uri="{FF2B5EF4-FFF2-40B4-BE49-F238E27FC236}">
-                <a16:creationId xmlns:a16="http://schemas.microsoft.com/office/drawing/2014/main" id="{1DBDEA67-B3A3-4DE3-B612-0D4F4C9A767C}"/>
-              </a:ext>
-            </a:extLst>
-          </p:cNvPr>
-          <p:cNvSpPr/>
-          <p:nvPr/>
-        </p:nvSpPr>
-        <p:spPr>
-          <a:xfrm>
-            <a:off x="10590245" y="0"/>
-            <a:ext cx="1601755" cy="783771"/>
-          </a:xfrm>
-          <a:prstGeom prst="rect">
-            <a:avLst/>
-          </a:prstGeom>
-          <a:noFill/>
-          <a:ln>
-            <a:noFill/>
-          </a:ln>
-        </p:spPr>
-        <p:style>
-          <a:lnRef idx="2">
-            <a:schemeClr val="accent1">
-              <a:shade val="50000"/>
-            </a:schemeClr>
-          </a:lnRef>
-          <a:fillRef idx="1">
-            <a:schemeClr val="accent1"/>
-          </a:fillRef>
-          <a:effectRef idx="0">
-            <a:schemeClr val="accent1"/>
-          </a:effectRef>
-          <a:fontRef idx="minor">
-            <a:schemeClr val="lt1"/>
-          </a:fontRef>
-        </p:style>
-        <p:txBody>
-          <a:bodyPr rtlCol="0" anchor="ctr"/>
-          <a:lstStyle/>
-          <a:p>
-            <a:pPr algn="ctr"/>
-            <a:endParaRPr lang="fr-FR" dirty="0">
-              <a:solidFill>
-                <a:schemeClr val="tx1"/>
-              </a:solidFill>
-            </a:endParaRPr>
-          </a:p>
-        </p:txBody>
-      </p:sp>
-    </p:spTree>
-    <p:extLst>
-      <p:ext uri="{BB962C8B-B14F-4D97-AF65-F5344CB8AC3E}">
-        <p14:creationId xmlns:p14="http://schemas.microsoft.com/office/powerpoint/2010/main" val="648139645"/>
-      </p:ext>
-    </p:extLst>
-  </p:cSld>
-  <p:clrMapOvr>
-    <a:masterClrMapping/>
-  </p:clrMapOvr>
-</p:sld>
-</file>
-
-<file path=ppt/slides/slide2.xml><?xml version="1.0" encoding="utf-8"?>
-<p:sld xmlns:a="http://schemas.openxmlformats.org/drawingml/2006/main" xmlns:r="http://schemas.openxmlformats.org/officeDocument/2006/relationships" xmlns:p="http://schemas.openxmlformats.org/presentationml/2006/main">
-  <p:cSld>
-    <p:spTree>
-      <p:nvGrpSpPr>
-        <p:cNvPr id="1" name=""/>
-        <p:cNvGrpSpPr/>
-        <p:nvPr/>
-      </p:nvGrpSpPr>
-      <p:grpSpPr>
-        <a:xfrm>
-          <a:off x="0" y="0"/>
-          <a:ext cx="0" cy="0"/>
-          <a:chOff x="0" y="0"/>
-          <a:chExt cx="0" cy="0"/>
-        </a:xfrm>
-      </p:grpSpPr>
-      <p:sp>
-        <p:nvSpPr>
-          <p:cNvPr id="2" name="Titre 1">
-            <a:extLst>
-              <a:ext uri="{FF2B5EF4-FFF2-40B4-BE49-F238E27FC236}">
-                <a16:creationId xmlns:a16="http://schemas.microsoft.com/office/drawing/2014/main" id="{10CE6F72-4D33-4A9C-BB30-E8BFB71295A2}"/>
-              </a:ext>
-            </a:extLst>
-          </p:cNvPr>
-          <p:cNvSpPr>
-            <a:spLocks noGrp="1"/>
-          </p:cNvSpPr>
-          <p:nvPr>
-            <p:ph type="title"/>
-          </p:nvPr>
-        </p:nvSpPr>
-        <p:spPr>
-          <a:xfrm>
-            <a:off x="0" y="0"/>
-            <a:ext cx="12192000" cy="700277"/>
-          </a:xfrm>
-          <a:solidFill>
-            <a:srgbClr val="DC3545"/>
-          </a:solidFill>
-        </p:spPr>
-        <p:txBody>
-          <a:bodyPr/>
-          <a:lstStyle/>
-          <a:p>
-            <a:pPr algn="r"/>
-            <a:r>
-              <a:rPr lang="fr-FR" dirty="0">
-                <a:solidFill>
-                  <a:srgbClr val="F4F4F4"/>
-                </a:solidFill>
-              </a:rPr>
-              <a:t>OBJET DU DOCUMENT</a:t>
-            </a:r>
-          </a:p>
-        </p:txBody>
-      </p:sp>
-      <p:sp>
-        <p:nvSpPr>
-          <p:cNvPr id="3" name="Sous-titre 2">
-            <a:extLst>
-              <a:ext uri="{FF2B5EF4-FFF2-40B4-BE49-F238E27FC236}">
-                <a16:creationId xmlns:a16="http://schemas.microsoft.com/office/drawing/2014/main" id="{C24EB3E1-853A-4C9D-A4B5-CB1CEECE2797}"/>
-              </a:ext>
-            </a:extLst>
-          </p:cNvPr>
-          <p:cNvSpPr>
-            <a:spLocks noGrp="1"/>
-          </p:cNvSpPr>
-          <p:nvPr>
-            <p:ph idx="1"/>
-          </p:nvPr>
-        </p:nvSpPr>
-        <p:spPr>
-          <a:xfrm>
-            <a:off x="822392" y="1904301"/>
-            <a:ext cx="10515600" cy="4285865"/>
-          </a:xfrm>
-        </p:spPr>
-        <p:txBody>
-          <a:bodyPr/>
-          <a:lstStyle/>
-          <a:p>
-            <a:r>
-              <a:rPr lang="fr-FR" dirty="0"/>
-              <a:t>Ce document est relatif au projet 6 du parcours développeur d’application Java par </a:t>
-            </a:r>
-            <a:r>
-              <a:rPr lang="fr-FR" dirty="0" err="1"/>
-              <a:t>openclassrooms</a:t>
-            </a:r>
-            <a:r>
-              <a:rPr lang="fr-FR" dirty="0"/>
-              <a:t>.</a:t>
-            </a:r>
-          </a:p>
-          <a:p>
-            <a:r>
-              <a:rPr lang="fr-FR" dirty="0"/>
-              <a:t>La mission est définie par la création d’un site d’escalade.</a:t>
-            </a:r>
-          </a:p>
-          <a:p>
-            <a:r>
-              <a:rPr lang="fr-FR" dirty="0"/>
-              <a:t>Le site doit être responsive (adaptable selon les terminaux – smartphones, tablettes, applications desktop etc..)</a:t>
-            </a:r>
-          </a:p>
-          <a:p>
-            <a:r>
-              <a:rPr lang="fr-FR" dirty="0"/>
-              <a:t>Ce document décrit les User Stories (dénommés US à partir de ce point) nécessaire à la visualisation du résultat de la mission.</a:t>
-            </a:r>
-          </a:p>
-        </p:txBody>
-      </p:sp>
-      <p:sp>
-        <p:nvSpPr>
-          <p:cNvPr id="6" name="Rectangle 5">
-            <a:extLst>
-              <a:ext uri="{FF2B5EF4-FFF2-40B4-BE49-F238E27FC236}">
-                <a16:creationId xmlns:a16="http://schemas.microsoft.com/office/drawing/2014/main" id="{DEFA824C-FB5A-40D7-8FEA-311D463F4148}"/>
-              </a:ext>
-            </a:extLst>
-          </p:cNvPr>
-          <p:cNvSpPr/>
-          <p:nvPr/>
-        </p:nvSpPr>
-        <p:spPr>
-          <a:xfrm>
-            <a:off x="10590245" y="6316824"/>
-            <a:ext cx="1601755" cy="541176"/>
-          </a:xfrm>
-          <a:prstGeom prst="rect">
-            <a:avLst/>
-          </a:prstGeom>
-          <a:noFill/>
-          <a:ln>
-            <a:noFill/>
-          </a:ln>
-        </p:spPr>
-        <p:style>
-          <a:lnRef idx="2">
-            <a:schemeClr val="accent1">
-              <a:shade val="50000"/>
-            </a:schemeClr>
-          </a:lnRef>
-          <a:fillRef idx="1">
-            <a:schemeClr val="accent1"/>
-          </a:fillRef>
-          <a:effectRef idx="0">
-            <a:schemeClr val="accent1"/>
-          </a:effectRef>
-          <a:fontRef idx="minor">
-            <a:schemeClr val="lt1"/>
-          </a:fontRef>
-        </p:style>
-        <p:txBody>
-          <a:bodyPr rtlCol="0" anchor="ctr"/>
-          <a:lstStyle/>
-          <a:p>
-            <a:pPr algn="ctr"/>
-            <a:r>
-              <a:rPr lang="fr-FR" sz="1400" i="1" dirty="0" err="1">
-                <a:solidFill>
-                  <a:schemeClr val="tx1"/>
-                </a:solidFill>
-              </a:rPr>
-              <a:t>metaXIII</a:t>
-            </a:r>
-            <a:endParaRPr lang="fr-FR" sz="1400" i="1" dirty="0">
-              <a:solidFill>
-                <a:schemeClr val="tx1"/>
-              </a:solidFill>
-            </a:endParaRPr>
-          </a:p>
-          <a:p>
-            <a:pPr algn="ctr"/>
-            <a:r>
-              <a:rPr lang="fr-FR" sz="1400" i="1" dirty="0">
-                <a:solidFill>
-                  <a:schemeClr val="tx1"/>
-                </a:solidFill>
-              </a:rPr>
-              <a:t>~ Lehchibi Gaël</a:t>
-            </a:r>
-          </a:p>
-        </p:txBody>
-      </p:sp>
-    </p:spTree>
-    <p:extLst>
-      <p:ext uri="{BB962C8B-B14F-4D97-AF65-F5344CB8AC3E}">
-        <p14:creationId xmlns:p14="http://schemas.microsoft.com/office/powerpoint/2010/main" val="2570751855"/>
-      </p:ext>
-    </p:extLst>
-  </p:cSld>
-  <p:clrMapOvr>
-    <a:masterClrMapping/>
-  </p:clrMapOvr>
-</p:sld>
-</file>
-
-<file path=ppt/slides/slide3.xml><?xml version="1.0" encoding="utf-8"?>
-<p:sld xmlns:a="http://schemas.openxmlformats.org/drawingml/2006/main" xmlns:r="http://schemas.openxmlformats.org/officeDocument/2006/relationships" xmlns:p="http://schemas.openxmlformats.org/presentationml/2006/main">
-  <p:cSld>
-    <p:spTree>
-      <p:nvGrpSpPr>
-        <p:cNvPr id="1" name=""/>
-        <p:cNvGrpSpPr/>
-        <p:nvPr/>
-      </p:nvGrpSpPr>
-      <p:grpSpPr>
-        <a:xfrm>
-          <a:off x="0" y="0"/>
-          <a:ext cx="0" cy="0"/>
-          <a:chOff x="0" y="0"/>
-          <a:chExt cx="0" cy="0"/>
-        </a:xfrm>
-      </p:grpSpPr>
-      <p:sp>
-        <p:nvSpPr>
-          <p:cNvPr id="2" name="Titre 1">
-            <a:extLst>
-              <a:ext uri="{FF2B5EF4-FFF2-40B4-BE49-F238E27FC236}">
-                <a16:creationId xmlns:a16="http://schemas.microsoft.com/office/drawing/2014/main" id="{10CE6F72-4D33-4A9C-BB30-E8BFB71295A2}"/>
-              </a:ext>
-            </a:extLst>
-          </p:cNvPr>
-          <p:cNvSpPr>
-            <a:spLocks noGrp="1"/>
-          </p:cNvSpPr>
-          <p:nvPr>
-            <p:ph type="title"/>
-          </p:nvPr>
-        </p:nvSpPr>
-        <p:spPr>
-          <a:xfrm>
-            <a:off x="4594371" y="2766218"/>
-            <a:ext cx="3003258" cy="1325563"/>
-          </a:xfrm>
-        </p:spPr>
-        <p:txBody>
-          <a:bodyPr/>
-          <a:lstStyle/>
-          <a:p>
-            <a:r>
-              <a:rPr lang="fr-FR" dirty="0"/>
-              <a:t>User Stories</a:t>
-            </a:r>
-          </a:p>
-        </p:txBody>
-      </p:sp>
-      <p:sp>
-        <p:nvSpPr>
-          <p:cNvPr id="4" name="Rectangle 3">
-            <a:extLst>
-              <a:ext uri="{FF2B5EF4-FFF2-40B4-BE49-F238E27FC236}">
-                <a16:creationId xmlns:a16="http://schemas.microsoft.com/office/drawing/2014/main" id="{C062A73A-3D41-49F5-A9E9-989DC4492987}"/>
-              </a:ext>
-            </a:extLst>
-          </p:cNvPr>
-          <p:cNvSpPr/>
-          <p:nvPr/>
-        </p:nvSpPr>
-        <p:spPr>
-          <a:xfrm>
-            <a:off x="0" y="-36092"/>
-            <a:ext cx="12192000" cy="802433"/>
-          </a:xfrm>
-          <a:prstGeom prst="rect">
-            <a:avLst/>
-          </a:prstGeom>
-          <a:solidFill>
-            <a:srgbClr val="DC3545"/>
-          </a:solidFill>
-          <a:ln>
-            <a:noFill/>
-          </a:ln>
-        </p:spPr>
-        <p:style>
-          <a:lnRef idx="2">
-            <a:schemeClr val="accent1">
-              <a:shade val="50000"/>
-            </a:schemeClr>
-          </a:lnRef>
-          <a:fillRef idx="1">
-            <a:schemeClr val="accent1"/>
-          </a:fillRef>
-          <a:effectRef idx="0">
-            <a:schemeClr val="accent1"/>
-          </a:effectRef>
-          <a:fontRef idx="minor">
-            <a:schemeClr val="lt1"/>
-          </a:fontRef>
-        </p:style>
-        <p:txBody>
-          <a:bodyPr rtlCol="0" anchor="ctr"/>
-          <a:lstStyle/>
-          <a:p>
-            <a:pPr algn="ctr"/>
-            <a:endParaRPr lang="fr-FR" dirty="0"/>
-          </a:p>
-        </p:txBody>
-      </p:sp>
-      <p:sp>
-        <p:nvSpPr>
-          <p:cNvPr id="6" name="Rectangle 5">
-            <a:extLst>
-              <a:ext uri="{FF2B5EF4-FFF2-40B4-BE49-F238E27FC236}">
-                <a16:creationId xmlns:a16="http://schemas.microsoft.com/office/drawing/2014/main" id="{DEFA824C-FB5A-40D7-8FEA-311D463F4148}"/>
-              </a:ext>
-            </a:extLst>
-          </p:cNvPr>
-          <p:cNvSpPr/>
-          <p:nvPr/>
-        </p:nvSpPr>
-        <p:spPr>
-          <a:xfrm>
-            <a:off x="10590245" y="6316824"/>
-            <a:ext cx="1601755" cy="541176"/>
-          </a:xfrm>
-          <a:prstGeom prst="rect">
-            <a:avLst/>
-          </a:prstGeom>
-          <a:noFill/>
-          <a:ln>
-            <a:noFill/>
-          </a:ln>
-        </p:spPr>
-        <p:style>
-          <a:lnRef idx="2">
-            <a:schemeClr val="accent1">
-              <a:shade val="50000"/>
-            </a:schemeClr>
-          </a:lnRef>
-          <a:fillRef idx="1">
-            <a:schemeClr val="accent1"/>
-          </a:fillRef>
-          <a:effectRef idx="0">
-            <a:schemeClr val="accent1"/>
-          </a:effectRef>
-          <a:fontRef idx="minor">
-            <a:schemeClr val="lt1"/>
-          </a:fontRef>
-        </p:style>
-        <p:txBody>
-          <a:bodyPr rtlCol="0" anchor="ctr"/>
-          <a:lstStyle/>
-          <a:p>
-            <a:pPr algn="ctr"/>
-            <a:r>
-              <a:rPr lang="fr-FR" sz="1400" i="1" dirty="0" err="1">
-                <a:solidFill>
-                  <a:schemeClr val="tx1"/>
-                </a:solidFill>
-              </a:rPr>
-              <a:t>metaXIII</a:t>
-            </a:r>
-            <a:endParaRPr lang="fr-FR" sz="1400" i="1" dirty="0">
-              <a:solidFill>
-                <a:schemeClr val="tx1"/>
-              </a:solidFill>
-            </a:endParaRPr>
-          </a:p>
-          <a:p>
-            <a:pPr algn="ctr"/>
-            <a:r>
-              <a:rPr lang="fr-FR" sz="1400" i="1" dirty="0">
-                <a:solidFill>
-                  <a:schemeClr val="tx1"/>
-                </a:solidFill>
-              </a:rPr>
-              <a:t>~ Lehchibi Gaël</a:t>
-            </a:r>
-          </a:p>
-        </p:txBody>
-      </p:sp>
-      <p:sp>
-        <p:nvSpPr>
-          <p:cNvPr id="8" name="Rectangle 7">
-            <a:extLst>
-              <a:ext uri="{FF2B5EF4-FFF2-40B4-BE49-F238E27FC236}">
-                <a16:creationId xmlns:a16="http://schemas.microsoft.com/office/drawing/2014/main" id="{FD351DB6-AE83-46D1-A71C-A216DE57F576}"/>
-              </a:ext>
-            </a:extLst>
-          </p:cNvPr>
-          <p:cNvSpPr/>
-          <p:nvPr/>
-        </p:nvSpPr>
-        <p:spPr>
-          <a:xfrm>
-            <a:off x="0" y="0"/>
-            <a:ext cx="1735494" cy="783771"/>
-          </a:xfrm>
-          <a:prstGeom prst="rect">
-            <a:avLst/>
-          </a:prstGeom>
-          <a:noFill/>
-          <a:ln>
-            <a:noFill/>
-          </a:ln>
-        </p:spPr>
-        <p:style>
-          <a:lnRef idx="2">
-            <a:schemeClr val="accent1">
-              <a:shade val="50000"/>
-            </a:schemeClr>
-          </a:lnRef>
-          <a:fillRef idx="1">
-            <a:schemeClr val="accent1"/>
-          </a:fillRef>
-          <a:effectRef idx="0">
-            <a:schemeClr val="accent1"/>
-          </a:effectRef>
-          <a:fontRef idx="minor">
-            <a:schemeClr val="lt1"/>
-          </a:fontRef>
-        </p:style>
-        <p:txBody>
-          <a:bodyPr rtlCol="0" anchor="ctr"/>
-          <a:lstStyle/>
-          <a:p>
-            <a:pPr algn="ctr"/>
-            <a:r>
-              <a:rPr lang="fr-FR" dirty="0">
-                <a:solidFill>
-                  <a:schemeClr val="tx1"/>
-                </a:solidFill>
-              </a:rPr>
-              <a:t>L1S1</a:t>
-            </a:r>
-          </a:p>
-        </p:txBody>
-      </p:sp>
-      <p:sp>
-        <p:nvSpPr>
-          <p:cNvPr id="10" name="Rectangle 9">
-            <a:extLst>
-              <a:ext uri="{FF2B5EF4-FFF2-40B4-BE49-F238E27FC236}">
-                <a16:creationId xmlns:a16="http://schemas.microsoft.com/office/drawing/2014/main" id="{1DBDEA67-B3A3-4DE3-B612-0D4F4C9A767C}"/>
-              </a:ext>
-            </a:extLst>
-          </p:cNvPr>
-          <p:cNvSpPr/>
-          <p:nvPr/>
-        </p:nvSpPr>
-        <p:spPr>
-          <a:xfrm>
-            <a:off x="10590245" y="0"/>
-            <a:ext cx="1601755" cy="783771"/>
-          </a:xfrm>
-          <a:prstGeom prst="rect">
-            <a:avLst/>
-          </a:prstGeom>
-          <a:noFill/>
-          <a:ln>
-            <a:noFill/>
-          </a:ln>
-        </p:spPr>
-        <p:style>
-          <a:lnRef idx="2">
-            <a:schemeClr val="accent1">
-              <a:shade val="50000"/>
-            </a:schemeClr>
-          </a:lnRef>
-          <a:fillRef idx="1">
-            <a:schemeClr val="accent1"/>
-          </a:fillRef>
-          <a:effectRef idx="0">
-            <a:schemeClr val="accent1"/>
-          </a:effectRef>
-          <a:fontRef idx="minor">
-            <a:schemeClr val="lt1"/>
-          </a:fontRef>
-        </p:style>
-        <p:txBody>
-          <a:bodyPr rtlCol="0" anchor="ctr"/>
-          <a:lstStyle/>
-          <a:p>
-            <a:pPr algn="ctr"/>
-            <a:endParaRPr lang="fr-FR" dirty="0">
-              <a:solidFill>
-                <a:schemeClr val="tx1"/>
-              </a:solidFill>
-            </a:endParaRPr>
-          </a:p>
-        </p:txBody>
-      </p:sp>
-    </p:spTree>
-    <p:extLst>
-      <p:ext uri="{BB962C8B-B14F-4D97-AF65-F5344CB8AC3E}">
-        <p14:creationId xmlns:p14="http://schemas.microsoft.com/office/powerpoint/2010/main" val="1997152849"/>
-      </p:ext>
-    </p:extLst>
-  </p:cSld>
-  <p:clrMapOvr>
-    <a:masterClrMapping/>
-  </p:clrMapOvr>
-</p:sld>
-</file>
-
-<file path=ppt/slides/slide4.xml><?xml version="1.0" encoding="utf-8"?>
-<p:sld xmlns:a="http://schemas.openxmlformats.org/drawingml/2006/main" xmlns:r="http://schemas.openxmlformats.org/officeDocument/2006/relationships" xmlns:p="http://schemas.openxmlformats.org/presentationml/2006/main">
-  <p:cSld>
-    <p:spTree>
-      <p:nvGrpSpPr>
-        <p:cNvPr id="1" name=""/>
-        <p:cNvGrpSpPr/>
-        <p:nvPr/>
-      </p:nvGrpSpPr>
-      <p:grpSpPr>
-        <a:xfrm>
-          <a:off x="0" y="0"/>
-          <a:ext cx="0" cy="0"/>
-          <a:chOff x="0" y="0"/>
-          <a:chExt cx="0" cy="0"/>
-        </a:xfrm>
-      </p:grpSpPr>
-      <p:sp>
-        <p:nvSpPr>
-          <p:cNvPr id="2" name="Titre 1">
-            <a:extLst>
-              <a:ext uri="{FF2B5EF4-FFF2-40B4-BE49-F238E27FC236}">
-                <a16:creationId xmlns:a16="http://schemas.microsoft.com/office/drawing/2014/main" id="{10CE6F72-4D33-4A9C-BB30-E8BFB71295A2}"/>
-              </a:ext>
-            </a:extLst>
-          </p:cNvPr>
-          <p:cNvSpPr>
-            <a:spLocks noGrp="1"/>
-          </p:cNvSpPr>
-          <p:nvPr>
-            <p:ph type="title"/>
-          </p:nvPr>
-        </p:nvSpPr>
-        <p:spPr>
-          <a:xfrm>
-            <a:off x="838200" y="819864"/>
-            <a:ext cx="10515600" cy="488820"/>
-          </a:xfrm>
-        </p:spPr>
-        <p:txBody>
-          <a:bodyPr>
-            <a:normAutofit fontScale="90000"/>
-          </a:bodyPr>
-          <a:lstStyle/>
-          <a:p>
-            <a:pPr algn="r"/>
-            <a:r>
-              <a:rPr lang="fr-FR" sz="3200" b="1" dirty="0"/>
-              <a:t>US01 : Intégrer la page d’accueil</a:t>
-            </a:r>
-          </a:p>
-        </p:txBody>
-      </p:sp>
-      <p:sp>
-        <p:nvSpPr>
-          <p:cNvPr id="3" name="Espace réservé du contenu 2">
-            <a:extLst>
-              <a:ext uri="{FF2B5EF4-FFF2-40B4-BE49-F238E27FC236}">
-                <a16:creationId xmlns:a16="http://schemas.microsoft.com/office/drawing/2014/main" id="{A21895C4-E6A0-4E1A-9CE1-C7428910F9BE}"/>
-              </a:ext>
-            </a:extLst>
-          </p:cNvPr>
-          <p:cNvSpPr>
-            <a:spLocks noGrp="1"/>
-          </p:cNvSpPr>
-          <p:nvPr>
-            <p:ph idx="1"/>
-          </p:nvPr>
-        </p:nvSpPr>
-        <p:spPr>
-          <a:xfrm>
-            <a:off x="838200" y="3917659"/>
-            <a:ext cx="10515600" cy="2259304"/>
-          </a:xfrm>
-        </p:spPr>
-        <p:txBody>
-          <a:bodyPr>
-            <a:normAutofit/>
-          </a:bodyPr>
-          <a:lstStyle/>
-          <a:p>
-            <a:pPr marL="0" indent="0">
-              <a:buNone/>
-            </a:pPr>
-            <a:endParaRPr lang="fr-FR" dirty="0"/>
-          </a:p>
-          <a:p>
-            <a:pPr lvl="1"/>
-            <a:endParaRPr lang="fr-FR" dirty="0"/>
-          </a:p>
-        </p:txBody>
-      </p:sp>
-      <p:sp>
-        <p:nvSpPr>
-          <p:cNvPr id="4" name="Rectangle 3">
-            <a:extLst>
-              <a:ext uri="{FF2B5EF4-FFF2-40B4-BE49-F238E27FC236}">
-                <a16:creationId xmlns:a16="http://schemas.microsoft.com/office/drawing/2014/main" id="{C062A73A-3D41-49F5-A9E9-989DC4492987}"/>
-              </a:ext>
-            </a:extLst>
-          </p:cNvPr>
-          <p:cNvSpPr/>
-          <p:nvPr/>
-        </p:nvSpPr>
-        <p:spPr>
-          <a:xfrm>
-            <a:off x="0" y="-36092"/>
-            <a:ext cx="12192000" cy="802433"/>
-          </a:xfrm>
-          <a:prstGeom prst="rect">
-            <a:avLst/>
-          </a:prstGeom>
-          <a:solidFill>
-            <a:srgbClr val="DC3545"/>
-          </a:solidFill>
-          <a:ln>
-            <a:noFill/>
-          </a:ln>
-        </p:spPr>
-        <p:style>
-          <a:lnRef idx="2">
-            <a:schemeClr val="accent1">
-              <a:shade val="50000"/>
-            </a:schemeClr>
-          </a:lnRef>
-          <a:fillRef idx="1">
-            <a:schemeClr val="accent1"/>
-          </a:fillRef>
-          <a:effectRef idx="0">
-            <a:schemeClr val="accent1"/>
-          </a:effectRef>
-          <a:fontRef idx="minor">
-            <a:schemeClr val="lt1"/>
-          </a:fontRef>
-        </p:style>
-        <p:txBody>
-          <a:bodyPr rtlCol="0" anchor="ctr"/>
-          <a:lstStyle/>
-          <a:p>
-            <a:pPr algn="ctr"/>
-            <a:endParaRPr lang="fr-FR" dirty="0"/>
-          </a:p>
-        </p:txBody>
-      </p:sp>
-      <p:sp>
-        <p:nvSpPr>
-          <p:cNvPr id="6" name="Rectangle 5">
-            <a:extLst>
-              <a:ext uri="{FF2B5EF4-FFF2-40B4-BE49-F238E27FC236}">
-                <a16:creationId xmlns:a16="http://schemas.microsoft.com/office/drawing/2014/main" id="{DEFA824C-FB5A-40D7-8FEA-311D463F4148}"/>
-              </a:ext>
-            </a:extLst>
-          </p:cNvPr>
-          <p:cNvSpPr/>
-          <p:nvPr/>
-        </p:nvSpPr>
-        <p:spPr>
-          <a:xfrm>
-            <a:off x="10590245" y="6316824"/>
-            <a:ext cx="1601755" cy="541176"/>
-          </a:xfrm>
-          <a:prstGeom prst="rect">
-            <a:avLst/>
-          </a:prstGeom>
-          <a:noFill/>
-          <a:ln>
-            <a:noFill/>
-          </a:ln>
-        </p:spPr>
-        <p:style>
-          <a:lnRef idx="2">
-            <a:schemeClr val="accent1">
-              <a:shade val="50000"/>
-            </a:schemeClr>
-          </a:lnRef>
-          <a:fillRef idx="1">
-            <a:schemeClr val="accent1"/>
-          </a:fillRef>
-          <a:effectRef idx="0">
-            <a:schemeClr val="accent1"/>
-          </a:effectRef>
-          <a:fontRef idx="minor">
-            <a:schemeClr val="lt1"/>
-          </a:fontRef>
-        </p:style>
-        <p:txBody>
-          <a:bodyPr rtlCol="0" anchor="ctr"/>
-          <a:lstStyle/>
-          <a:p>
-            <a:pPr algn="ctr"/>
-            <a:r>
-              <a:rPr lang="fr-FR" sz="1400" i="1" dirty="0" err="1">
-                <a:solidFill>
-                  <a:schemeClr val="tx1"/>
-                </a:solidFill>
-              </a:rPr>
-              <a:t>metaXIII</a:t>
-            </a:r>
-            <a:endParaRPr lang="fr-FR" sz="1400" i="1" dirty="0">
-              <a:solidFill>
-                <a:schemeClr val="tx1"/>
-              </a:solidFill>
-            </a:endParaRPr>
-          </a:p>
-          <a:p>
-            <a:pPr algn="ctr"/>
-            <a:r>
-              <a:rPr lang="fr-FR" sz="1400" i="1" dirty="0">
-                <a:solidFill>
-                  <a:schemeClr val="tx1"/>
-                </a:solidFill>
-              </a:rPr>
-              <a:t>~ Lehchibi Gaël</a:t>
-            </a:r>
-          </a:p>
-        </p:txBody>
-      </p:sp>
-      <p:sp>
-        <p:nvSpPr>
-          <p:cNvPr id="8" name="Rectangle 7">
-            <a:extLst>
-              <a:ext uri="{FF2B5EF4-FFF2-40B4-BE49-F238E27FC236}">
-                <a16:creationId xmlns:a16="http://schemas.microsoft.com/office/drawing/2014/main" id="{FD351DB6-AE83-46D1-A71C-A216DE57F576}"/>
-              </a:ext>
-            </a:extLst>
-          </p:cNvPr>
-          <p:cNvSpPr/>
-          <p:nvPr/>
-        </p:nvSpPr>
-        <p:spPr>
-          <a:xfrm>
-            <a:off x="345812" y="0"/>
-            <a:ext cx="803480" cy="766341"/>
-          </a:xfrm>
-          <a:prstGeom prst="rect">
-            <a:avLst/>
-          </a:prstGeom>
-          <a:noFill/>
-          <a:ln>
-            <a:noFill/>
-          </a:ln>
-        </p:spPr>
-        <p:style>
-          <a:lnRef idx="2">
-            <a:schemeClr val="accent1">
-              <a:shade val="50000"/>
-            </a:schemeClr>
-          </a:lnRef>
-          <a:fillRef idx="1">
-            <a:schemeClr val="accent1"/>
-          </a:fillRef>
-          <a:effectRef idx="0">
-            <a:schemeClr val="accent1"/>
-          </a:effectRef>
-          <a:fontRef idx="minor">
-            <a:schemeClr val="lt1"/>
-          </a:fontRef>
-        </p:style>
-        <p:txBody>
-          <a:bodyPr rtlCol="0" anchor="ctr"/>
-          <a:lstStyle/>
-          <a:p>
-            <a:r>
-              <a:rPr lang="fr-FR" dirty="0">
-                <a:solidFill>
-                  <a:schemeClr val="tx1"/>
-                </a:solidFill>
-              </a:rPr>
-              <a:t>US 1</a:t>
-            </a:r>
-          </a:p>
-        </p:txBody>
-      </p:sp>
-      <p:sp>
-        <p:nvSpPr>
-          <p:cNvPr id="10" name="Rectangle 9">
-            <a:extLst>
-              <a:ext uri="{FF2B5EF4-FFF2-40B4-BE49-F238E27FC236}">
-                <a16:creationId xmlns:a16="http://schemas.microsoft.com/office/drawing/2014/main" id="{1DBDEA67-B3A3-4DE3-B612-0D4F4C9A767C}"/>
-              </a:ext>
-            </a:extLst>
-          </p:cNvPr>
-          <p:cNvSpPr/>
-          <p:nvPr/>
-        </p:nvSpPr>
-        <p:spPr>
-          <a:xfrm>
-            <a:off x="10590245" y="0"/>
-            <a:ext cx="1601755" cy="783771"/>
-          </a:xfrm>
-          <a:prstGeom prst="rect">
-            <a:avLst/>
-          </a:prstGeom>
-          <a:noFill/>
-          <a:ln>
-            <a:noFill/>
-          </a:ln>
-        </p:spPr>
-        <p:style>
-          <a:lnRef idx="2">
-            <a:schemeClr val="accent1">
-              <a:shade val="50000"/>
-            </a:schemeClr>
-          </a:lnRef>
-          <a:fillRef idx="1">
-            <a:schemeClr val="accent1"/>
-          </a:fillRef>
-          <a:effectRef idx="0">
-            <a:schemeClr val="accent1"/>
-          </a:effectRef>
-          <a:fontRef idx="minor">
-            <a:schemeClr val="lt1"/>
-          </a:fontRef>
-        </p:style>
-        <p:txBody>
-          <a:bodyPr rtlCol="0" anchor="ctr"/>
-          <a:lstStyle/>
-          <a:p>
-            <a:pPr algn="ctr"/>
             <a:r>
               <a:rPr lang="fr-FR" dirty="0">
                 <a:solidFill>
@@ -5882,7 +4499,7 @@
           <p:nvPr>
             <p:extLst>
               <p:ext uri="{D42A27DB-BD31-4B8C-83A1-F6EECF244321}">
-                <p14:modId xmlns:p14="http://schemas.microsoft.com/office/powerpoint/2010/main" val="1298033821"/>
+                <p14:modId xmlns:p14="http://schemas.microsoft.com/office/powerpoint/2010/main" val="230304423"/>
               </p:ext>
             </p:extLst>
           </p:nvPr>
@@ -5999,7 +4616,7 @@
                       <a:pPr algn="ctr"/>
                       <a:r>
                         <a:rPr lang="fr-FR" dirty="0"/>
-                        <a:t>US 1</a:t>
+                        <a:t>US 8</a:t>
                       </a:r>
                     </a:p>
                   </a:txBody>
@@ -6013,13 +4630,8 @@
                       <a:pPr algn="ctr"/>
                       <a:r>
                         <a:rPr lang="fr-FR" dirty="0"/>
-                        <a:t>Lancer l’</a:t>
+                        <a:t>Modélisation du MPD</a:t>
                       </a:r>
-                      <a:r>
-                        <a:rPr lang="fr-FR" dirty="0" err="1"/>
-                        <a:t>aplication</a:t>
-                      </a:r>
-                      <a:endParaRPr lang="fr-FR" dirty="0"/>
                     </a:p>
                   </a:txBody>
                   <a:tcPr/>
@@ -6032,7 +4644,7 @@
                       <a:pPr algn="ctr"/>
                       <a:r>
                         <a:rPr lang="fr-FR" dirty="0"/>
-                        <a:t>Affichage du site</a:t>
+                        <a:t>Visualisation schéma de données</a:t>
                       </a:r>
                     </a:p>
                   </a:txBody>
@@ -6045,7 +4657,7 @@
                     <a:p>
                       <a:r>
                         <a:rPr lang="fr-FR" dirty="0"/>
-                        <a:t>En tant qu’</a:t>
+                        <a:t>En tant que </a:t>
                       </a:r>
                       <a:r>
                         <a:rPr lang="fr-FR" dirty="0">
@@ -6053,7 +4665,7 @@
                             <a:srgbClr val="0070C0"/>
                           </a:solidFill>
                         </a:rPr>
-                        <a:t>utilisateur</a:t>
+                        <a:t>développeur</a:t>
                       </a:r>
                     </a:p>
                     <a:p>
@@ -6067,7 +4679,7 @@
                             <a:srgbClr val="FF0000"/>
                           </a:solidFill>
                         </a:rPr>
-                        <a:t>pouvoir me connecter directement sur la page d’accueil</a:t>
+                        <a:t>pouvoir visualiser les relations des entités à fournir</a:t>
                       </a:r>
                     </a:p>
                     <a:p>
@@ -6081,7 +4693,7 @@
                             <a:schemeClr val="accent6"/>
                           </a:solidFill>
                         </a:rPr>
-                        <a:t>visualiser directement le résultat du lancement de l’application</a:t>
+                        <a:t>mettre en place une organisation solide</a:t>
                       </a:r>
                     </a:p>
                   </a:txBody>
@@ -6112,7 +4724,7 @@
           <p:nvPr>
             <p:extLst>
               <p:ext uri="{D42A27DB-BD31-4B8C-83A1-F6EECF244321}">
-                <p14:modId xmlns:p14="http://schemas.microsoft.com/office/powerpoint/2010/main" val="600416319"/>
+                <p14:modId xmlns:p14="http://schemas.microsoft.com/office/powerpoint/2010/main" val="75433154"/>
               </p:ext>
             </p:extLst>
           </p:nvPr>
@@ -6164,13 +4776,7 @@
                     <a:p>
                       <a:r>
                         <a:rPr lang="fr-FR" dirty="0"/>
-                        <a:t>L’affichage de la page d’index doit se faire sans erreurs d’affichement, rafraichissement ou autre erreur présentes en console.</a:t>
-                      </a:r>
-                    </a:p>
-                    <a:p>
-                      <a:r>
-                        <a:rPr lang="fr-FR" dirty="0"/>
-                        <a:t>Le lancement de l’application doit être géré en local.</a:t>
+                        <a:t>Le MPD sera modélisé à partir de SQL power Architect.</a:t>
                       </a:r>
                     </a:p>
                   </a:txBody>
@@ -6235,10 +4841,10 @@
       </p:sp>
       <p:pic>
         <p:nvPicPr>
-          <p:cNvPr id="13" name="Image 12">
-            <a:extLst>
-              <a:ext uri="{FF2B5EF4-FFF2-40B4-BE49-F238E27FC236}">
-                <a16:creationId xmlns:a16="http://schemas.microsoft.com/office/drawing/2014/main" id="{A8C20283-2451-463C-8728-9C223C1427C3}"/>
+          <p:cNvPr id="7" name="Image 6">
+            <a:extLst>
+              <a:ext uri="{FF2B5EF4-FFF2-40B4-BE49-F238E27FC236}">
+                <a16:creationId xmlns:a16="http://schemas.microsoft.com/office/drawing/2014/main" id="{E7324BF5-0DA3-443E-B91C-9E28FB45582D}"/>
               </a:ext>
             </a:extLst>
           </p:cNvPr>
@@ -6255,8 +4861,8 @@
         </p:blipFill>
         <p:spPr>
           <a:xfrm>
-            <a:off x="345812" y="2919369"/>
-            <a:ext cx="5556308" cy="3808602"/>
+            <a:off x="345812" y="2929854"/>
+            <a:ext cx="5556308" cy="3787631"/>
           </a:xfrm>
           <a:prstGeom prst="rect">
             <a:avLst/>
@@ -6324,7 +4930,7 @@
             <a:pPr algn="r"/>
             <a:r>
               <a:rPr lang="fr-FR" sz="3200" b="1" dirty="0"/>
-              <a:t>US02 : Intégrer la page de connexion</a:t>
+              <a:t>US09 : Création des classes</a:t>
             </a:r>
           </a:p>
         </p:txBody>
@@ -6508,7 +5114,7 @@
         <p:spPr>
           <a:xfrm>
             <a:off x="345812" y="0"/>
-            <a:ext cx="2732948" cy="766341"/>
+            <a:ext cx="803480" cy="766341"/>
           </a:xfrm>
           <a:prstGeom prst="rect">
             <a:avLst/>
@@ -6544,7 +5150,7 @@
                   <a:schemeClr val="tx1"/>
                 </a:solidFill>
               </a:rPr>
-              <a:t>US 2</a:t>
+              <a:t>US 9</a:t>
             </a:r>
           </a:p>
         </p:txBody>
@@ -6621,7 +5227,669 @@
           <p:nvPr>
             <p:extLst>
               <p:ext uri="{D42A27DB-BD31-4B8C-83A1-F6EECF244321}">
-                <p14:modId xmlns:p14="http://schemas.microsoft.com/office/powerpoint/2010/main" val="3677709001"/>
+                <p14:modId xmlns:p14="http://schemas.microsoft.com/office/powerpoint/2010/main" val="316053263"/>
+              </p:ext>
+            </p:extLst>
+          </p:nvPr>
+        </p:nvGraphicFramePr>
+        <p:xfrm>
+          <a:off x="345812" y="1362207"/>
+          <a:ext cx="11306496" cy="1554480"/>
+        </p:xfrm>
+        <a:graphic>
+          <a:graphicData uri="http://schemas.openxmlformats.org/drawingml/2006/table">
+            <a:tbl>
+              <a:tblPr firstRow="1" bandRow="1">
+                <a:tableStyleId>{5C22544A-7EE6-4342-B048-85BDC9FD1C3A}</a:tableStyleId>
+              </a:tblPr>
+              <a:tblGrid>
+                <a:gridCol w="1197762">
+                  <a:extLst>
+                    <a:ext uri="{9D8B030D-6E8A-4147-A177-3AD203B41FA5}">
+                      <a16:colId xmlns:a16="http://schemas.microsoft.com/office/drawing/2014/main" val="847120557"/>
+                    </a:ext>
+                  </a:extLst>
+                </a:gridCol>
+                <a:gridCol w="1635854">
+                  <a:extLst>
+                    <a:ext uri="{9D8B030D-6E8A-4147-A177-3AD203B41FA5}">
+                      <a16:colId xmlns:a16="http://schemas.microsoft.com/office/drawing/2014/main" val="44778753"/>
+                    </a:ext>
+                  </a:extLst>
+                </a:gridCol>
+                <a:gridCol w="1392572">
+                  <a:extLst>
+                    <a:ext uri="{9D8B030D-6E8A-4147-A177-3AD203B41FA5}">
+                      <a16:colId xmlns:a16="http://schemas.microsoft.com/office/drawing/2014/main" val="3794726730"/>
+                    </a:ext>
+                  </a:extLst>
+                </a:gridCol>
+                <a:gridCol w="7080308">
+                  <a:extLst>
+                    <a:ext uri="{9D8B030D-6E8A-4147-A177-3AD203B41FA5}">
+                      <a16:colId xmlns:a16="http://schemas.microsoft.com/office/drawing/2014/main" val="2097296227"/>
+                    </a:ext>
+                  </a:extLst>
+                </a:gridCol>
+              </a:tblGrid>
+              <a:tr h="329704">
+                <a:tc>
+                  <a:txBody>
+                    <a:bodyPr/>
+                    <a:lstStyle/>
+                    <a:p>
+                      <a:pPr algn="ctr"/>
+                      <a:r>
+                        <a:rPr lang="fr-FR" dirty="0"/>
+                        <a:t>Identifiant</a:t>
+                      </a:r>
+                    </a:p>
+                  </a:txBody>
+                  <a:tcPr/>
+                </a:tc>
+                <a:tc>
+                  <a:txBody>
+                    <a:bodyPr/>
+                    <a:lstStyle/>
+                    <a:p>
+                      <a:pPr algn="ctr"/>
+                      <a:r>
+                        <a:rPr lang="fr-FR" dirty="0"/>
+                        <a:t>Story</a:t>
+                      </a:r>
+                    </a:p>
+                  </a:txBody>
+                  <a:tcPr/>
+                </a:tc>
+                <a:tc>
+                  <a:txBody>
+                    <a:bodyPr/>
+                    <a:lstStyle/>
+                    <a:p>
+                      <a:pPr algn="ctr"/>
+                      <a:r>
+                        <a:rPr lang="fr-FR" dirty="0"/>
+                        <a:t>Thème</a:t>
+                      </a:r>
+                    </a:p>
+                  </a:txBody>
+                  <a:tcPr/>
+                </a:tc>
+                <a:tc>
+                  <a:txBody>
+                    <a:bodyPr/>
+                    <a:lstStyle/>
+                    <a:p>
+                      <a:pPr algn="ctr"/>
+                      <a:r>
+                        <a:rPr lang="fr-FR" dirty="0"/>
+                        <a:t>US</a:t>
+                      </a:r>
+                    </a:p>
+                  </a:txBody>
+                  <a:tcPr/>
+                </a:tc>
+                <a:extLst>
+                  <a:ext uri="{0D108BD9-81ED-4DB2-BD59-A6C34878D82A}">
+                    <a16:rowId xmlns:a16="http://schemas.microsoft.com/office/drawing/2014/main" val="3586712790"/>
+                  </a:ext>
+                </a:extLst>
+              </a:tr>
+              <a:tr h="990066">
+                <a:tc>
+                  <a:txBody>
+                    <a:bodyPr/>
+                    <a:lstStyle/>
+                    <a:p>
+                      <a:pPr algn="ctr"/>
+                      <a:r>
+                        <a:rPr lang="fr-FR" dirty="0"/>
+                        <a:t>US 9</a:t>
+                      </a:r>
+                    </a:p>
+                  </a:txBody>
+                  <a:tcPr/>
+                </a:tc>
+                <a:tc>
+                  <a:txBody>
+                    <a:bodyPr/>
+                    <a:lstStyle/>
+                    <a:p>
+                      <a:pPr algn="ctr"/>
+                      <a:r>
+                        <a:rPr lang="fr-FR" dirty="0"/>
+                        <a:t>Créer les classes</a:t>
+                      </a:r>
+                    </a:p>
+                  </a:txBody>
+                  <a:tcPr/>
+                </a:tc>
+                <a:tc>
+                  <a:txBody>
+                    <a:bodyPr/>
+                    <a:lstStyle/>
+                    <a:p>
+                      <a:pPr algn="ctr"/>
+                      <a:r>
+                        <a:rPr lang="fr-FR" dirty="0"/>
+                        <a:t>Création des classes métiers en JAVA</a:t>
+                      </a:r>
+                    </a:p>
+                  </a:txBody>
+                  <a:tcPr/>
+                </a:tc>
+                <a:tc>
+                  <a:txBody>
+                    <a:bodyPr/>
+                    <a:lstStyle/>
+                    <a:p>
+                      <a:r>
+                        <a:rPr lang="fr-FR" dirty="0"/>
+                        <a:t>En tant que </a:t>
+                      </a:r>
+                      <a:r>
+                        <a:rPr lang="fr-FR" dirty="0">
+                          <a:solidFill>
+                            <a:srgbClr val="0070C0"/>
+                          </a:solidFill>
+                        </a:rPr>
+                        <a:t>développeur</a:t>
+                      </a:r>
+                    </a:p>
+                    <a:p>
+                      <a:r>
+                        <a:rPr lang="fr-FR" dirty="0"/>
+                        <a:t>Je souhaite </a:t>
+                      </a:r>
+                      <a:r>
+                        <a:rPr lang="fr-FR" dirty="0">
+                          <a:solidFill>
+                            <a:srgbClr val="FF0000"/>
+                          </a:solidFill>
+                        </a:rPr>
+                        <a:t>pouvoir visualiser les classes java utilisés</a:t>
+                      </a:r>
+                    </a:p>
+                    <a:p>
+                      <a:r>
+                        <a:rPr lang="fr-FR" dirty="0"/>
+                        <a:t>Afin de </a:t>
+                      </a:r>
+                      <a:r>
+                        <a:rPr lang="fr-FR" dirty="0">
+                          <a:solidFill>
+                            <a:schemeClr val="accent6"/>
+                          </a:solidFill>
+                        </a:rPr>
+                        <a:t>pouvoir lier ces classes avec mon Front end</a:t>
+                      </a:r>
+                    </a:p>
+                  </a:txBody>
+                  <a:tcPr/>
+                </a:tc>
+                <a:extLst>
+                  <a:ext uri="{0D108BD9-81ED-4DB2-BD59-A6C34878D82A}">
+                    <a16:rowId xmlns:a16="http://schemas.microsoft.com/office/drawing/2014/main" val="1694678573"/>
+                  </a:ext>
+                </a:extLst>
+              </a:tr>
+            </a:tbl>
+          </a:graphicData>
+        </a:graphic>
+      </p:graphicFrame>
+      <p:graphicFrame>
+        <p:nvGraphicFramePr>
+          <p:cNvPr id="9" name="Tableau 10">
+            <a:extLst>
+              <a:ext uri="{FF2B5EF4-FFF2-40B4-BE49-F238E27FC236}">
+                <a16:creationId xmlns:a16="http://schemas.microsoft.com/office/drawing/2014/main" id="{28D47CA7-69BB-4279-ABF7-3267B81984E0}"/>
+              </a:ext>
+            </a:extLst>
+          </p:cNvPr>
+          <p:cNvGraphicFramePr>
+            <a:graphicFrameLocks noGrp="1"/>
+          </p:cNvGraphicFramePr>
+          <p:nvPr>
+            <p:extLst>
+              <p:ext uri="{D42A27DB-BD31-4B8C-83A1-F6EECF244321}">
+                <p14:modId xmlns:p14="http://schemas.microsoft.com/office/powerpoint/2010/main" val="3809114340"/>
+              </p:ext>
+            </p:extLst>
+          </p:nvPr>
+        </p:nvGraphicFramePr>
+        <p:xfrm>
+          <a:off x="345811" y="2984306"/>
+          <a:ext cx="11306495" cy="2683066"/>
+        </p:xfrm>
+        <a:graphic>
+          <a:graphicData uri="http://schemas.openxmlformats.org/drawingml/2006/table">
+            <a:tbl>
+              <a:tblPr firstRow="1" bandRow="1">
+                <a:tableStyleId>{5C22544A-7EE6-4342-B048-85BDC9FD1C3A}</a:tableStyleId>
+              </a:tblPr>
+              <a:tblGrid>
+                <a:gridCol w="11306495">
+                  <a:extLst>
+                    <a:ext uri="{9D8B030D-6E8A-4147-A177-3AD203B41FA5}">
+                      <a16:colId xmlns:a16="http://schemas.microsoft.com/office/drawing/2014/main" val="1367687133"/>
+                    </a:ext>
+                  </a:extLst>
+                </a:gridCol>
+              </a:tblGrid>
+              <a:tr h="375033">
+                <a:tc>
+                  <a:txBody>
+                    <a:bodyPr/>
+                    <a:lstStyle/>
+                    <a:p>
+                      <a:r>
+                        <a:rPr lang="fr-FR" dirty="0"/>
+                        <a:t>Critères d’acception</a:t>
+                      </a:r>
+                    </a:p>
+                  </a:txBody>
+                  <a:tcPr/>
+                </a:tc>
+                <a:extLst>
+                  <a:ext uri="{0D108BD9-81ED-4DB2-BD59-A6C34878D82A}">
+                    <a16:rowId xmlns:a16="http://schemas.microsoft.com/office/drawing/2014/main" val="1426691621"/>
+                  </a:ext>
+                </a:extLst>
+              </a:tr>
+              <a:tr h="2308033">
+                <a:tc>
+                  <a:txBody>
+                    <a:bodyPr/>
+                    <a:lstStyle/>
+                    <a:p>
+                      <a:r>
+                        <a:rPr lang="fr-FR" dirty="0"/>
+                        <a:t>Les classes java doivent correspondre également aux entités dégagées par le MPD lors de l’US 8</a:t>
+                      </a:r>
+                    </a:p>
+                    <a:p>
+                      <a:r>
+                        <a:rPr lang="fr-FR" dirty="0"/>
+                        <a:t>Les Getters et setters seront fournis par Lombok pour raccourcir le code</a:t>
+                      </a:r>
+                    </a:p>
+                  </a:txBody>
+                  <a:tcPr/>
+                </a:tc>
+                <a:extLst>
+                  <a:ext uri="{0D108BD9-81ED-4DB2-BD59-A6C34878D82A}">
+                    <a16:rowId xmlns:a16="http://schemas.microsoft.com/office/drawing/2014/main" val="2625852529"/>
+                  </a:ext>
+                </a:extLst>
+              </a:tr>
+            </a:tbl>
+          </a:graphicData>
+        </a:graphic>
+      </p:graphicFrame>
+    </p:spTree>
+    <p:extLst>
+      <p:ext uri="{BB962C8B-B14F-4D97-AF65-F5344CB8AC3E}">
+        <p14:creationId xmlns:p14="http://schemas.microsoft.com/office/powerpoint/2010/main" val="4019583444"/>
+      </p:ext>
+    </p:extLst>
+  </p:cSld>
+  <p:clrMapOvr>
+    <a:masterClrMapping/>
+  </p:clrMapOvr>
+</p:sld>
+</file>
+
+<file path=ppt/slides/slide6.xml><?xml version="1.0" encoding="utf-8"?>
+<p:sld xmlns:a="http://schemas.openxmlformats.org/drawingml/2006/main" xmlns:r="http://schemas.openxmlformats.org/officeDocument/2006/relationships" xmlns:p="http://schemas.openxmlformats.org/presentationml/2006/main">
+  <p:cSld>
+    <p:spTree>
+      <p:nvGrpSpPr>
+        <p:cNvPr id="1" name=""/>
+        <p:cNvGrpSpPr/>
+        <p:nvPr/>
+      </p:nvGrpSpPr>
+      <p:grpSpPr>
+        <a:xfrm>
+          <a:off x="0" y="0"/>
+          <a:ext cx="0" cy="0"/>
+          <a:chOff x="0" y="0"/>
+          <a:chExt cx="0" cy="0"/>
+        </a:xfrm>
+      </p:grpSpPr>
+      <p:sp>
+        <p:nvSpPr>
+          <p:cNvPr id="2" name="Titre 1">
+            <a:extLst>
+              <a:ext uri="{FF2B5EF4-FFF2-40B4-BE49-F238E27FC236}">
+                <a16:creationId xmlns:a16="http://schemas.microsoft.com/office/drawing/2014/main" id="{10CE6F72-4D33-4A9C-BB30-E8BFB71295A2}"/>
+              </a:ext>
+            </a:extLst>
+          </p:cNvPr>
+          <p:cNvSpPr>
+            <a:spLocks noGrp="1"/>
+          </p:cNvSpPr>
+          <p:nvPr>
+            <p:ph type="title"/>
+          </p:nvPr>
+        </p:nvSpPr>
+        <p:spPr>
+          <a:xfrm>
+            <a:off x="838200" y="819864"/>
+            <a:ext cx="10515600" cy="488820"/>
+          </a:xfrm>
+        </p:spPr>
+        <p:txBody>
+          <a:bodyPr>
+            <a:normAutofit fontScale="90000"/>
+          </a:bodyPr>
+          <a:lstStyle/>
+          <a:p>
+            <a:pPr algn="r"/>
+            <a:r>
+              <a:rPr lang="fr-FR" sz="3200" b="1" dirty="0"/>
+              <a:t>US10 : Association des relations classes </a:t>
+            </a:r>
+            <a:r>
+              <a:rPr lang="fr-FR" sz="3200" b="1"/>
+              <a:t>- Entités</a:t>
+            </a:r>
+            <a:endParaRPr lang="fr-FR" sz="3200" b="1" dirty="0"/>
+          </a:p>
+        </p:txBody>
+      </p:sp>
+      <p:sp>
+        <p:nvSpPr>
+          <p:cNvPr id="3" name="Espace réservé du contenu 2">
+            <a:extLst>
+              <a:ext uri="{FF2B5EF4-FFF2-40B4-BE49-F238E27FC236}">
+                <a16:creationId xmlns:a16="http://schemas.microsoft.com/office/drawing/2014/main" id="{A21895C4-E6A0-4E1A-9CE1-C7428910F9BE}"/>
+              </a:ext>
+            </a:extLst>
+          </p:cNvPr>
+          <p:cNvSpPr>
+            <a:spLocks noGrp="1"/>
+          </p:cNvSpPr>
+          <p:nvPr>
+            <p:ph idx="1"/>
+          </p:nvPr>
+        </p:nvSpPr>
+        <p:spPr>
+          <a:xfrm>
+            <a:off x="838200" y="3917659"/>
+            <a:ext cx="10515600" cy="2259304"/>
+          </a:xfrm>
+        </p:spPr>
+        <p:txBody>
+          <a:bodyPr>
+            <a:normAutofit/>
+          </a:bodyPr>
+          <a:lstStyle/>
+          <a:p>
+            <a:pPr marL="0" indent="0">
+              <a:buNone/>
+            </a:pPr>
+            <a:endParaRPr lang="fr-FR" dirty="0"/>
+          </a:p>
+          <a:p>
+            <a:pPr lvl="1"/>
+            <a:endParaRPr lang="fr-FR" dirty="0"/>
+          </a:p>
+        </p:txBody>
+      </p:sp>
+      <p:sp>
+        <p:nvSpPr>
+          <p:cNvPr id="4" name="Rectangle 3">
+            <a:extLst>
+              <a:ext uri="{FF2B5EF4-FFF2-40B4-BE49-F238E27FC236}">
+                <a16:creationId xmlns:a16="http://schemas.microsoft.com/office/drawing/2014/main" id="{C062A73A-3D41-49F5-A9E9-989DC4492987}"/>
+              </a:ext>
+            </a:extLst>
+          </p:cNvPr>
+          <p:cNvSpPr/>
+          <p:nvPr/>
+        </p:nvSpPr>
+        <p:spPr>
+          <a:xfrm>
+            <a:off x="0" y="-36092"/>
+            <a:ext cx="12192000" cy="802433"/>
+          </a:xfrm>
+          <a:prstGeom prst="rect">
+            <a:avLst/>
+          </a:prstGeom>
+          <a:solidFill>
+            <a:srgbClr val="DC3545"/>
+          </a:solidFill>
+          <a:ln>
+            <a:noFill/>
+          </a:ln>
+        </p:spPr>
+        <p:style>
+          <a:lnRef idx="2">
+            <a:schemeClr val="accent1">
+              <a:shade val="50000"/>
+            </a:schemeClr>
+          </a:lnRef>
+          <a:fillRef idx="1">
+            <a:schemeClr val="accent1"/>
+          </a:fillRef>
+          <a:effectRef idx="0">
+            <a:schemeClr val="accent1"/>
+          </a:effectRef>
+          <a:fontRef idx="minor">
+            <a:schemeClr val="lt1"/>
+          </a:fontRef>
+        </p:style>
+        <p:txBody>
+          <a:bodyPr rtlCol="0" anchor="ctr"/>
+          <a:lstStyle/>
+          <a:p>
+            <a:pPr algn="ctr"/>
+            <a:endParaRPr lang="fr-FR" dirty="0"/>
+          </a:p>
+        </p:txBody>
+      </p:sp>
+      <p:sp>
+        <p:nvSpPr>
+          <p:cNvPr id="6" name="Rectangle 5">
+            <a:extLst>
+              <a:ext uri="{FF2B5EF4-FFF2-40B4-BE49-F238E27FC236}">
+                <a16:creationId xmlns:a16="http://schemas.microsoft.com/office/drawing/2014/main" id="{DEFA824C-FB5A-40D7-8FEA-311D463F4148}"/>
+              </a:ext>
+            </a:extLst>
+          </p:cNvPr>
+          <p:cNvSpPr/>
+          <p:nvPr/>
+        </p:nvSpPr>
+        <p:spPr>
+          <a:xfrm>
+            <a:off x="10590245" y="6316824"/>
+            <a:ext cx="1601755" cy="541176"/>
+          </a:xfrm>
+          <a:prstGeom prst="rect">
+            <a:avLst/>
+          </a:prstGeom>
+          <a:noFill/>
+          <a:ln>
+            <a:noFill/>
+          </a:ln>
+        </p:spPr>
+        <p:style>
+          <a:lnRef idx="2">
+            <a:schemeClr val="accent1">
+              <a:shade val="50000"/>
+            </a:schemeClr>
+          </a:lnRef>
+          <a:fillRef idx="1">
+            <a:schemeClr val="accent1"/>
+          </a:fillRef>
+          <a:effectRef idx="0">
+            <a:schemeClr val="accent1"/>
+          </a:effectRef>
+          <a:fontRef idx="minor">
+            <a:schemeClr val="lt1"/>
+          </a:fontRef>
+        </p:style>
+        <p:txBody>
+          <a:bodyPr rtlCol="0" anchor="ctr"/>
+          <a:lstStyle/>
+          <a:p>
+            <a:pPr algn="ctr"/>
+            <a:r>
+              <a:rPr lang="fr-FR" sz="1400" i="1" dirty="0" err="1">
+                <a:solidFill>
+                  <a:schemeClr val="tx1"/>
+                </a:solidFill>
+              </a:rPr>
+              <a:t>metaXIII</a:t>
+            </a:r>
+            <a:endParaRPr lang="fr-FR" sz="1400" i="1" dirty="0">
+              <a:solidFill>
+                <a:schemeClr val="tx1"/>
+              </a:solidFill>
+            </a:endParaRPr>
+          </a:p>
+          <a:p>
+            <a:pPr algn="ctr"/>
+            <a:r>
+              <a:rPr lang="fr-FR" sz="1400" i="1" dirty="0">
+                <a:solidFill>
+                  <a:schemeClr val="tx1"/>
+                </a:solidFill>
+              </a:rPr>
+              <a:t>~ Lehchibi Gaël</a:t>
+            </a:r>
+          </a:p>
+        </p:txBody>
+      </p:sp>
+      <p:sp>
+        <p:nvSpPr>
+          <p:cNvPr id="8" name="Rectangle 7">
+            <a:extLst>
+              <a:ext uri="{FF2B5EF4-FFF2-40B4-BE49-F238E27FC236}">
+                <a16:creationId xmlns:a16="http://schemas.microsoft.com/office/drawing/2014/main" id="{FD351DB6-AE83-46D1-A71C-A216DE57F576}"/>
+              </a:ext>
+            </a:extLst>
+          </p:cNvPr>
+          <p:cNvSpPr/>
+          <p:nvPr/>
+        </p:nvSpPr>
+        <p:spPr>
+          <a:xfrm>
+            <a:off x="345812" y="0"/>
+            <a:ext cx="803480" cy="766341"/>
+          </a:xfrm>
+          <a:prstGeom prst="rect">
+            <a:avLst/>
+          </a:prstGeom>
+          <a:noFill/>
+          <a:ln>
+            <a:noFill/>
+          </a:ln>
+        </p:spPr>
+        <p:style>
+          <a:lnRef idx="2">
+            <a:schemeClr val="accent1">
+              <a:shade val="50000"/>
+            </a:schemeClr>
+          </a:lnRef>
+          <a:fillRef idx="1">
+            <a:schemeClr val="accent1"/>
+          </a:fillRef>
+          <a:effectRef idx="0">
+            <a:schemeClr val="accent1"/>
+          </a:effectRef>
+          <a:fontRef idx="minor">
+            <a:schemeClr val="lt1"/>
+          </a:fontRef>
+        </p:style>
+        <p:txBody>
+          <a:bodyPr rtlCol="0" anchor="ctr"/>
+          <a:lstStyle/>
+          <a:p>
+            <a:r>
+              <a:rPr lang="fr-FR" dirty="0">
+                <a:solidFill>
+                  <a:schemeClr val="tx1"/>
+                </a:solidFill>
+              </a:rPr>
+              <a:t>US 10</a:t>
+            </a:r>
+          </a:p>
+        </p:txBody>
+      </p:sp>
+      <p:sp>
+        <p:nvSpPr>
+          <p:cNvPr id="10" name="Rectangle 9">
+            <a:extLst>
+              <a:ext uri="{FF2B5EF4-FFF2-40B4-BE49-F238E27FC236}">
+                <a16:creationId xmlns:a16="http://schemas.microsoft.com/office/drawing/2014/main" id="{1DBDEA67-B3A3-4DE3-B612-0D4F4C9A767C}"/>
+              </a:ext>
+            </a:extLst>
+          </p:cNvPr>
+          <p:cNvSpPr/>
+          <p:nvPr/>
+        </p:nvSpPr>
+        <p:spPr>
+          <a:xfrm>
+            <a:off x="10590245" y="0"/>
+            <a:ext cx="1601755" cy="783771"/>
+          </a:xfrm>
+          <a:prstGeom prst="rect">
+            <a:avLst/>
+          </a:prstGeom>
+          <a:noFill/>
+          <a:ln>
+            <a:noFill/>
+          </a:ln>
+        </p:spPr>
+        <p:style>
+          <a:lnRef idx="2">
+            <a:schemeClr val="accent1">
+              <a:shade val="50000"/>
+            </a:schemeClr>
+          </a:lnRef>
+          <a:fillRef idx="1">
+            <a:schemeClr val="accent1"/>
+          </a:fillRef>
+          <a:effectRef idx="0">
+            <a:schemeClr val="accent1"/>
+          </a:effectRef>
+          <a:fontRef idx="minor">
+            <a:schemeClr val="lt1"/>
+          </a:fontRef>
+        </p:style>
+        <p:txBody>
+          <a:bodyPr rtlCol="0" anchor="ctr"/>
+          <a:lstStyle/>
+          <a:p>
+            <a:pPr algn="ctr"/>
+            <a:r>
+              <a:rPr lang="fr-FR" dirty="0">
+                <a:solidFill>
+                  <a:schemeClr val="tx1"/>
+                </a:solidFill>
+              </a:rPr>
+              <a:t>2 pts</a:t>
+            </a:r>
+          </a:p>
+        </p:txBody>
+      </p:sp>
+      <p:graphicFrame>
+        <p:nvGraphicFramePr>
+          <p:cNvPr id="5" name="Tableau 6">
+            <a:extLst>
+              <a:ext uri="{FF2B5EF4-FFF2-40B4-BE49-F238E27FC236}">
+                <a16:creationId xmlns:a16="http://schemas.microsoft.com/office/drawing/2014/main" id="{2AF7EE3D-7632-4D48-A9D0-4DB7BFBF925F}"/>
+              </a:ext>
+            </a:extLst>
+          </p:cNvPr>
+          <p:cNvGraphicFramePr>
+            <a:graphicFrameLocks noGrp="1"/>
+          </p:cNvGraphicFramePr>
+          <p:nvPr>
+            <p:extLst>
+              <p:ext uri="{D42A27DB-BD31-4B8C-83A1-F6EECF244321}">
+                <p14:modId xmlns:p14="http://schemas.microsoft.com/office/powerpoint/2010/main" val="2054611553"/>
               </p:ext>
             </p:extLst>
           </p:nvPr>
@@ -6738,7 +6006,7 @@
                       <a:pPr algn="ctr"/>
                       <a:r>
                         <a:rPr lang="fr-FR" dirty="0"/>
-                        <a:t>US 2</a:t>
+                        <a:t>US 10</a:t>
                       </a:r>
                     </a:p>
                   </a:txBody>
@@ -6752,7 +6020,7 @@
                       <a:pPr algn="ctr"/>
                       <a:r>
                         <a:rPr lang="fr-FR" dirty="0"/>
-                        <a:t>Se connecter</a:t>
+                        <a:t>Associer les entités</a:t>
                       </a:r>
                     </a:p>
                   </a:txBody>
@@ -6766,7 +6034,7 @@
                       <a:pPr algn="ctr"/>
                       <a:r>
                         <a:rPr lang="fr-FR" dirty="0"/>
-                        <a:t>Affichage de la page de connexion</a:t>
+                        <a:t>Classes</a:t>
                       </a:r>
                     </a:p>
                   </a:txBody>
@@ -6779,7 +6047,7 @@
                     <a:p>
                       <a:r>
                         <a:rPr lang="fr-FR" dirty="0"/>
-                        <a:t>En tant qu’</a:t>
+                        <a:t>En tant que </a:t>
                       </a:r>
                       <a:r>
                         <a:rPr lang="fr-FR" dirty="0">
@@ -6787,7 +6055,7 @@
                             <a:srgbClr val="0070C0"/>
                           </a:solidFill>
                         </a:rPr>
-                        <a:t>utilisateur</a:t>
+                        <a:t>développeur</a:t>
                       </a:r>
                     </a:p>
                     <a:p>
@@ -6801,7 +6069,7 @@
                             <a:srgbClr val="FF0000"/>
                           </a:solidFill>
                         </a:rPr>
-                        <a:t>pouvoir me connecter sur une page spécifique</a:t>
+                        <a:t>indiquer les classes - entités</a:t>
                       </a:r>
                     </a:p>
                     <a:p>
@@ -6815,7 +6083,7 @@
                             <a:schemeClr val="accent6"/>
                           </a:solidFill>
                         </a:rPr>
-                        <a:t>pouvoir me connecter dans l’application</a:t>
+                        <a:t>pouvoir lier ces classes avec ma future base de données</a:t>
                       </a:r>
                     </a:p>
                   </a:txBody>
@@ -6846,14 +6114,14 @@
           <p:nvPr>
             <p:extLst>
               <p:ext uri="{D42A27DB-BD31-4B8C-83A1-F6EECF244321}">
-                <p14:modId xmlns:p14="http://schemas.microsoft.com/office/powerpoint/2010/main" val="186152360"/>
+                <p14:modId xmlns:p14="http://schemas.microsoft.com/office/powerpoint/2010/main" val="3438685275"/>
               </p:ext>
             </p:extLst>
           </p:nvPr>
         </p:nvGraphicFramePr>
         <p:xfrm>
-          <a:off x="6096000" y="2854728"/>
-          <a:ext cx="5556308" cy="2683066"/>
+          <a:off x="345811" y="2984306"/>
+          <a:ext cx="11306495" cy="2683066"/>
         </p:xfrm>
         <a:graphic>
           <a:graphicData uri="http://schemas.openxmlformats.org/drawingml/2006/table">
@@ -6862,7 +6130,7 @@
                 <a:tableStyleId>{5C22544A-7EE6-4342-B048-85BDC9FD1C3A}</a:tableStyleId>
               </a:tblPr>
               <a:tblGrid>
-                <a:gridCol w="5556308">
+                <a:gridCol w="11306495">
                   <a:extLst>
                     <a:ext uri="{9D8B030D-6E8A-4147-A177-3AD203B41FA5}">
                       <a16:colId xmlns:a16="http://schemas.microsoft.com/office/drawing/2014/main" val="1367687133"/>
@@ -6898,7 +6166,7 @@
                     <a:p>
                       <a:r>
                         <a:rPr lang="fr-FR" dirty="0"/>
-                        <a:t>La connexion étant une action géré par le Backend de l’application, il ne s’agit ici que de prévoir le formulaire de connexion.</a:t>
+                        <a:t>Les classes java doivent correspondre également aux entités dégagées par le MPD lors de l’US 8</a:t>
                       </a:r>
                     </a:p>
                   </a:txBody>
@@ -6914,87 +6182,10 @@
           </a:graphicData>
         </a:graphic>
       </p:graphicFrame>
-      <p:sp>
-        <p:nvSpPr>
-          <p:cNvPr id="12" name="Rectangle 11">
-            <a:extLst>
-              <a:ext uri="{FF2B5EF4-FFF2-40B4-BE49-F238E27FC236}">
-                <a16:creationId xmlns:a16="http://schemas.microsoft.com/office/drawing/2014/main" id="{4A3683C0-FF11-4561-8B69-9C863624036D}"/>
-              </a:ext>
-            </a:extLst>
-          </p:cNvPr>
-          <p:cNvSpPr/>
-          <p:nvPr/>
-        </p:nvSpPr>
-        <p:spPr>
-          <a:xfrm>
-            <a:off x="345812" y="2919369"/>
-            <a:ext cx="5556308" cy="3808602"/>
-          </a:xfrm>
-          <a:prstGeom prst="rect">
-            <a:avLst/>
-          </a:prstGeom>
-          <a:noFill/>
-        </p:spPr>
-        <p:style>
-          <a:lnRef idx="2">
-            <a:schemeClr val="accent1">
-              <a:shade val="50000"/>
-            </a:schemeClr>
-          </a:lnRef>
-          <a:fillRef idx="1">
-            <a:schemeClr val="accent1"/>
-          </a:fillRef>
-          <a:effectRef idx="0">
-            <a:schemeClr val="accent1"/>
-          </a:effectRef>
-          <a:fontRef idx="minor">
-            <a:schemeClr val="lt1"/>
-          </a:fontRef>
-        </p:style>
-        <p:txBody>
-          <a:bodyPr rtlCol="0" anchor="ctr"/>
-          <a:lstStyle/>
-          <a:p>
-            <a:pPr algn="ctr"/>
-            <a:endParaRPr lang="fr-FR"/>
-          </a:p>
-        </p:txBody>
-      </p:sp>
-      <p:pic>
-        <p:nvPicPr>
-          <p:cNvPr id="7" name="Image 6">
-            <a:extLst>
-              <a:ext uri="{FF2B5EF4-FFF2-40B4-BE49-F238E27FC236}">
-                <a16:creationId xmlns:a16="http://schemas.microsoft.com/office/drawing/2014/main" id="{1CA8643A-7FF0-4CD4-AC02-E440F35ABC89}"/>
-              </a:ext>
-            </a:extLst>
-          </p:cNvPr>
-          <p:cNvPicPr>
-            <a:picLocks noChangeAspect="1"/>
-          </p:cNvPicPr>
-          <p:nvPr/>
-        </p:nvPicPr>
-        <p:blipFill>
-          <a:blip r:embed="rId2"/>
-          <a:stretch>
-            <a:fillRect/>
-          </a:stretch>
-        </p:blipFill>
-        <p:spPr>
-          <a:xfrm>
-            <a:off x="345812" y="2919367"/>
-            <a:ext cx="5556308" cy="3808603"/>
-          </a:xfrm>
-          <a:prstGeom prst="rect">
-            <a:avLst/>
-          </a:prstGeom>
-        </p:spPr>
-      </p:pic>
     </p:spTree>
     <p:extLst>
       <p:ext uri="{BB962C8B-B14F-4D97-AF65-F5344CB8AC3E}">
-        <p14:creationId xmlns:p14="http://schemas.microsoft.com/office/powerpoint/2010/main" val="930990346"/>
+        <p14:creationId xmlns:p14="http://schemas.microsoft.com/office/powerpoint/2010/main" val="2264842823"/>
       </p:ext>
     </p:extLst>
   </p:cSld>
@@ -7004,7 +6195,7 @@
 </p:sld>
 </file>
 
-<file path=ppt/slides/slide6.xml><?xml version="1.0" encoding="utf-8"?>
+<file path=ppt/slides/slide7.xml><?xml version="1.0" encoding="utf-8"?>
 <p:sld xmlns:a="http://schemas.openxmlformats.org/drawingml/2006/main" xmlns:r="http://schemas.openxmlformats.org/officeDocument/2006/relationships" xmlns:p="http://schemas.openxmlformats.org/presentationml/2006/main">
   <p:cSld>
     <p:spTree>
@@ -7039,60 +6230,18 @@
         </p:nvSpPr>
         <p:spPr>
           <a:xfrm>
-            <a:off x="838200" y="819864"/>
-            <a:ext cx="10515600" cy="488820"/>
+            <a:off x="4594371" y="2766218"/>
+            <a:ext cx="3003258" cy="1325563"/>
           </a:xfrm>
         </p:spPr>
         <p:txBody>
-          <a:bodyPr>
-            <a:normAutofit fontScale="90000"/>
-          </a:bodyPr>
-          <a:lstStyle/>
-          <a:p>
-            <a:pPr algn="r"/>
-            <a:r>
-              <a:rPr lang="fr-FR" sz="3200" b="1" dirty="0"/>
-              <a:t>US03 : Intégrer la page d’inscription</a:t>
-            </a:r>
-          </a:p>
-        </p:txBody>
-      </p:sp>
-      <p:sp>
-        <p:nvSpPr>
-          <p:cNvPr id="3" name="Espace réservé du contenu 2">
-            <a:extLst>
-              <a:ext uri="{FF2B5EF4-FFF2-40B4-BE49-F238E27FC236}">
-                <a16:creationId xmlns:a16="http://schemas.microsoft.com/office/drawing/2014/main" id="{A21895C4-E6A0-4E1A-9CE1-C7428910F9BE}"/>
-              </a:ext>
-            </a:extLst>
-          </p:cNvPr>
-          <p:cNvSpPr>
-            <a:spLocks noGrp="1"/>
-          </p:cNvSpPr>
-          <p:nvPr>
-            <p:ph idx="1"/>
-          </p:nvPr>
-        </p:nvSpPr>
-        <p:spPr>
-          <a:xfrm>
-            <a:off x="838200" y="3917659"/>
-            <a:ext cx="10515600" cy="2259304"/>
-          </a:xfrm>
-        </p:spPr>
-        <p:txBody>
-          <a:bodyPr>
-            <a:normAutofit/>
-          </a:bodyPr>
-          <a:lstStyle/>
-          <a:p>
-            <a:pPr marL="0" indent="0">
-              <a:buNone/>
-            </a:pPr>
-            <a:endParaRPr lang="fr-FR" dirty="0"/>
-          </a:p>
-          <a:p>
-            <a:pPr lvl="1"/>
-            <a:endParaRPr lang="fr-FR" dirty="0"/>
+          <a:bodyPr/>
+          <a:lstStyle/>
+          <a:p>
+            <a:r>
+              <a:rPr lang="fr-FR" dirty="0"/>
+              <a:t>Nota Bene</a:t>
+            </a:r>
           </a:p>
         </p:txBody>
       </p:sp>
@@ -7235,8 +6384,8 @@
         </p:nvSpPr>
         <p:spPr>
           <a:xfrm>
-            <a:off x="345812" y="0"/>
-            <a:ext cx="2732948" cy="766341"/>
+            <a:off x="0" y="0"/>
+            <a:ext cx="1735494" cy="783771"/>
           </a:xfrm>
           <a:prstGeom prst="rect">
             <a:avLst/>
@@ -7266,13 +6415,14 @@
           <a:bodyPr rtlCol="0" anchor="ctr"/>
           <a:lstStyle/>
           <a:p>
+            <a:pPr algn="ctr"/>
             <a:r>
               <a:rPr lang="fr-FR" dirty="0">
                 <a:solidFill>
                   <a:schemeClr val="tx1"/>
                 </a:solidFill>
               </a:rPr>
-              <a:t>US 3</a:t>
+              <a:t>L1S1</a:t>
             </a:r>
           </a:p>
         </p:txBody>
@@ -7323,406 +6473,18 @@
           <a:lstStyle/>
           <a:p>
             <a:pPr algn="ctr"/>
-            <a:r>
-              <a:rPr lang="fr-FR" dirty="0">
-                <a:solidFill>
-                  <a:schemeClr val="tx1"/>
-                </a:solidFill>
-              </a:rPr>
-              <a:t>2 pts</a:t>
-            </a:r>
-          </a:p>
-        </p:txBody>
-      </p:sp>
-      <p:graphicFrame>
-        <p:nvGraphicFramePr>
-          <p:cNvPr id="5" name="Tableau 6">
-            <a:extLst>
-              <a:ext uri="{FF2B5EF4-FFF2-40B4-BE49-F238E27FC236}">
-                <a16:creationId xmlns:a16="http://schemas.microsoft.com/office/drawing/2014/main" id="{2AF7EE3D-7632-4D48-A9D0-4DB7BFBF925F}"/>
-              </a:ext>
-            </a:extLst>
-          </p:cNvPr>
-          <p:cNvGraphicFramePr>
-            <a:graphicFrameLocks noGrp="1"/>
-          </p:cNvGraphicFramePr>
-          <p:nvPr>
-            <p:extLst>
-              <p:ext uri="{D42A27DB-BD31-4B8C-83A1-F6EECF244321}">
-                <p14:modId xmlns:p14="http://schemas.microsoft.com/office/powerpoint/2010/main" val="2008928720"/>
-              </p:ext>
-            </p:extLst>
-          </p:nvPr>
-        </p:nvGraphicFramePr>
-        <p:xfrm>
-          <a:off x="345812" y="1362207"/>
-          <a:ext cx="11306496" cy="1355826"/>
-        </p:xfrm>
-        <a:graphic>
-          <a:graphicData uri="http://schemas.openxmlformats.org/drawingml/2006/table">
-            <a:tbl>
-              <a:tblPr firstRow="1" bandRow="1">
-                <a:tableStyleId>{5C22544A-7EE6-4342-B048-85BDC9FD1C3A}</a:tableStyleId>
-              </a:tblPr>
-              <a:tblGrid>
-                <a:gridCol w="1197762">
-                  <a:extLst>
-                    <a:ext uri="{9D8B030D-6E8A-4147-A177-3AD203B41FA5}">
-                      <a16:colId xmlns:a16="http://schemas.microsoft.com/office/drawing/2014/main" val="847120557"/>
-                    </a:ext>
-                  </a:extLst>
-                </a:gridCol>
-                <a:gridCol w="1635854">
-                  <a:extLst>
-                    <a:ext uri="{9D8B030D-6E8A-4147-A177-3AD203B41FA5}">
-                      <a16:colId xmlns:a16="http://schemas.microsoft.com/office/drawing/2014/main" val="44778753"/>
-                    </a:ext>
-                  </a:extLst>
-                </a:gridCol>
-                <a:gridCol w="1392572">
-                  <a:extLst>
-                    <a:ext uri="{9D8B030D-6E8A-4147-A177-3AD203B41FA5}">
-                      <a16:colId xmlns:a16="http://schemas.microsoft.com/office/drawing/2014/main" val="3794726730"/>
-                    </a:ext>
-                  </a:extLst>
-                </a:gridCol>
-                <a:gridCol w="7080308">
-                  <a:extLst>
-                    <a:ext uri="{9D8B030D-6E8A-4147-A177-3AD203B41FA5}">
-                      <a16:colId xmlns:a16="http://schemas.microsoft.com/office/drawing/2014/main" val="2097296227"/>
-                    </a:ext>
-                  </a:extLst>
-                </a:gridCol>
-              </a:tblGrid>
-              <a:tr h="329704">
-                <a:tc>
-                  <a:txBody>
-                    <a:bodyPr/>
-                    <a:lstStyle/>
-                    <a:p>
-                      <a:pPr algn="ctr"/>
-                      <a:r>
-                        <a:rPr lang="fr-FR" dirty="0"/>
-                        <a:t>Identifiant</a:t>
-                      </a:r>
-                    </a:p>
-                  </a:txBody>
-                  <a:tcPr/>
-                </a:tc>
-                <a:tc>
-                  <a:txBody>
-                    <a:bodyPr/>
-                    <a:lstStyle/>
-                    <a:p>
-                      <a:pPr algn="ctr"/>
-                      <a:r>
-                        <a:rPr lang="fr-FR" dirty="0"/>
-                        <a:t>Story</a:t>
-                      </a:r>
-                    </a:p>
-                  </a:txBody>
-                  <a:tcPr/>
-                </a:tc>
-                <a:tc>
-                  <a:txBody>
-                    <a:bodyPr/>
-                    <a:lstStyle/>
-                    <a:p>
-                      <a:pPr algn="ctr"/>
-                      <a:r>
-                        <a:rPr lang="fr-FR" dirty="0"/>
-                        <a:t>Thème</a:t>
-                      </a:r>
-                    </a:p>
-                  </a:txBody>
-                  <a:tcPr/>
-                </a:tc>
-                <a:tc>
-                  <a:txBody>
-                    <a:bodyPr/>
-                    <a:lstStyle/>
-                    <a:p>
-                      <a:pPr algn="ctr"/>
-                      <a:r>
-                        <a:rPr lang="fr-FR" dirty="0"/>
-                        <a:t>US</a:t>
-                      </a:r>
-                    </a:p>
-                  </a:txBody>
-                  <a:tcPr/>
-                </a:tc>
-                <a:extLst>
-                  <a:ext uri="{0D108BD9-81ED-4DB2-BD59-A6C34878D82A}">
-                    <a16:rowId xmlns:a16="http://schemas.microsoft.com/office/drawing/2014/main" val="3586712790"/>
-                  </a:ext>
-                </a:extLst>
-              </a:tr>
-              <a:tr h="990066">
-                <a:tc>
-                  <a:txBody>
-                    <a:bodyPr/>
-                    <a:lstStyle/>
-                    <a:p>
-                      <a:pPr algn="ctr"/>
-                      <a:r>
-                        <a:rPr lang="fr-FR" dirty="0"/>
-                        <a:t>US 3</a:t>
-                      </a:r>
-                    </a:p>
-                  </a:txBody>
-                  <a:tcPr/>
-                </a:tc>
-                <a:tc>
-                  <a:txBody>
-                    <a:bodyPr/>
-                    <a:lstStyle/>
-                    <a:p>
-                      <a:pPr algn="ctr"/>
-                      <a:r>
-                        <a:rPr lang="fr-FR" dirty="0"/>
-                        <a:t>S’inscrire</a:t>
-                      </a:r>
-                    </a:p>
-                  </a:txBody>
-                  <a:tcPr/>
-                </a:tc>
-                <a:tc>
-                  <a:txBody>
-                    <a:bodyPr/>
-                    <a:lstStyle/>
-                    <a:p>
-                      <a:pPr algn="ctr"/>
-                      <a:r>
-                        <a:rPr lang="fr-FR" dirty="0"/>
-                        <a:t>Affichage de la page d’inscription</a:t>
-                      </a:r>
-                    </a:p>
-                  </a:txBody>
-                  <a:tcPr/>
-                </a:tc>
-                <a:tc>
-                  <a:txBody>
-                    <a:bodyPr/>
-                    <a:lstStyle/>
-                    <a:p>
-                      <a:r>
-                        <a:rPr lang="fr-FR" dirty="0"/>
-                        <a:t>En tant qu’</a:t>
-                      </a:r>
-                      <a:r>
-                        <a:rPr lang="fr-FR" dirty="0">
-                          <a:solidFill>
-                            <a:srgbClr val="0070C0"/>
-                          </a:solidFill>
-                        </a:rPr>
-                        <a:t>utilisateur</a:t>
-                      </a:r>
-                    </a:p>
-                    <a:p>
-                      <a:r>
-                        <a:rPr lang="fr-FR" dirty="0"/>
-                        <a:t>Je souhaite </a:t>
-                      </a:r>
-                      <a:r>
-                        <a:rPr lang="fr-FR" dirty="0">
-                          <a:solidFill>
-                            <a:srgbClr val="FF0000"/>
-                          </a:solidFill>
-                        </a:rPr>
-                        <a:t>pouvoir me m’inscrire sur une page spécifique</a:t>
-                      </a:r>
-                    </a:p>
-                    <a:p>
-                      <a:r>
-                        <a:rPr lang="fr-FR" dirty="0"/>
-                        <a:t>Afin de </a:t>
-                      </a:r>
-                      <a:r>
-                        <a:rPr lang="fr-FR" dirty="0">
-                          <a:solidFill>
-                            <a:schemeClr val="accent6"/>
-                          </a:solidFill>
-                        </a:rPr>
-                        <a:t>pouvoir être enregistré dans le site</a:t>
-                      </a:r>
-                    </a:p>
-                  </a:txBody>
-                  <a:tcPr/>
-                </a:tc>
-                <a:extLst>
-                  <a:ext uri="{0D108BD9-81ED-4DB2-BD59-A6C34878D82A}">
-                    <a16:rowId xmlns:a16="http://schemas.microsoft.com/office/drawing/2014/main" val="1694678573"/>
-                  </a:ext>
-                </a:extLst>
-              </a:tr>
-            </a:tbl>
-          </a:graphicData>
-        </a:graphic>
-      </p:graphicFrame>
-      <p:graphicFrame>
-        <p:nvGraphicFramePr>
-          <p:cNvPr id="9" name="Tableau 10">
-            <a:extLst>
-              <a:ext uri="{FF2B5EF4-FFF2-40B4-BE49-F238E27FC236}">
-                <a16:creationId xmlns:a16="http://schemas.microsoft.com/office/drawing/2014/main" id="{28D47CA7-69BB-4279-ABF7-3267B81984E0}"/>
-              </a:ext>
-            </a:extLst>
-          </p:cNvPr>
-          <p:cNvGraphicFramePr>
-            <a:graphicFrameLocks noGrp="1"/>
-          </p:cNvGraphicFramePr>
-          <p:nvPr>
-            <p:extLst>
-              <p:ext uri="{D42A27DB-BD31-4B8C-83A1-F6EECF244321}">
-                <p14:modId xmlns:p14="http://schemas.microsoft.com/office/powerpoint/2010/main" val="218477813"/>
-              </p:ext>
-            </p:extLst>
-          </p:nvPr>
-        </p:nvGraphicFramePr>
-        <p:xfrm>
-          <a:off x="6096000" y="2854728"/>
-          <a:ext cx="5556308" cy="2683066"/>
-        </p:xfrm>
-        <a:graphic>
-          <a:graphicData uri="http://schemas.openxmlformats.org/drawingml/2006/table">
-            <a:tbl>
-              <a:tblPr firstRow="1" bandRow="1">
-                <a:tableStyleId>{5C22544A-7EE6-4342-B048-85BDC9FD1C3A}</a:tableStyleId>
-              </a:tblPr>
-              <a:tblGrid>
-                <a:gridCol w="5556308">
-                  <a:extLst>
-                    <a:ext uri="{9D8B030D-6E8A-4147-A177-3AD203B41FA5}">
-                      <a16:colId xmlns:a16="http://schemas.microsoft.com/office/drawing/2014/main" val="1367687133"/>
-                    </a:ext>
-                  </a:extLst>
-                </a:gridCol>
-              </a:tblGrid>
-              <a:tr h="375033">
-                <a:tc>
-                  <a:txBody>
-                    <a:bodyPr/>
-                    <a:lstStyle/>
-                    <a:p>
-                      <a:r>
-                        <a:rPr lang="fr-FR" dirty="0"/>
-                        <a:t>Critères d’acception</a:t>
-                      </a:r>
-                    </a:p>
-                  </a:txBody>
-                  <a:tcPr/>
-                </a:tc>
-                <a:extLst>
-                  <a:ext uri="{0D108BD9-81ED-4DB2-BD59-A6C34878D82A}">
-                    <a16:rowId xmlns:a16="http://schemas.microsoft.com/office/drawing/2014/main" val="1426691621"/>
-                  </a:ext>
-                </a:extLst>
-              </a:tr>
-              <a:tr h="2308033">
-                <a:tc>
-                  <a:txBody>
-                    <a:bodyPr/>
-                    <a:lstStyle/>
-                    <a:p>
-                      <a:r>
-                        <a:rPr lang="fr-FR" dirty="0"/>
-                        <a:t>L’inscription étant une action géré par le Backend de l’application, il ne s’agit ici que de prévoir le formulaire d’inscription.</a:t>
-                      </a:r>
-                    </a:p>
-                  </a:txBody>
-                  <a:tcPr/>
-                </a:tc>
-                <a:extLst>
-                  <a:ext uri="{0D108BD9-81ED-4DB2-BD59-A6C34878D82A}">
-                    <a16:rowId xmlns:a16="http://schemas.microsoft.com/office/drawing/2014/main" val="2625852529"/>
-                  </a:ext>
-                </a:extLst>
-              </a:tr>
-            </a:tbl>
-          </a:graphicData>
-        </a:graphic>
-      </p:graphicFrame>
-      <p:sp>
-        <p:nvSpPr>
-          <p:cNvPr id="12" name="Rectangle 11">
-            <a:extLst>
-              <a:ext uri="{FF2B5EF4-FFF2-40B4-BE49-F238E27FC236}">
-                <a16:creationId xmlns:a16="http://schemas.microsoft.com/office/drawing/2014/main" id="{4A3683C0-FF11-4561-8B69-9C863624036D}"/>
-              </a:ext>
-            </a:extLst>
-          </p:cNvPr>
-          <p:cNvSpPr/>
-          <p:nvPr/>
-        </p:nvSpPr>
-        <p:spPr>
-          <a:xfrm>
-            <a:off x="345812" y="2919369"/>
-            <a:ext cx="5556308" cy="3808602"/>
-          </a:xfrm>
-          <a:prstGeom prst="rect">
-            <a:avLst/>
-          </a:prstGeom>
-          <a:noFill/>
-        </p:spPr>
-        <p:style>
-          <a:lnRef idx="2">
-            <a:schemeClr val="accent1">
-              <a:shade val="50000"/>
-            </a:schemeClr>
-          </a:lnRef>
-          <a:fillRef idx="1">
-            <a:schemeClr val="accent1"/>
-          </a:fillRef>
-          <a:effectRef idx="0">
-            <a:schemeClr val="accent1"/>
-          </a:effectRef>
-          <a:fontRef idx="minor">
-            <a:schemeClr val="lt1"/>
-          </a:fontRef>
-        </p:style>
-        <p:txBody>
-          <a:bodyPr rtlCol="0" anchor="ctr"/>
-          <a:lstStyle/>
-          <a:p>
-            <a:pPr algn="ctr"/>
-            <a:endParaRPr lang="fr-FR"/>
-          </a:p>
-        </p:txBody>
-      </p:sp>
-      <p:pic>
-        <p:nvPicPr>
-          <p:cNvPr id="11" name="Image 10">
-            <a:extLst>
-              <a:ext uri="{FF2B5EF4-FFF2-40B4-BE49-F238E27FC236}">
-                <a16:creationId xmlns:a16="http://schemas.microsoft.com/office/drawing/2014/main" id="{2C9A1CC4-EE04-44A9-9A67-73D4850D5E64}"/>
-              </a:ext>
-            </a:extLst>
-          </p:cNvPr>
-          <p:cNvPicPr>
-            <a:picLocks noChangeAspect="1"/>
-          </p:cNvPicPr>
-          <p:nvPr/>
-        </p:nvPicPr>
-        <p:blipFill>
-          <a:blip r:embed="rId2"/>
-          <a:stretch>
-            <a:fillRect/>
-          </a:stretch>
-        </p:blipFill>
-        <p:spPr>
-          <a:xfrm>
-            <a:off x="345812" y="2919369"/>
-            <a:ext cx="5556308" cy="3808602"/>
-          </a:xfrm>
-          <a:prstGeom prst="rect">
-            <a:avLst/>
-          </a:prstGeom>
-        </p:spPr>
-      </p:pic>
+            <a:endParaRPr lang="fr-FR" dirty="0">
+              <a:solidFill>
+                <a:schemeClr val="tx1"/>
+              </a:solidFill>
+            </a:endParaRPr>
+          </a:p>
+        </p:txBody>
+      </p:sp>
     </p:spTree>
     <p:extLst>
       <p:ext uri="{BB962C8B-B14F-4D97-AF65-F5344CB8AC3E}">
-        <p14:creationId xmlns:p14="http://schemas.microsoft.com/office/powerpoint/2010/main" val="1124911191"/>
+        <p14:creationId xmlns:p14="http://schemas.microsoft.com/office/powerpoint/2010/main" val="1717946725"/>
       </p:ext>
     </p:extLst>
   </p:cSld>
@@ -7732,7 +6494,7 @@
 </p:sld>
 </file>
 
-<file path=ppt/slides/slide7.xml><?xml version="1.0" encoding="utf-8"?>
+<file path=ppt/slides/slide8.xml><?xml version="1.0" encoding="utf-8"?>
 <p:sld xmlns:a="http://schemas.openxmlformats.org/drawingml/2006/main" xmlns:r="http://schemas.openxmlformats.org/officeDocument/2006/relationships" xmlns:p="http://schemas.openxmlformats.org/presentationml/2006/main">
   <p:cSld>
     <p:spTree>
@@ -7777,10 +6539,9 @@
           </a:bodyPr>
           <a:lstStyle/>
           <a:p>
-            <a:pPr algn="r"/>
             <a:r>
               <a:rPr lang="fr-FR" sz="3200" b="1" dirty="0"/>
-              <a:t>US04 : Intégrer la page de recherche</a:t>
+              <a:t>NOTA BENE</a:t>
             </a:r>
           </a:p>
         </p:txBody>
@@ -7803,8 +6564,8 @@
         </p:nvSpPr>
         <p:spPr>
           <a:xfrm>
-            <a:off x="838200" y="3917659"/>
-            <a:ext cx="10515600" cy="2259304"/>
+            <a:off x="838200" y="1362207"/>
+            <a:ext cx="10515600" cy="4814756"/>
           </a:xfrm>
         </p:spPr>
         <p:txBody>
@@ -7813,13 +6574,19 @@
           </a:bodyPr>
           <a:lstStyle/>
           <a:p>
-            <a:pPr marL="0" indent="0">
-              <a:buNone/>
-            </a:pPr>
-            <a:endParaRPr lang="fr-FR" dirty="0"/>
-          </a:p>
-          <a:p>
-            <a:pPr lvl="1"/>
+            <a:r>
+              <a:rPr lang="fr-FR" dirty="0"/>
+              <a:t>Le vocabulaire est fourni pour le développeur</a:t>
+            </a:r>
+          </a:p>
+          <a:p>
+            <a:r>
+              <a:rPr lang="fr-FR" dirty="0"/>
+              <a:t>Les relations doivent être pensées pour répondre au maximum de critères d’efficacité possible.</a:t>
+            </a:r>
+          </a:p>
+          <a:p>
+            <a:pPr lvl="2"/>
             <a:endParaRPr lang="fr-FR" dirty="0"/>
           </a:p>
         </p:txBody>
@@ -7963,8 +6730,8 @@
         </p:nvSpPr>
         <p:spPr>
           <a:xfrm>
-            <a:off x="345812" y="0"/>
-            <a:ext cx="2732948" cy="766341"/>
+            <a:off x="0" y="0"/>
+            <a:ext cx="1735494" cy="783771"/>
           </a:xfrm>
           <a:prstGeom prst="rect">
             <a:avLst/>
@@ -7994,13 +6761,14 @@
           <a:bodyPr rtlCol="0" anchor="ctr"/>
           <a:lstStyle/>
           <a:p>
+            <a:pPr algn="ctr"/>
             <a:r>
               <a:rPr lang="fr-FR" dirty="0">
                 <a:solidFill>
                   <a:schemeClr val="tx1"/>
                 </a:solidFill>
               </a:rPr>
-              <a:t>US 4 </a:t>
+              <a:t>L1 S1</a:t>
             </a:r>
           </a:p>
         </p:txBody>
@@ -8051,1898 +6819,18 @@
           <a:lstStyle/>
           <a:p>
             <a:pPr algn="ctr"/>
-            <a:r>
-              <a:rPr lang="fr-FR" dirty="0">
-                <a:solidFill>
-                  <a:schemeClr val="tx1"/>
-                </a:solidFill>
-              </a:rPr>
-              <a:t>2 pts</a:t>
-            </a:r>
-          </a:p>
-        </p:txBody>
-      </p:sp>
-      <p:graphicFrame>
-        <p:nvGraphicFramePr>
-          <p:cNvPr id="5" name="Tableau 6">
-            <a:extLst>
-              <a:ext uri="{FF2B5EF4-FFF2-40B4-BE49-F238E27FC236}">
-                <a16:creationId xmlns:a16="http://schemas.microsoft.com/office/drawing/2014/main" id="{2AF7EE3D-7632-4D48-A9D0-4DB7BFBF925F}"/>
-              </a:ext>
-            </a:extLst>
-          </p:cNvPr>
-          <p:cNvGraphicFramePr>
-            <a:graphicFrameLocks noGrp="1"/>
-          </p:cNvGraphicFramePr>
-          <p:nvPr>
-            <p:extLst>
-              <p:ext uri="{D42A27DB-BD31-4B8C-83A1-F6EECF244321}">
-                <p14:modId xmlns:p14="http://schemas.microsoft.com/office/powerpoint/2010/main" val="3116009624"/>
-              </p:ext>
-            </p:extLst>
-          </p:nvPr>
-        </p:nvGraphicFramePr>
-        <p:xfrm>
-          <a:off x="345812" y="1362207"/>
-          <a:ext cx="11306496" cy="1554480"/>
-        </p:xfrm>
-        <a:graphic>
-          <a:graphicData uri="http://schemas.openxmlformats.org/drawingml/2006/table">
-            <a:tbl>
-              <a:tblPr firstRow="1" bandRow="1">
-                <a:tableStyleId>{5C22544A-7EE6-4342-B048-85BDC9FD1C3A}</a:tableStyleId>
-              </a:tblPr>
-              <a:tblGrid>
-                <a:gridCol w="1197762">
-                  <a:extLst>
-                    <a:ext uri="{9D8B030D-6E8A-4147-A177-3AD203B41FA5}">
-                      <a16:colId xmlns:a16="http://schemas.microsoft.com/office/drawing/2014/main" val="847120557"/>
-                    </a:ext>
-                  </a:extLst>
-                </a:gridCol>
-                <a:gridCol w="1417740">
-                  <a:extLst>
-                    <a:ext uri="{9D8B030D-6E8A-4147-A177-3AD203B41FA5}">
-                      <a16:colId xmlns:a16="http://schemas.microsoft.com/office/drawing/2014/main" val="44778753"/>
-                    </a:ext>
-                  </a:extLst>
-                </a:gridCol>
-                <a:gridCol w="1610686">
-                  <a:extLst>
-                    <a:ext uri="{9D8B030D-6E8A-4147-A177-3AD203B41FA5}">
-                      <a16:colId xmlns:a16="http://schemas.microsoft.com/office/drawing/2014/main" val="3794726730"/>
-                    </a:ext>
-                  </a:extLst>
-                </a:gridCol>
-                <a:gridCol w="7080308">
-                  <a:extLst>
-                    <a:ext uri="{9D8B030D-6E8A-4147-A177-3AD203B41FA5}">
-                      <a16:colId xmlns:a16="http://schemas.microsoft.com/office/drawing/2014/main" val="2097296227"/>
-                    </a:ext>
-                  </a:extLst>
-                </a:gridCol>
-              </a:tblGrid>
-              <a:tr h="329704">
-                <a:tc>
-                  <a:txBody>
-                    <a:bodyPr/>
-                    <a:lstStyle/>
-                    <a:p>
-                      <a:pPr algn="ctr"/>
-                      <a:r>
-                        <a:rPr lang="fr-FR" dirty="0"/>
-                        <a:t>Identifiant</a:t>
-                      </a:r>
-                    </a:p>
-                  </a:txBody>
-                  <a:tcPr/>
-                </a:tc>
-                <a:tc>
-                  <a:txBody>
-                    <a:bodyPr/>
-                    <a:lstStyle/>
-                    <a:p>
-                      <a:pPr algn="ctr"/>
-                      <a:r>
-                        <a:rPr lang="fr-FR" dirty="0"/>
-                        <a:t>Story</a:t>
-                      </a:r>
-                    </a:p>
-                  </a:txBody>
-                  <a:tcPr/>
-                </a:tc>
-                <a:tc>
-                  <a:txBody>
-                    <a:bodyPr/>
-                    <a:lstStyle/>
-                    <a:p>
-                      <a:pPr algn="ctr"/>
-                      <a:r>
-                        <a:rPr lang="fr-FR" dirty="0"/>
-                        <a:t>Thème</a:t>
-                      </a:r>
-                    </a:p>
-                  </a:txBody>
-                  <a:tcPr/>
-                </a:tc>
-                <a:tc>
-                  <a:txBody>
-                    <a:bodyPr/>
-                    <a:lstStyle/>
-                    <a:p>
-                      <a:pPr algn="ctr"/>
-                      <a:r>
-                        <a:rPr lang="fr-FR" dirty="0"/>
-                        <a:t>US</a:t>
-                      </a:r>
-                    </a:p>
-                  </a:txBody>
-                  <a:tcPr/>
-                </a:tc>
-                <a:extLst>
-                  <a:ext uri="{0D108BD9-81ED-4DB2-BD59-A6C34878D82A}">
-                    <a16:rowId xmlns:a16="http://schemas.microsoft.com/office/drawing/2014/main" val="3586712790"/>
-                  </a:ext>
-                </a:extLst>
-              </a:tr>
-              <a:tr h="990066">
-                <a:tc>
-                  <a:txBody>
-                    <a:bodyPr/>
-                    <a:lstStyle/>
-                    <a:p>
-                      <a:pPr algn="ctr"/>
-                      <a:r>
-                        <a:rPr lang="fr-FR" dirty="0"/>
-                        <a:t>US 4</a:t>
-                      </a:r>
-                    </a:p>
-                  </a:txBody>
-                  <a:tcPr/>
-                </a:tc>
-                <a:tc>
-                  <a:txBody>
-                    <a:bodyPr/>
-                    <a:lstStyle/>
-                    <a:p>
-                      <a:pPr algn="ctr"/>
-                      <a:r>
-                        <a:rPr lang="fr-FR" dirty="0"/>
-                        <a:t>Faire une recherche</a:t>
-                      </a:r>
-                    </a:p>
-                  </a:txBody>
-                  <a:tcPr/>
-                </a:tc>
-                <a:tc>
-                  <a:txBody>
-                    <a:bodyPr/>
-                    <a:lstStyle/>
-                    <a:p>
-                      <a:pPr algn="ctr"/>
-                      <a:r>
-                        <a:rPr lang="fr-FR" dirty="0"/>
-                        <a:t>Affichage de la page de recherche de l’application</a:t>
-                      </a:r>
-                    </a:p>
-                  </a:txBody>
-                  <a:tcPr/>
-                </a:tc>
-                <a:tc>
-                  <a:txBody>
-                    <a:bodyPr/>
-                    <a:lstStyle/>
-                    <a:p>
-                      <a:r>
-                        <a:rPr lang="fr-FR" dirty="0"/>
-                        <a:t>En tant qu’</a:t>
-                      </a:r>
-                      <a:r>
-                        <a:rPr lang="fr-FR" dirty="0">
-                          <a:solidFill>
-                            <a:srgbClr val="0070C0"/>
-                          </a:solidFill>
-                        </a:rPr>
-                        <a:t>utilisateur</a:t>
-                      </a:r>
-                    </a:p>
-                    <a:p>
-                      <a:r>
-                        <a:rPr lang="fr-FR" dirty="0"/>
-                        <a:t>Je souhaite </a:t>
-                      </a:r>
-                      <a:r>
-                        <a:rPr lang="fr-FR" dirty="0">
-                          <a:solidFill>
-                            <a:srgbClr val="FF0000"/>
-                          </a:solidFill>
-                        </a:rPr>
-                        <a:t>pouvoir me faire une recherche sur le site</a:t>
-                      </a:r>
-                    </a:p>
-                    <a:p>
-                      <a:r>
-                        <a:rPr lang="fr-FR" dirty="0"/>
-                        <a:t>Afin de </a:t>
-                      </a:r>
-                      <a:r>
-                        <a:rPr lang="fr-FR" dirty="0">
-                          <a:solidFill>
-                            <a:schemeClr val="accent6"/>
-                          </a:solidFill>
-                        </a:rPr>
-                        <a:t>pouvoir consulter les informations pertinentes</a:t>
-                      </a:r>
-                    </a:p>
-                  </a:txBody>
-                  <a:tcPr/>
-                </a:tc>
-                <a:extLst>
-                  <a:ext uri="{0D108BD9-81ED-4DB2-BD59-A6C34878D82A}">
-                    <a16:rowId xmlns:a16="http://schemas.microsoft.com/office/drawing/2014/main" val="1694678573"/>
-                  </a:ext>
-                </a:extLst>
-              </a:tr>
-            </a:tbl>
-          </a:graphicData>
-        </a:graphic>
-      </p:graphicFrame>
-      <p:graphicFrame>
-        <p:nvGraphicFramePr>
-          <p:cNvPr id="9" name="Tableau 10">
-            <a:extLst>
-              <a:ext uri="{FF2B5EF4-FFF2-40B4-BE49-F238E27FC236}">
-                <a16:creationId xmlns:a16="http://schemas.microsoft.com/office/drawing/2014/main" id="{28D47CA7-69BB-4279-ABF7-3267B81984E0}"/>
-              </a:ext>
-            </a:extLst>
-          </p:cNvPr>
-          <p:cNvGraphicFramePr>
-            <a:graphicFrameLocks noGrp="1"/>
-          </p:cNvGraphicFramePr>
-          <p:nvPr>
-            <p:extLst>
-              <p:ext uri="{D42A27DB-BD31-4B8C-83A1-F6EECF244321}">
-                <p14:modId xmlns:p14="http://schemas.microsoft.com/office/powerpoint/2010/main" val="2884566524"/>
-              </p:ext>
-            </p:extLst>
-          </p:nvPr>
-        </p:nvGraphicFramePr>
-        <p:xfrm>
-          <a:off x="6096000" y="2945550"/>
-          <a:ext cx="5556308" cy="3474720"/>
-        </p:xfrm>
-        <a:graphic>
-          <a:graphicData uri="http://schemas.openxmlformats.org/drawingml/2006/table">
-            <a:tbl>
-              <a:tblPr firstRow="1" bandRow="1">
-                <a:tableStyleId>{5C22544A-7EE6-4342-B048-85BDC9FD1C3A}</a:tableStyleId>
-              </a:tblPr>
-              <a:tblGrid>
-                <a:gridCol w="5556308">
-                  <a:extLst>
-                    <a:ext uri="{9D8B030D-6E8A-4147-A177-3AD203B41FA5}">
-                      <a16:colId xmlns:a16="http://schemas.microsoft.com/office/drawing/2014/main" val="1367687133"/>
-                    </a:ext>
-                  </a:extLst>
-                </a:gridCol>
-              </a:tblGrid>
-              <a:tr h="337909">
-                <a:tc>
-                  <a:txBody>
-                    <a:bodyPr/>
-                    <a:lstStyle/>
-                    <a:p>
-                      <a:r>
-                        <a:rPr lang="fr-FR" dirty="0"/>
-                        <a:t>Critères d’acception</a:t>
-                      </a:r>
-                    </a:p>
-                  </a:txBody>
-                  <a:tcPr/>
-                </a:tc>
-                <a:extLst>
-                  <a:ext uri="{0D108BD9-81ED-4DB2-BD59-A6C34878D82A}">
-                    <a16:rowId xmlns:a16="http://schemas.microsoft.com/office/drawing/2014/main" val="1426691621"/>
-                  </a:ext>
-                </a:extLst>
-              </a:tr>
-              <a:tr h="2872229">
-                <a:tc>
-                  <a:txBody>
-                    <a:bodyPr/>
-                    <a:lstStyle/>
-                    <a:p>
-                      <a:r>
-                        <a:rPr lang="fr-FR" dirty="0"/>
-                        <a:t>La recherche étant une action géré par le Backend de l’application, il ne s’agit ici que de prévoir le formulaire de recherche.</a:t>
-                      </a:r>
-                    </a:p>
-                    <a:p>
-                      <a:r>
-                        <a:rPr lang="fr-FR" dirty="0"/>
-                        <a:t>La recherche doit être en fonction de plusieurs critères dont : </a:t>
-                      </a:r>
-                    </a:p>
-                    <a:p>
-                      <a:r>
-                        <a:rPr lang="fr-FR" dirty="0"/>
-                        <a:t> - Site ou topo</a:t>
-                      </a:r>
-                    </a:p>
-                    <a:p>
-                      <a:r>
-                        <a:rPr lang="fr-FR" dirty="0"/>
-                        <a:t> - Le lieu</a:t>
-                      </a:r>
-                    </a:p>
-                    <a:p>
-                      <a:r>
-                        <a:rPr lang="fr-FR" dirty="0"/>
-                        <a:t> - La cotation</a:t>
-                      </a:r>
-                    </a:p>
-                    <a:p>
-                      <a:r>
-                        <a:rPr lang="fr-FR" dirty="0"/>
-                        <a:t> - Le nombre de secteurs</a:t>
-                      </a:r>
-                    </a:p>
-                    <a:p>
-                      <a:r>
-                        <a:rPr lang="fr-FR" dirty="0"/>
-                        <a:t>Il n’est pas à exclure que certains critères seront modifiés en fonction du type de recherche (topo ou site).</a:t>
-                      </a:r>
-                    </a:p>
-                  </a:txBody>
-                  <a:tcPr/>
-                </a:tc>
-                <a:extLst>
-                  <a:ext uri="{0D108BD9-81ED-4DB2-BD59-A6C34878D82A}">
-                    <a16:rowId xmlns:a16="http://schemas.microsoft.com/office/drawing/2014/main" val="2625852529"/>
-                  </a:ext>
-                </a:extLst>
-              </a:tr>
-            </a:tbl>
-          </a:graphicData>
-        </a:graphic>
-      </p:graphicFrame>
-      <p:sp>
-        <p:nvSpPr>
-          <p:cNvPr id="12" name="Rectangle 11">
-            <a:extLst>
-              <a:ext uri="{FF2B5EF4-FFF2-40B4-BE49-F238E27FC236}">
-                <a16:creationId xmlns:a16="http://schemas.microsoft.com/office/drawing/2014/main" id="{4A3683C0-FF11-4561-8B69-9C863624036D}"/>
-              </a:ext>
-            </a:extLst>
-          </p:cNvPr>
-          <p:cNvSpPr/>
-          <p:nvPr/>
-        </p:nvSpPr>
-        <p:spPr>
-          <a:xfrm>
-            <a:off x="345812" y="2919369"/>
-            <a:ext cx="5556308" cy="3808602"/>
-          </a:xfrm>
-          <a:prstGeom prst="rect">
-            <a:avLst/>
-          </a:prstGeom>
-          <a:noFill/>
-        </p:spPr>
-        <p:style>
-          <a:lnRef idx="2">
-            <a:schemeClr val="accent1">
-              <a:shade val="50000"/>
-            </a:schemeClr>
-          </a:lnRef>
-          <a:fillRef idx="1">
-            <a:schemeClr val="accent1"/>
-          </a:fillRef>
-          <a:effectRef idx="0">
-            <a:schemeClr val="accent1"/>
-          </a:effectRef>
-          <a:fontRef idx="minor">
-            <a:schemeClr val="lt1"/>
-          </a:fontRef>
-        </p:style>
-        <p:txBody>
-          <a:bodyPr rtlCol="0" anchor="ctr"/>
-          <a:lstStyle/>
-          <a:p>
-            <a:pPr algn="ctr"/>
-            <a:endParaRPr lang="fr-FR"/>
-          </a:p>
-        </p:txBody>
-      </p:sp>
-      <p:pic>
-        <p:nvPicPr>
-          <p:cNvPr id="7" name="Image 6">
-            <a:extLst>
-              <a:ext uri="{FF2B5EF4-FFF2-40B4-BE49-F238E27FC236}">
-                <a16:creationId xmlns:a16="http://schemas.microsoft.com/office/drawing/2014/main" id="{11A78FEF-64A1-4961-A438-472A3B80DDA7}"/>
-              </a:ext>
-            </a:extLst>
-          </p:cNvPr>
-          <p:cNvPicPr>
-            <a:picLocks noChangeAspect="1"/>
-          </p:cNvPicPr>
-          <p:nvPr/>
-        </p:nvPicPr>
-        <p:blipFill>
-          <a:blip r:embed="rId2"/>
-          <a:stretch>
-            <a:fillRect/>
-          </a:stretch>
-        </p:blipFill>
-        <p:spPr>
-          <a:xfrm>
-            <a:off x="345812" y="2916687"/>
-            <a:ext cx="5556308" cy="3811283"/>
-          </a:xfrm>
-          <a:prstGeom prst="rect">
-            <a:avLst/>
-          </a:prstGeom>
-        </p:spPr>
-      </p:pic>
-    </p:spTree>
-    <p:extLst>
-      <p:ext uri="{BB962C8B-B14F-4D97-AF65-F5344CB8AC3E}">
-        <p14:creationId xmlns:p14="http://schemas.microsoft.com/office/powerpoint/2010/main" val="24281919"/>
-      </p:ext>
-    </p:extLst>
-  </p:cSld>
-  <p:clrMapOvr>
-    <a:masterClrMapping/>
-  </p:clrMapOvr>
-</p:sld>
-</file>
-
-<file path=ppt/slides/slide8.xml><?xml version="1.0" encoding="utf-8"?>
-<p:sld xmlns:a="http://schemas.openxmlformats.org/drawingml/2006/main" xmlns:r="http://schemas.openxmlformats.org/officeDocument/2006/relationships" xmlns:p="http://schemas.openxmlformats.org/presentationml/2006/main">
-  <p:cSld>
-    <p:spTree>
-      <p:nvGrpSpPr>
-        <p:cNvPr id="1" name=""/>
-        <p:cNvGrpSpPr/>
-        <p:nvPr/>
-      </p:nvGrpSpPr>
-      <p:grpSpPr>
-        <a:xfrm>
-          <a:off x="0" y="0"/>
-          <a:ext cx="0" cy="0"/>
-          <a:chOff x="0" y="0"/>
-          <a:chExt cx="0" cy="0"/>
-        </a:xfrm>
-      </p:grpSpPr>
-      <p:sp>
-        <p:nvSpPr>
-          <p:cNvPr id="2" name="Titre 1">
-            <a:extLst>
-              <a:ext uri="{FF2B5EF4-FFF2-40B4-BE49-F238E27FC236}">
-                <a16:creationId xmlns:a16="http://schemas.microsoft.com/office/drawing/2014/main" id="{10CE6F72-4D33-4A9C-BB30-E8BFB71295A2}"/>
-              </a:ext>
-            </a:extLst>
-          </p:cNvPr>
-          <p:cNvSpPr>
-            <a:spLocks noGrp="1"/>
-          </p:cNvSpPr>
-          <p:nvPr>
-            <p:ph type="title"/>
-          </p:nvPr>
-        </p:nvSpPr>
-        <p:spPr>
-          <a:xfrm>
-            <a:off x="838200" y="819864"/>
-            <a:ext cx="10515600" cy="488820"/>
-          </a:xfrm>
-        </p:spPr>
-        <p:txBody>
-          <a:bodyPr>
-            <a:normAutofit fontScale="90000"/>
-          </a:bodyPr>
-          <a:lstStyle/>
-          <a:p>
-            <a:pPr algn="r"/>
-            <a:r>
-              <a:rPr lang="fr-FR" sz="3200" b="1" dirty="0"/>
-              <a:t>US05 : Intégrer les résultats de la recherche</a:t>
-            </a:r>
-          </a:p>
-        </p:txBody>
-      </p:sp>
-      <p:sp>
-        <p:nvSpPr>
-          <p:cNvPr id="3" name="Espace réservé du contenu 2">
-            <a:extLst>
-              <a:ext uri="{FF2B5EF4-FFF2-40B4-BE49-F238E27FC236}">
-                <a16:creationId xmlns:a16="http://schemas.microsoft.com/office/drawing/2014/main" id="{A21895C4-E6A0-4E1A-9CE1-C7428910F9BE}"/>
-              </a:ext>
-            </a:extLst>
-          </p:cNvPr>
-          <p:cNvSpPr>
-            <a:spLocks noGrp="1"/>
-          </p:cNvSpPr>
-          <p:nvPr>
-            <p:ph idx="1"/>
-          </p:nvPr>
-        </p:nvSpPr>
-        <p:spPr>
-          <a:xfrm>
-            <a:off x="838200" y="3917659"/>
-            <a:ext cx="10515600" cy="2259304"/>
-          </a:xfrm>
-        </p:spPr>
-        <p:txBody>
-          <a:bodyPr>
-            <a:normAutofit/>
-          </a:bodyPr>
-          <a:lstStyle/>
-          <a:p>
-            <a:pPr marL="0" indent="0">
-              <a:buNone/>
-            </a:pPr>
-            <a:endParaRPr lang="fr-FR" dirty="0"/>
-          </a:p>
-          <a:p>
-            <a:pPr lvl="1"/>
-            <a:endParaRPr lang="fr-FR" dirty="0"/>
-          </a:p>
-        </p:txBody>
-      </p:sp>
-      <p:sp>
-        <p:nvSpPr>
-          <p:cNvPr id="4" name="Rectangle 3">
-            <a:extLst>
-              <a:ext uri="{FF2B5EF4-FFF2-40B4-BE49-F238E27FC236}">
-                <a16:creationId xmlns:a16="http://schemas.microsoft.com/office/drawing/2014/main" id="{C062A73A-3D41-49F5-A9E9-989DC4492987}"/>
-              </a:ext>
-            </a:extLst>
-          </p:cNvPr>
-          <p:cNvSpPr/>
-          <p:nvPr/>
-        </p:nvSpPr>
-        <p:spPr>
-          <a:xfrm>
-            <a:off x="0" y="-36092"/>
-            <a:ext cx="12192000" cy="802433"/>
-          </a:xfrm>
-          <a:prstGeom prst="rect">
-            <a:avLst/>
-          </a:prstGeom>
-          <a:solidFill>
-            <a:srgbClr val="DC3545"/>
-          </a:solidFill>
-          <a:ln>
-            <a:noFill/>
-          </a:ln>
-        </p:spPr>
-        <p:style>
-          <a:lnRef idx="2">
-            <a:schemeClr val="accent1">
-              <a:shade val="50000"/>
-            </a:schemeClr>
-          </a:lnRef>
-          <a:fillRef idx="1">
-            <a:schemeClr val="accent1"/>
-          </a:fillRef>
-          <a:effectRef idx="0">
-            <a:schemeClr val="accent1"/>
-          </a:effectRef>
-          <a:fontRef idx="minor">
-            <a:schemeClr val="lt1"/>
-          </a:fontRef>
-        </p:style>
-        <p:txBody>
-          <a:bodyPr rtlCol="0" anchor="ctr"/>
-          <a:lstStyle/>
-          <a:p>
-            <a:pPr algn="ctr"/>
-            <a:endParaRPr lang="fr-FR" dirty="0"/>
-          </a:p>
-        </p:txBody>
-      </p:sp>
-      <p:sp>
-        <p:nvSpPr>
-          <p:cNvPr id="6" name="Rectangle 5">
-            <a:extLst>
-              <a:ext uri="{FF2B5EF4-FFF2-40B4-BE49-F238E27FC236}">
-                <a16:creationId xmlns:a16="http://schemas.microsoft.com/office/drawing/2014/main" id="{DEFA824C-FB5A-40D7-8FEA-311D463F4148}"/>
-              </a:ext>
-            </a:extLst>
-          </p:cNvPr>
-          <p:cNvSpPr/>
-          <p:nvPr/>
-        </p:nvSpPr>
-        <p:spPr>
-          <a:xfrm>
-            <a:off x="10590245" y="6316824"/>
-            <a:ext cx="1601755" cy="541176"/>
-          </a:xfrm>
-          <a:prstGeom prst="rect">
-            <a:avLst/>
-          </a:prstGeom>
-          <a:noFill/>
-          <a:ln>
-            <a:noFill/>
-          </a:ln>
-        </p:spPr>
-        <p:style>
-          <a:lnRef idx="2">
-            <a:schemeClr val="accent1">
-              <a:shade val="50000"/>
-            </a:schemeClr>
-          </a:lnRef>
-          <a:fillRef idx="1">
-            <a:schemeClr val="accent1"/>
-          </a:fillRef>
-          <a:effectRef idx="0">
-            <a:schemeClr val="accent1"/>
-          </a:effectRef>
-          <a:fontRef idx="minor">
-            <a:schemeClr val="lt1"/>
-          </a:fontRef>
-        </p:style>
-        <p:txBody>
-          <a:bodyPr rtlCol="0" anchor="ctr"/>
-          <a:lstStyle/>
-          <a:p>
-            <a:pPr algn="ctr"/>
-            <a:r>
-              <a:rPr lang="fr-FR" sz="1400" i="1" dirty="0" err="1">
-                <a:solidFill>
-                  <a:schemeClr val="tx1"/>
-                </a:solidFill>
-              </a:rPr>
-              <a:t>metaXIII</a:t>
-            </a:r>
-            <a:endParaRPr lang="fr-FR" sz="1400" i="1" dirty="0">
+            <a:endParaRPr lang="fr-FR" dirty="0">
               <a:solidFill>
                 <a:schemeClr val="tx1"/>
               </a:solidFill>
             </a:endParaRPr>
           </a:p>
-          <a:p>
-            <a:pPr algn="ctr"/>
-            <a:r>
-              <a:rPr lang="fr-FR" sz="1400" i="1" dirty="0">
-                <a:solidFill>
-                  <a:schemeClr val="tx1"/>
-                </a:solidFill>
-              </a:rPr>
-              <a:t>~ Lehchibi Gaël</a:t>
-            </a:r>
-          </a:p>
-        </p:txBody>
-      </p:sp>
-      <p:sp>
-        <p:nvSpPr>
-          <p:cNvPr id="8" name="Rectangle 7">
-            <a:extLst>
-              <a:ext uri="{FF2B5EF4-FFF2-40B4-BE49-F238E27FC236}">
-                <a16:creationId xmlns:a16="http://schemas.microsoft.com/office/drawing/2014/main" id="{FD351DB6-AE83-46D1-A71C-A216DE57F576}"/>
-              </a:ext>
-            </a:extLst>
-          </p:cNvPr>
-          <p:cNvSpPr/>
-          <p:nvPr/>
-        </p:nvSpPr>
-        <p:spPr>
-          <a:xfrm>
-            <a:off x="345812" y="0"/>
-            <a:ext cx="2732948" cy="766341"/>
-          </a:xfrm>
-          <a:prstGeom prst="rect">
-            <a:avLst/>
-          </a:prstGeom>
-          <a:noFill/>
-          <a:ln>
-            <a:noFill/>
-          </a:ln>
-        </p:spPr>
-        <p:style>
-          <a:lnRef idx="2">
-            <a:schemeClr val="accent1">
-              <a:shade val="50000"/>
-            </a:schemeClr>
-          </a:lnRef>
-          <a:fillRef idx="1">
-            <a:schemeClr val="accent1"/>
-          </a:fillRef>
-          <a:effectRef idx="0">
-            <a:schemeClr val="accent1"/>
-          </a:effectRef>
-          <a:fontRef idx="minor">
-            <a:schemeClr val="lt1"/>
-          </a:fontRef>
-        </p:style>
-        <p:txBody>
-          <a:bodyPr rtlCol="0" anchor="ctr"/>
-          <a:lstStyle/>
-          <a:p>
-            <a:r>
-              <a:rPr lang="fr-FR" dirty="0">
-                <a:solidFill>
-                  <a:schemeClr val="tx1"/>
-                </a:solidFill>
-              </a:rPr>
-              <a:t>US 5 </a:t>
-            </a:r>
-          </a:p>
-        </p:txBody>
-      </p:sp>
-      <p:sp>
-        <p:nvSpPr>
-          <p:cNvPr id="10" name="Rectangle 9">
-            <a:extLst>
-              <a:ext uri="{FF2B5EF4-FFF2-40B4-BE49-F238E27FC236}">
-                <a16:creationId xmlns:a16="http://schemas.microsoft.com/office/drawing/2014/main" id="{1DBDEA67-B3A3-4DE3-B612-0D4F4C9A767C}"/>
-              </a:ext>
-            </a:extLst>
-          </p:cNvPr>
-          <p:cNvSpPr/>
-          <p:nvPr/>
-        </p:nvSpPr>
-        <p:spPr>
-          <a:xfrm>
-            <a:off x="10590245" y="0"/>
-            <a:ext cx="1601755" cy="783771"/>
-          </a:xfrm>
-          <a:prstGeom prst="rect">
-            <a:avLst/>
-          </a:prstGeom>
-          <a:noFill/>
-          <a:ln>
-            <a:noFill/>
-          </a:ln>
-        </p:spPr>
-        <p:style>
-          <a:lnRef idx="2">
-            <a:schemeClr val="accent1">
-              <a:shade val="50000"/>
-            </a:schemeClr>
-          </a:lnRef>
-          <a:fillRef idx="1">
-            <a:schemeClr val="accent1"/>
-          </a:fillRef>
-          <a:effectRef idx="0">
-            <a:schemeClr val="accent1"/>
-          </a:effectRef>
-          <a:fontRef idx="minor">
-            <a:schemeClr val="lt1"/>
-          </a:fontRef>
-        </p:style>
-        <p:txBody>
-          <a:bodyPr rtlCol="0" anchor="ctr"/>
-          <a:lstStyle/>
-          <a:p>
-            <a:pPr algn="ctr"/>
-            <a:r>
-              <a:rPr lang="fr-FR" dirty="0">
-                <a:solidFill>
-                  <a:schemeClr val="tx1"/>
-                </a:solidFill>
-              </a:rPr>
-              <a:t>2 pts</a:t>
-            </a:r>
-          </a:p>
-        </p:txBody>
-      </p:sp>
-      <p:graphicFrame>
-        <p:nvGraphicFramePr>
-          <p:cNvPr id="5" name="Tableau 6">
-            <a:extLst>
-              <a:ext uri="{FF2B5EF4-FFF2-40B4-BE49-F238E27FC236}">
-                <a16:creationId xmlns:a16="http://schemas.microsoft.com/office/drawing/2014/main" id="{2AF7EE3D-7632-4D48-A9D0-4DB7BFBF925F}"/>
-              </a:ext>
-            </a:extLst>
-          </p:cNvPr>
-          <p:cNvGraphicFramePr>
-            <a:graphicFrameLocks noGrp="1"/>
-          </p:cNvGraphicFramePr>
-          <p:nvPr>
-            <p:extLst>
-              <p:ext uri="{D42A27DB-BD31-4B8C-83A1-F6EECF244321}">
-                <p14:modId xmlns:p14="http://schemas.microsoft.com/office/powerpoint/2010/main" val="1375704391"/>
-              </p:ext>
-            </p:extLst>
-          </p:nvPr>
-        </p:nvGraphicFramePr>
-        <p:xfrm>
-          <a:off x="345812" y="1362207"/>
-          <a:ext cx="11306496" cy="1355826"/>
-        </p:xfrm>
-        <a:graphic>
-          <a:graphicData uri="http://schemas.openxmlformats.org/drawingml/2006/table">
-            <a:tbl>
-              <a:tblPr firstRow="1" bandRow="1">
-                <a:tableStyleId>{5C22544A-7EE6-4342-B048-85BDC9FD1C3A}</a:tableStyleId>
-              </a:tblPr>
-              <a:tblGrid>
-                <a:gridCol w="1197762">
-                  <a:extLst>
-                    <a:ext uri="{9D8B030D-6E8A-4147-A177-3AD203B41FA5}">
-                      <a16:colId xmlns:a16="http://schemas.microsoft.com/office/drawing/2014/main" val="847120557"/>
-                    </a:ext>
-                  </a:extLst>
-                </a:gridCol>
-                <a:gridCol w="1417740">
-                  <a:extLst>
-                    <a:ext uri="{9D8B030D-6E8A-4147-A177-3AD203B41FA5}">
-                      <a16:colId xmlns:a16="http://schemas.microsoft.com/office/drawing/2014/main" val="44778753"/>
-                    </a:ext>
-                  </a:extLst>
-                </a:gridCol>
-                <a:gridCol w="1610686">
-                  <a:extLst>
-                    <a:ext uri="{9D8B030D-6E8A-4147-A177-3AD203B41FA5}">
-                      <a16:colId xmlns:a16="http://schemas.microsoft.com/office/drawing/2014/main" val="3794726730"/>
-                    </a:ext>
-                  </a:extLst>
-                </a:gridCol>
-                <a:gridCol w="7080308">
-                  <a:extLst>
-                    <a:ext uri="{9D8B030D-6E8A-4147-A177-3AD203B41FA5}">
-                      <a16:colId xmlns:a16="http://schemas.microsoft.com/office/drawing/2014/main" val="2097296227"/>
-                    </a:ext>
-                  </a:extLst>
-                </a:gridCol>
-              </a:tblGrid>
-              <a:tr h="329704">
-                <a:tc>
-                  <a:txBody>
-                    <a:bodyPr/>
-                    <a:lstStyle/>
-                    <a:p>
-                      <a:pPr algn="ctr"/>
-                      <a:r>
-                        <a:rPr lang="fr-FR" dirty="0"/>
-                        <a:t>Identifiant</a:t>
-                      </a:r>
-                    </a:p>
-                  </a:txBody>
-                  <a:tcPr/>
-                </a:tc>
-                <a:tc>
-                  <a:txBody>
-                    <a:bodyPr/>
-                    <a:lstStyle/>
-                    <a:p>
-                      <a:pPr algn="ctr"/>
-                      <a:r>
-                        <a:rPr lang="fr-FR" dirty="0"/>
-                        <a:t>Story</a:t>
-                      </a:r>
-                    </a:p>
-                  </a:txBody>
-                  <a:tcPr/>
-                </a:tc>
-                <a:tc>
-                  <a:txBody>
-                    <a:bodyPr/>
-                    <a:lstStyle/>
-                    <a:p>
-                      <a:pPr algn="ctr"/>
-                      <a:r>
-                        <a:rPr lang="fr-FR" dirty="0"/>
-                        <a:t>Thème</a:t>
-                      </a:r>
-                    </a:p>
-                  </a:txBody>
-                  <a:tcPr/>
-                </a:tc>
-                <a:tc>
-                  <a:txBody>
-                    <a:bodyPr/>
-                    <a:lstStyle/>
-                    <a:p>
-                      <a:pPr algn="ctr"/>
-                      <a:r>
-                        <a:rPr lang="fr-FR" dirty="0"/>
-                        <a:t>US</a:t>
-                      </a:r>
-                    </a:p>
-                  </a:txBody>
-                  <a:tcPr/>
-                </a:tc>
-                <a:extLst>
-                  <a:ext uri="{0D108BD9-81ED-4DB2-BD59-A6C34878D82A}">
-                    <a16:rowId xmlns:a16="http://schemas.microsoft.com/office/drawing/2014/main" val="3586712790"/>
-                  </a:ext>
-                </a:extLst>
-              </a:tr>
-              <a:tr h="990066">
-                <a:tc>
-                  <a:txBody>
-                    <a:bodyPr/>
-                    <a:lstStyle/>
-                    <a:p>
-                      <a:pPr algn="ctr"/>
-                      <a:r>
-                        <a:rPr lang="fr-FR" dirty="0"/>
-                        <a:t>US 5</a:t>
-                      </a:r>
-                    </a:p>
-                  </a:txBody>
-                  <a:tcPr/>
-                </a:tc>
-                <a:tc>
-                  <a:txBody>
-                    <a:bodyPr/>
-                    <a:lstStyle/>
-                    <a:p>
-                      <a:pPr algn="ctr"/>
-                      <a:r>
-                        <a:rPr lang="fr-FR" dirty="0"/>
-                        <a:t>Visualiser une recherche</a:t>
-                      </a:r>
-                    </a:p>
-                  </a:txBody>
-                  <a:tcPr/>
-                </a:tc>
-                <a:tc>
-                  <a:txBody>
-                    <a:bodyPr/>
-                    <a:lstStyle/>
-                    <a:p>
-                      <a:pPr algn="ctr"/>
-                      <a:r>
-                        <a:rPr lang="fr-FR" dirty="0"/>
-                        <a:t>Affichage du détail de la recherche</a:t>
-                      </a:r>
-                    </a:p>
-                  </a:txBody>
-                  <a:tcPr/>
-                </a:tc>
-                <a:tc>
-                  <a:txBody>
-                    <a:bodyPr/>
-                    <a:lstStyle/>
-                    <a:p>
-                      <a:r>
-                        <a:rPr lang="fr-FR" dirty="0"/>
-                        <a:t>En tant qu’</a:t>
-                      </a:r>
-                      <a:r>
-                        <a:rPr lang="fr-FR" dirty="0">
-                          <a:solidFill>
-                            <a:srgbClr val="0070C0"/>
-                          </a:solidFill>
-                        </a:rPr>
-                        <a:t>utilisateur</a:t>
-                      </a:r>
-                    </a:p>
-                    <a:p>
-                      <a:r>
-                        <a:rPr lang="fr-FR" dirty="0"/>
-                        <a:t>Je souhaite </a:t>
-                      </a:r>
-                      <a:r>
-                        <a:rPr lang="fr-FR" dirty="0">
-                          <a:solidFill>
-                            <a:srgbClr val="FF0000"/>
-                          </a:solidFill>
-                        </a:rPr>
-                        <a:t>pouvoir visualiser un résultat</a:t>
-                      </a:r>
-                    </a:p>
-                    <a:p>
-                      <a:r>
-                        <a:rPr lang="fr-FR" dirty="0"/>
-                        <a:t>Afin de </a:t>
-                      </a:r>
-                      <a:r>
-                        <a:rPr lang="fr-FR" dirty="0">
-                          <a:solidFill>
-                            <a:schemeClr val="accent6"/>
-                          </a:solidFill>
-                        </a:rPr>
-                        <a:t>pouvoir consulter les informations pertinentes</a:t>
-                      </a:r>
-                    </a:p>
-                  </a:txBody>
-                  <a:tcPr/>
-                </a:tc>
-                <a:extLst>
-                  <a:ext uri="{0D108BD9-81ED-4DB2-BD59-A6C34878D82A}">
-                    <a16:rowId xmlns:a16="http://schemas.microsoft.com/office/drawing/2014/main" val="1694678573"/>
-                  </a:ext>
-                </a:extLst>
-              </a:tr>
-            </a:tbl>
-          </a:graphicData>
-        </a:graphic>
-      </p:graphicFrame>
-      <p:graphicFrame>
-        <p:nvGraphicFramePr>
-          <p:cNvPr id="9" name="Tableau 10">
-            <a:extLst>
-              <a:ext uri="{FF2B5EF4-FFF2-40B4-BE49-F238E27FC236}">
-                <a16:creationId xmlns:a16="http://schemas.microsoft.com/office/drawing/2014/main" id="{28D47CA7-69BB-4279-ABF7-3267B81984E0}"/>
-              </a:ext>
-            </a:extLst>
-          </p:cNvPr>
-          <p:cNvGraphicFramePr>
-            <a:graphicFrameLocks noGrp="1"/>
-          </p:cNvGraphicFramePr>
-          <p:nvPr>
-            <p:extLst>
-              <p:ext uri="{D42A27DB-BD31-4B8C-83A1-F6EECF244321}">
-                <p14:modId xmlns:p14="http://schemas.microsoft.com/office/powerpoint/2010/main" val="2847698243"/>
-              </p:ext>
-            </p:extLst>
-          </p:nvPr>
-        </p:nvGraphicFramePr>
-        <p:xfrm>
-          <a:off x="6096000" y="2945551"/>
-          <a:ext cx="5556308" cy="2016847"/>
-        </p:xfrm>
-        <a:graphic>
-          <a:graphicData uri="http://schemas.openxmlformats.org/drawingml/2006/table">
-            <a:tbl>
-              <a:tblPr firstRow="1" bandRow="1">
-                <a:tableStyleId>{5C22544A-7EE6-4342-B048-85BDC9FD1C3A}</a:tableStyleId>
-              </a:tblPr>
-              <a:tblGrid>
-                <a:gridCol w="5556308">
-                  <a:extLst>
-                    <a:ext uri="{9D8B030D-6E8A-4147-A177-3AD203B41FA5}">
-                      <a16:colId xmlns:a16="http://schemas.microsoft.com/office/drawing/2014/main" val="1367687133"/>
-                    </a:ext>
-                  </a:extLst>
-                </a:gridCol>
-              </a:tblGrid>
-              <a:tr h="210255">
-                <a:tc>
-                  <a:txBody>
-                    <a:bodyPr/>
-                    <a:lstStyle/>
-                    <a:p>
-                      <a:r>
-                        <a:rPr lang="fr-FR" dirty="0"/>
-                        <a:t>Critères d’acception</a:t>
-                      </a:r>
-                    </a:p>
-                  </a:txBody>
-                  <a:tcPr/>
-                </a:tc>
-                <a:extLst>
-                  <a:ext uri="{0D108BD9-81ED-4DB2-BD59-A6C34878D82A}">
-                    <a16:rowId xmlns:a16="http://schemas.microsoft.com/office/drawing/2014/main" val="1426691621"/>
-                  </a:ext>
-                </a:extLst>
-              </a:tr>
-              <a:tr h="1651087">
-                <a:tc>
-                  <a:txBody>
-                    <a:bodyPr/>
-                    <a:lstStyle/>
-                    <a:p>
-                      <a:r>
-                        <a:rPr lang="fr-FR" dirty="0"/>
-                        <a:t>La recherche étant une action géré par le Backend de l’application, il ne s’agit ici que de prévoir un affichage primaire du résultat.</a:t>
-                      </a:r>
-                    </a:p>
-                  </a:txBody>
-                  <a:tcPr/>
-                </a:tc>
-                <a:extLst>
-                  <a:ext uri="{0D108BD9-81ED-4DB2-BD59-A6C34878D82A}">
-                    <a16:rowId xmlns:a16="http://schemas.microsoft.com/office/drawing/2014/main" val="2625852529"/>
-                  </a:ext>
-                </a:extLst>
-              </a:tr>
-            </a:tbl>
-          </a:graphicData>
-        </a:graphic>
-      </p:graphicFrame>
-      <p:sp>
-        <p:nvSpPr>
-          <p:cNvPr id="12" name="Rectangle 11">
-            <a:extLst>
-              <a:ext uri="{FF2B5EF4-FFF2-40B4-BE49-F238E27FC236}">
-                <a16:creationId xmlns:a16="http://schemas.microsoft.com/office/drawing/2014/main" id="{4A3683C0-FF11-4561-8B69-9C863624036D}"/>
-              </a:ext>
-            </a:extLst>
-          </p:cNvPr>
-          <p:cNvSpPr/>
-          <p:nvPr/>
-        </p:nvSpPr>
-        <p:spPr>
-          <a:xfrm>
-            <a:off x="345812" y="2919369"/>
-            <a:ext cx="5556308" cy="3808602"/>
-          </a:xfrm>
-          <a:prstGeom prst="rect">
-            <a:avLst/>
-          </a:prstGeom>
-          <a:noFill/>
-        </p:spPr>
-        <p:style>
-          <a:lnRef idx="2">
-            <a:schemeClr val="accent1">
-              <a:shade val="50000"/>
-            </a:schemeClr>
-          </a:lnRef>
-          <a:fillRef idx="1">
-            <a:schemeClr val="accent1"/>
-          </a:fillRef>
-          <a:effectRef idx="0">
-            <a:schemeClr val="accent1"/>
-          </a:effectRef>
-          <a:fontRef idx="minor">
-            <a:schemeClr val="lt1"/>
-          </a:fontRef>
-        </p:style>
-        <p:txBody>
-          <a:bodyPr rtlCol="0" anchor="ctr"/>
-          <a:lstStyle/>
-          <a:p>
-            <a:pPr algn="ctr"/>
-            <a:endParaRPr lang="fr-FR"/>
-          </a:p>
-        </p:txBody>
-      </p:sp>
-      <p:pic>
-        <p:nvPicPr>
-          <p:cNvPr id="11" name="Image 10">
-            <a:extLst>
-              <a:ext uri="{FF2B5EF4-FFF2-40B4-BE49-F238E27FC236}">
-                <a16:creationId xmlns:a16="http://schemas.microsoft.com/office/drawing/2014/main" id="{58A12B3F-7A42-420F-8070-E37101D06E71}"/>
-              </a:ext>
-            </a:extLst>
-          </p:cNvPr>
-          <p:cNvPicPr>
-            <a:picLocks noChangeAspect="1"/>
-          </p:cNvPicPr>
-          <p:nvPr/>
-        </p:nvPicPr>
-        <p:blipFill>
-          <a:blip r:embed="rId2"/>
-          <a:stretch>
-            <a:fillRect/>
-          </a:stretch>
-        </p:blipFill>
-        <p:spPr>
-          <a:xfrm>
-            <a:off x="345812" y="2919369"/>
-            <a:ext cx="5556309" cy="3808602"/>
-          </a:xfrm>
-          <a:prstGeom prst="rect">
-            <a:avLst/>
-          </a:prstGeom>
-        </p:spPr>
-      </p:pic>
+        </p:txBody>
+      </p:sp>
     </p:spTree>
     <p:extLst>
       <p:ext uri="{BB962C8B-B14F-4D97-AF65-F5344CB8AC3E}">
-        <p14:creationId xmlns:p14="http://schemas.microsoft.com/office/powerpoint/2010/main" val="103911151"/>
-      </p:ext>
-    </p:extLst>
-  </p:cSld>
-  <p:clrMapOvr>
-    <a:masterClrMapping/>
-  </p:clrMapOvr>
-</p:sld>
-</file>
-
-<file path=ppt/slides/slide9.xml><?xml version="1.0" encoding="utf-8"?>
-<p:sld xmlns:a="http://schemas.openxmlformats.org/drawingml/2006/main" xmlns:r="http://schemas.openxmlformats.org/officeDocument/2006/relationships" xmlns:p="http://schemas.openxmlformats.org/presentationml/2006/main">
-  <p:cSld>
-    <p:spTree>
-      <p:nvGrpSpPr>
-        <p:cNvPr id="1" name=""/>
-        <p:cNvGrpSpPr/>
-        <p:nvPr/>
-      </p:nvGrpSpPr>
-      <p:grpSpPr>
-        <a:xfrm>
-          <a:off x="0" y="0"/>
-          <a:ext cx="0" cy="0"/>
-          <a:chOff x="0" y="0"/>
-          <a:chExt cx="0" cy="0"/>
-        </a:xfrm>
-      </p:grpSpPr>
-      <p:sp>
-        <p:nvSpPr>
-          <p:cNvPr id="2" name="Titre 1">
-            <a:extLst>
-              <a:ext uri="{FF2B5EF4-FFF2-40B4-BE49-F238E27FC236}">
-                <a16:creationId xmlns:a16="http://schemas.microsoft.com/office/drawing/2014/main" id="{10CE6F72-4D33-4A9C-BB30-E8BFB71295A2}"/>
-              </a:ext>
-            </a:extLst>
-          </p:cNvPr>
-          <p:cNvSpPr>
-            <a:spLocks noGrp="1"/>
-          </p:cNvSpPr>
-          <p:nvPr>
-            <p:ph type="title"/>
-          </p:nvPr>
-        </p:nvSpPr>
-        <p:spPr>
-          <a:xfrm>
-            <a:off x="838200" y="819864"/>
-            <a:ext cx="10515600" cy="488820"/>
-          </a:xfrm>
-        </p:spPr>
-        <p:txBody>
-          <a:bodyPr>
-            <a:normAutofit fontScale="90000"/>
-          </a:bodyPr>
-          <a:lstStyle/>
-          <a:p>
-            <a:pPr algn="r"/>
-            <a:r>
-              <a:rPr lang="fr-FR" sz="3200" b="1" dirty="0"/>
-              <a:t>US06 : Gérer mon compte</a:t>
-            </a:r>
-          </a:p>
-        </p:txBody>
-      </p:sp>
-      <p:sp>
-        <p:nvSpPr>
-          <p:cNvPr id="3" name="Espace réservé du contenu 2">
-            <a:extLst>
-              <a:ext uri="{FF2B5EF4-FFF2-40B4-BE49-F238E27FC236}">
-                <a16:creationId xmlns:a16="http://schemas.microsoft.com/office/drawing/2014/main" id="{A21895C4-E6A0-4E1A-9CE1-C7428910F9BE}"/>
-              </a:ext>
-            </a:extLst>
-          </p:cNvPr>
-          <p:cNvSpPr>
-            <a:spLocks noGrp="1"/>
-          </p:cNvSpPr>
-          <p:nvPr>
-            <p:ph idx="1"/>
-          </p:nvPr>
-        </p:nvSpPr>
-        <p:spPr>
-          <a:xfrm>
-            <a:off x="838200" y="3917659"/>
-            <a:ext cx="10515600" cy="2259304"/>
-          </a:xfrm>
-        </p:spPr>
-        <p:txBody>
-          <a:bodyPr>
-            <a:normAutofit/>
-          </a:bodyPr>
-          <a:lstStyle/>
-          <a:p>
-            <a:pPr marL="0" indent="0">
-              <a:buNone/>
-            </a:pPr>
-            <a:endParaRPr lang="fr-FR" dirty="0"/>
-          </a:p>
-          <a:p>
-            <a:pPr lvl="1"/>
-            <a:endParaRPr lang="fr-FR" dirty="0"/>
-          </a:p>
-        </p:txBody>
-      </p:sp>
-      <p:sp>
-        <p:nvSpPr>
-          <p:cNvPr id="4" name="Rectangle 3">
-            <a:extLst>
-              <a:ext uri="{FF2B5EF4-FFF2-40B4-BE49-F238E27FC236}">
-                <a16:creationId xmlns:a16="http://schemas.microsoft.com/office/drawing/2014/main" id="{C062A73A-3D41-49F5-A9E9-989DC4492987}"/>
-              </a:ext>
-            </a:extLst>
-          </p:cNvPr>
-          <p:cNvSpPr/>
-          <p:nvPr/>
-        </p:nvSpPr>
-        <p:spPr>
-          <a:xfrm>
-            <a:off x="0" y="-36092"/>
-            <a:ext cx="12192000" cy="802433"/>
-          </a:xfrm>
-          <a:prstGeom prst="rect">
-            <a:avLst/>
-          </a:prstGeom>
-          <a:solidFill>
-            <a:srgbClr val="DC3545"/>
-          </a:solidFill>
-          <a:ln>
-            <a:noFill/>
-          </a:ln>
-        </p:spPr>
-        <p:style>
-          <a:lnRef idx="2">
-            <a:schemeClr val="accent1">
-              <a:shade val="50000"/>
-            </a:schemeClr>
-          </a:lnRef>
-          <a:fillRef idx="1">
-            <a:schemeClr val="accent1"/>
-          </a:fillRef>
-          <a:effectRef idx="0">
-            <a:schemeClr val="accent1"/>
-          </a:effectRef>
-          <a:fontRef idx="minor">
-            <a:schemeClr val="lt1"/>
-          </a:fontRef>
-        </p:style>
-        <p:txBody>
-          <a:bodyPr rtlCol="0" anchor="ctr"/>
-          <a:lstStyle/>
-          <a:p>
-            <a:pPr algn="ctr"/>
-            <a:endParaRPr lang="fr-FR" dirty="0"/>
-          </a:p>
-        </p:txBody>
-      </p:sp>
-      <p:sp>
-        <p:nvSpPr>
-          <p:cNvPr id="6" name="Rectangle 5">
-            <a:extLst>
-              <a:ext uri="{FF2B5EF4-FFF2-40B4-BE49-F238E27FC236}">
-                <a16:creationId xmlns:a16="http://schemas.microsoft.com/office/drawing/2014/main" id="{DEFA824C-FB5A-40D7-8FEA-311D463F4148}"/>
-              </a:ext>
-            </a:extLst>
-          </p:cNvPr>
-          <p:cNvSpPr/>
-          <p:nvPr/>
-        </p:nvSpPr>
-        <p:spPr>
-          <a:xfrm>
-            <a:off x="10590245" y="6316824"/>
-            <a:ext cx="1601755" cy="541176"/>
-          </a:xfrm>
-          <a:prstGeom prst="rect">
-            <a:avLst/>
-          </a:prstGeom>
-          <a:noFill/>
-          <a:ln>
-            <a:noFill/>
-          </a:ln>
-        </p:spPr>
-        <p:style>
-          <a:lnRef idx="2">
-            <a:schemeClr val="accent1">
-              <a:shade val="50000"/>
-            </a:schemeClr>
-          </a:lnRef>
-          <a:fillRef idx="1">
-            <a:schemeClr val="accent1"/>
-          </a:fillRef>
-          <a:effectRef idx="0">
-            <a:schemeClr val="accent1"/>
-          </a:effectRef>
-          <a:fontRef idx="minor">
-            <a:schemeClr val="lt1"/>
-          </a:fontRef>
-        </p:style>
-        <p:txBody>
-          <a:bodyPr rtlCol="0" anchor="ctr"/>
-          <a:lstStyle/>
-          <a:p>
-            <a:pPr algn="ctr"/>
-            <a:r>
-              <a:rPr lang="fr-FR" sz="1400" i="1" dirty="0" err="1">
-                <a:solidFill>
-                  <a:schemeClr val="tx1"/>
-                </a:solidFill>
-              </a:rPr>
-              <a:t>metaXIII</a:t>
-            </a:r>
-            <a:endParaRPr lang="fr-FR" sz="1400" i="1" dirty="0">
-              <a:solidFill>
-                <a:schemeClr val="tx1"/>
-              </a:solidFill>
-            </a:endParaRPr>
-          </a:p>
-          <a:p>
-            <a:pPr algn="ctr"/>
-            <a:r>
-              <a:rPr lang="fr-FR" sz="1400" i="1" dirty="0">
-                <a:solidFill>
-                  <a:schemeClr val="tx1"/>
-                </a:solidFill>
-              </a:rPr>
-              <a:t>~ Lehchibi Gaël</a:t>
-            </a:r>
-          </a:p>
-        </p:txBody>
-      </p:sp>
-      <p:sp>
-        <p:nvSpPr>
-          <p:cNvPr id="8" name="Rectangle 7">
-            <a:extLst>
-              <a:ext uri="{FF2B5EF4-FFF2-40B4-BE49-F238E27FC236}">
-                <a16:creationId xmlns:a16="http://schemas.microsoft.com/office/drawing/2014/main" id="{FD351DB6-AE83-46D1-A71C-A216DE57F576}"/>
-              </a:ext>
-            </a:extLst>
-          </p:cNvPr>
-          <p:cNvSpPr/>
-          <p:nvPr/>
-        </p:nvSpPr>
-        <p:spPr>
-          <a:xfrm>
-            <a:off x="345812" y="0"/>
-            <a:ext cx="2732948" cy="766341"/>
-          </a:xfrm>
-          <a:prstGeom prst="rect">
-            <a:avLst/>
-          </a:prstGeom>
-          <a:noFill/>
-          <a:ln>
-            <a:noFill/>
-          </a:ln>
-        </p:spPr>
-        <p:style>
-          <a:lnRef idx="2">
-            <a:schemeClr val="accent1">
-              <a:shade val="50000"/>
-            </a:schemeClr>
-          </a:lnRef>
-          <a:fillRef idx="1">
-            <a:schemeClr val="accent1"/>
-          </a:fillRef>
-          <a:effectRef idx="0">
-            <a:schemeClr val="accent1"/>
-          </a:effectRef>
-          <a:fontRef idx="minor">
-            <a:schemeClr val="lt1"/>
-          </a:fontRef>
-        </p:style>
-        <p:txBody>
-          <a:bodyPr rtlCol="0" anchor="ctr"/>
-          <a:lstStyle/>
-          <a:p>
-            <a:r>
-              <a:rPr lang="fr-FR" dirty="0">
-                <a:solidFill>
-                  <a:schemeClr val="tx1"/>
-                </a:solidFill>
-              </a:rPr>
-              <a:t>US 6 </a:t>
-            </a:r>
-          </a:p>
-        </p:txBody>
-      </p:sp>
-      <p:sp>
-        <p:nvSpPr>
-          <p:cNvPr id="10" name="Rectangle 9">
-            <a:extLst>
-              <a:ext uri="{FF2B5EF4-FFF2-40B4-BE49-F238E27FC236}">
-                <a16:creationId xmlns:a16="http://schemas.microsoft.com/office/drawing/2014/main" id="{1DBDEA67-B3A3-4DE3-B612-0D4F4C9A767C}"/>
-              </a:ext>
-            </a:extLst>
-          </p:cNvPr>
-          <p:cNvSpPr/>
-          <p:nvPr/>
-        </p:nvSpPr>
-        <p:spPr>
-          <a:xfrm>
-            <a:off x="10590245" y="0"/>
-            <a:ext cx="1601755" cy="783771"/>
-          </a:xfrm>
-          <a:prstGeom prst="rect">
-            <a:avLst/>
-          </a:prstGeom>
-          <a:noFill/>
-          <a:ln>
-            <a:noFill/>
-          </a:ln>
-        </p:spPr>
-        <p:style>
-          <a:lnRef idx="2">
-            <a:schemeClr val="accent1">
-              <a:shade val="50000"/>
-            </a:schemeClr>
-          </a:lnRef>
-          <a:fillRef idx="1">
-            <a:schemeClr val="accent1"/>
-          </a:fillRef>
-          <a:effectRef idx="0">
-            <a:schemeClr val="accent1"/>
-          </a:effectRef>
-          <a:fontRef idx="minor">
-            <a:schemeClr val="lt1"/>
-          </a:fontRef>
-        </p:style>
-        <p:txBody>
-          <a:bodyPr rtlCol="0" anchor="ctr"/>
-          <a:lstStyle/>
-          <a:p>
-            <a:pPr algn="ctr"/>
-            <a:r>
-              <a:rPr lang="fr-FR" dirty="0">
-                <a:solidFill>
-                  <a:schemeClr val="tx1"/>
-                </a:solidFill>
-              </a:rPr>
-              <a:t>2 pts</a:t>
-            </a:r>
-          </a:p>
-        </p:txBody>
-      </p:sp>
-      <p:graphicFrame>
-        <p:nvGraphicFramePr>
-          <p:cNvPr id="5" name="Tableau 6">
-            <a:extLst>
-              <a:ext uri="{FF2B5EF4-FFF2-40B4-BE49-F238E27FC236}">
-                <a16:creationId xmlns:a16="http://schemas.microsoft.com/office/drawing/2014/main" id="{2AF7EE3D-7632-4D48-A9D0-4DB7BFBF925F}"/>
-              </a:ext>
-            </a:extLst>
-          </p:cNvPr>
-          <p:cNvGraphicFramePr>
-            <a:graphicFrameLocks noGrp="1"/>
-          </p:cNvGraphicFramePr>
-          <p:nvPr>
-            <p:extLst>
-              <p:ext uri="{D42A27DB-BD31-4B8C-83A1-F6EECF244321}">
-                <p14:modId xmlns:p14="http://schemas.microsoft.com/office/powerpoint/2010/main" val="2919220732"/>
-              </p:ext>
-            </p:extLst>
-          </p:nvPr>
-        </p:nvGraphicFramePr>
-        <p:xfrm>
-          <a:off x="345812" y="1362207"/>
-          <a:ext cx="11306496" cy="1828800"/>
-        </p:xfrm>
-        <a:graphic>
-          <a:graphicData uri="http://schemas.openxmlformats.org/drawingml/2006/table">
-            <a:tbl>
-              <a:tblPr firstRow="1" bandRow="1">
-                <a:tableStyleId>{5C22544A-7EE6-4342-B048-85BDC9FD1C3A}</a:tableStyleId>
-              </a:tblPr>
-              <a:tblGrid>
-                <a:gridCol w="1197762">
-                  <a:extLst>
-                    <a:ext uri="{9D8B030D-6E8A-4147-A177-3AD203B41FA5}">
-                      <a16:colId xmlns:a16="http://schemas.microsoft.com/office/drawing/2014/main" val="847120557"/>
-                    </a:ext>
-                  </a:extLst>
-                </a:gridCol>
-                <a:gridCol w="1417740">
-                  <a:extLst>
-                    <a:ext uri="{9D8B030D-6E8A-4147-A177-3AD203B41FA5}">
-                      <a16:colId xmlns:a16="http://schemas.microsoft.com/office/drawing/2014/main" val="44778753"/>
-                    </a:ext>
-                  </a:extLst>
-                </a:gridCol>
-                <a:gridCol w="1610686">
-                  <a:extLst>
-                    <a:ext uri="{9D8B030D-6E8A-4147-A177-3AD203B41FA5}">
-                      <a16:colId xmlns:a16="http://schemas.microsoft.com/office/drawing/2014/main" val="3794726730"/>
-                    </a:ext>
-                  </a:extLst>
-                </a:gridCol>
-                <a:gridCol w="7080308">
-                  <a:extLst>
-                    <a:ext uri="{9D8B030D-6E8A-4147-A177-3AD203B41FA5}">
-                      <a16:colId xmlns:a16="http://schemas.microsoft.com/office/drawing/2014/main" val="2097296227"/>
-                    </a:ext>
-                  </a:extLst>
-                </a:gridCol>
-              </a:tblGrid>
-              <a:tr h="329704">
-                <a:tc>
-                  <a:txBody>
-                    <a:bodyPr/>
-                    <a:lstStyle/>
-                    <a:p>
-                      <a:pPr algn="ctr"/>
-                      <a:r>
-                        <a:rPr lang="fr-FR" dirty="0"/>
-                        <a:t>Identifiant</a:t>
-                      </a:r>
-                    </a:p>
-                  </a:txBody>
-                  <a:tcPr/>
-                </a:tc>
-                <a:tc>
-                  <a:txBody>
-                    <a:bodyPr/>
-                    <a:lstStyle/>
-                    <a:p>
-                      <a:pPr algn="ctr"/>
-                      <a:r>
-                        <a:rPr lang="fr-FR" dirty="0"/>
-                        <a:t>Story</a:t>
-                      </a:r>
-                    </a:p>
-                  </a:txBody>
-                  <a:tcPr/>
-                </a:tc>
-                <a:tc>
-                  <a:txBody>
-                    <a:bodyPr/>
-                    <a:lstStyle/>
-                    <a:p>
-                      <a:pPr algn="ctr"/>
-                      <a:r>
-                        <a:rPr lang="fr-FR" dirty="0"/>
-                        <a:t>Thème</a:t>
-                      </a:r>
-                    </a:p>
-                  </a:txBody>
-                  <a:tcPr/>
-                </a:tc>
-                <a:tc>
-                  <a:txBody>
-                    <a:bodyPr/>
-                    <a:lstStyle/>
-                    <a:p>
-                      <a:pPr algn="ctr"/>
-                      <a:r>
-                        <a:rPr lang="fr-FR" dirty="0"/>
-                        <a:t>US</a:t>
-                      </a:r>
-                    </a:p>
-                  </a:txBody>
-                  <a:tcPr/>
-                </a:tc>
-                <a:extLst>
-                  <a:ext uri="{0D108BD9-81ED-4DB2-BD59-A6C34878D82A}">
-                    <a16:rowId xmlns:a16="http://schemas.microsoft.com/office/drawing/2014/main" val="3586712790"/>
-                  </a:ext>
-                </a:extLst>
-              </a:tr>
-              <a:tr h="990066">
-                <a:tc>
-                  <a:txBody>
-                    <a:bodyPr/>
-                    <a:lstStyle/>
-                    <a:p>
-                      <a:pPr algn="ctr"/>
-                      <a:r>
-                        <a:rPr lang="fr-FR" dirty="0"/>
-                        <a:t>US 6</a:t>
-                      </a:r>
-                    </a:p>
-                  </a:txBody>
-                  <a:tcPr/>
-                </a:tc>
-                <a:tc>
-                  <a:txBody>
-                    <a:bodyPr/>
-                    <a:lstStyle/>
-                    <a:p>
-                      <a:pPr algn="ctr"/>
-                      <a:r>
-                        <a:rPr lang="fr-FR" dirty="0"/>
-                        <a:t>Gestion du compte</a:t>
-                      </a:r>
-                    </a:p>
-                  </a:txBody>
-                  <a:tcPr/>
-                </a:tc>
-                <a:tc>
-                  <a:txBody>
-                    <a:bodyPr/>
-                    <a:lstStyle/>
-                    <a:p>
-                      <a:pPr algn="ctr"/>
-                      <a:r>
-                        <a:rPr lang="fr-FR" dirty="0"/>
-                        <a:t>Enrichir le contenu du site</a:t>
-                      </a:r>
-                    </a:p>
-                  </a:txBody>
-                  <a:tcPr/>
-                </a:tc>
-                <a:tc>
-                  <a:txBody>
-                    <a:bodyPr/>
-                    <a:lstStyle/>
-                    <a:p>
-                      <a:r>
-                        <a:rPr lang="fr-FR" dirty="0"/>
-                        <a:t>En tant qu’</a:t>
-                      </a:r>
-                      <a:r>
-                        <a:rPr lang="fr-FR" dirty="0">
-                          <a:solidFill>
-                            <a:srgbClr val="0070C0"/>
-                          </a:solidFill>
-                        </a:rPr>
-                        <a:t>utilisateur</a:t>
-                      </a:r>
-                    </a:p>
-                    <a:p>
-                      <a:r>
-                        <a:rPr lang="fr-FR" dirty="0"/>
-                        <a:t>Je souhaite </a:t>
-                      </a:r>
-                      <a:r>
-                        <a:rPr lang="fr-FR" dirty="0">
-                          <a:solidFill>
-                            <a:srgbClr val="FF0000"/>
-                          </a:solidFill>
-                        </a:rPr>
-                        <a:t>pouvoir proposer un nouveau site, proposer un nouveau topo ou visualiser une réservation sur un de mes topos</a:t>
-                      </a:r>
-                    </a:p>
-                    <a:p>
-                      <a:r>
-                        <a:rPr lang="fr-FR" dirty="0"/>
-                        <a:t>Afin de </a:t>
-                      </a:r>
-                      <a:r>
-                        <a:rPr lang="fr-FR" dirty="0">
-                          <a:solidFill>
-                            <a:schemeClr val="accent6"/>
-                          </a:solidFill>
-                        </a:rPr>
-                        <a:t>pouvoir enrichir le contenu du site ou consulter les informations pertinentes</a:t>
-                      </a:r>
-                    </a:p>
-                  </a:txBody>
-                  <a:tcPr/>
-                </a:tc>
-                <a:extLst>
-                  <a:ext uri="{0D108BD9-81ED-4DB2-BD59-A6C34878D82A}">
-                    <a16:rowId xmlns:a16="http://schemas.microsoft.com/office/drawing/2014/main" val="1694678573"/>
-                  </a:ext>
-                </a:extLst>
-              </a:tr>
-            </a:tbl>
-          </a:graphicData>
-        </a:graphic>
-      </p:graphicFrame>
-      <p:graphicFrame>
-        <p:nvGraphicFramePr>
-          <p:cNvPr id="9" name="Tableau 10">
-            <a:extLst>
-              <a:ext uri="{FF2B5EF4-FFF2-40B4-BE49-F238E27FC236}">
-                <a16:creationId xmlns:a16="http://schemas.microsoft.com/office/drawing/2014/main" id="{28D47CA7-69BB-4279-ABF7-3267B81984E0}"/>
-              </a:ext>
-            </a:extLst>
-          </p:cNvPr>
-          <p:cNvGraphicFramePr>
-            <a:graphicFrameLocks noGrp="1"/>
-          </p:cNvGraphicFramePr>
-          <p:nvPr>
-            <p:extLst>
-              <p:ext uri="{D42A27DB-BD31-4B8C-83A1-F6EECF244321}">
-                <p14:modId xmlns:p14="http://schemas.microsoft.com/office/powerpoint/2010/main" val="1815193002"/>
-              </p:ext>
-            </p:extLst>
-          </p:nvPr>
-        </p:nvGraphicFramePr>
-        <p:xfrm>
-          <a:off x="5999059" y="3366651"/>
-          <a:ext cx="5556308" cy="2016847"/>
-        </p:xfrm>
-        <a:graphic>
-          <a:graphicData uri="http://schemas.openxmlformats.org/drawingml/2006/table">
-            <a:tbl>
-              <a:tblPr firstRow="1" bandRow="1">
-                <a:tableStyleId>{5C22544A-7EE6-4342-B048-85BDC9FD1C3A}</a:tableStyleId>
-              </a:tblPr>
-              <a:tblGrid>
-                <a:gridCol w="5556308">
-                  <a:extLst>
-                    <a:ext uri="{9D8B030D-6E8A-4147-A177-3AD203B41FA5}">
-                      <a16:colId xmlns:a16="http://schemas.microsoft.com/office/drawing/2014/main" val="1367687133"/>
-                    </a:ext>
-                  </a:extLst>
-                </a:gridCol>
-              </a:tblGrid>
-              <a:tr h="210255">
-                <a:tc>
-                  <a:txBody>
-                    <a:bodyPr/>
-                    <a:lstStyle/>
-                    <a:p>
-                      <a:r>
-                        <a:rPr lang="fr-FR" dirty="0"/>
-                        <a:t>Critères d’acception</a:t>
-                      </a:r>
-                    </a:p>
-                  </a:txBody>
-                  <a:tcPr/>
-                </a:tc>
-                <a:extLst>
-                  <a:ext uri="{0D108BD9-81ED-4DB2-BD59-A6C34878D82A}">
-                    <a16:rowId xmlns:a16="http://schemas.microsoft.com/office/drawing/2014/main" val="1426691621"/>
-                  </a:ext>
-                </a:extLst>
-              </a:tr>
-              <a:tr h="1651087">
-                <a:tc>
-                  <a:txBody>
-                    <a:bodyPr/>
-                    <a:lstStyle/>
-                    <a:p>
-                      <a:r>
-                        <a:rPr lang="fr-FR" dirty="0"/>
-                        <a:t>L’insertion dans la base de données n’est pas encore prévu à ce stade, aussi les formulaires seront données à titre d’exemple et devront être modifiés lors de l’ajout de celle-ci.</a:t>
-                      </a:r>
-                    </a:p>
-                  </a:txBody>
-                  <a:tcPr/>
-                </a:tc>
-                <a:extLst>
-                  <a:ext uri="{0D108BD9-81ED-4DB2-BD59-A6C34878D82A}">
-                    <a16:rowId xmlns:a16="http://schemas.microsoft.com/office/drawing/2014/main" val="2625852529"/>
-                  </a:ext>
-                </a:extLst>
-              </a:tr>
-            </a:tbl>
-          </a:graphicData>
-        </a:graphic>
-      </p:graphicFrame>
-      <p:sp>
-        <p:nvSpPr>
-          <p:cNvPr id="12" name="Rectangle 11">
-            <a:extLst>
-              <a:ext uri="{FF2B5EF4-FFF2-40B4-BE49-F238E27FC236}">
-                <a16:creationId xmlns:a16="http://schemas.microsoft.com/office/drawing/2014/main" id="{4A3683C0-FF11-4561-8B69-9C863624036D}"/>
-              </a:ext>
-            </a:extLst>
-          </p:cNvPr>
-          <p:cNvSpPr/>
-          <p:nvPr/>
-        </p:nvSpPr>
-        <p:spPr>
-          <a:xfrm>
-            <a:off x="345812" y="3366649"/>
-            <a:ext cx="5556308" cy="3361321"/>
-          </a:xfrm>
-          <a:prstGeom prst="rect">
-            <a:avLst/>
-          </a:prstGeom>
-          <a:noFill/>
-        </p:spPr>
-        <p:style>
-          <a:lnRef idx="2">
-            <a:schemeClr val="accent1">
-              <a:shade val="50000"/>
-            </a:schemeClr>
-          </a:lnRef>
-          <a:fillRef idx="1">
-            <a:schemeClr val="accent1"/>
-          </a:fillRef>
-          <a:effectRef idx="0">
-            <a:schemeClr val="accent1"/>
-          </a:effectRef>
-          <a:fontRef idx="minor">
-            <a:schemeClr val="lt1"/>
-          </a:fontRef>
-        </p:style>
-        <p:txBody>
-          <a:bodyPr rtlCol="0" anchor="ctr"/>
-          <a:lstStyle/>
-          <a:p>
-            <a:pPr algn="ctr"/>
-            <a:endParaRPr lang="fr-FR"/>
-          </a:p>
-        </p:txBody>
-      </p:sp>
-      <p:pic>
-        <p:nvPicPr>
-          <p:cNvPr id="7" name="Image 6">
-            <a:extLst>
-              <a:ext uri="{FF2B5EF4-FFF2-40B4-BE49-F238E27FC236}">
-                <a16:creationId xmlns:a16="http://schemas.microsoft.com/office/drawing/2014/main" id="{BAFA3B98-3287-4182-B978-2D28EDFB4179}"/>
-              </a:ext>
-            </a:extLst>
-          </p:cNvPr>
-          <p:cNvPicPr>
-            <a:picLocks noChangeAspect="1"/>
-          </p:cNvPicPr>
-          <p:nvPr/>
-        </p:nvPicPr>
-        <p:blipFill>
-          <a:blip r:embed="rId2"/>
-          <a:stretch>
-            <a:fillRect/>
-          </a:stretch>
-        </p:blipFill>
-        <p:spPr>
-          <a:xfrm>
-            <a:off x="345812" y="3366648"/>
-            <a:ext cx="5556308" cy="3361321"/>
-          </a:xfrm>
-          <a:prstGeom prst="rect">
-            <a:avLst/>
-          </a:prstGeom>
-        </p:spPr>
-      </p:pic>
-    </p:spTree>
-    <p:extLst>
-      <p:ext uri="{BB962C8B-B14F-4D97-AF65-F5344CB8AC3E}">
-        <p14:creationId xmlns:p14="http://schemas.microsoft.com/office/powerpoint/2010/main" val="3171742469"/>
+        <p14:creationId xmlns:p14="http://schemas.microsoft.com/office/powerpoint/2010/main" val="648139645"/>
       </p:ext>
     </p:extLst>
   </p:cSld>
